--- a/data-formatting.pptx
+++ b/data-formatting.pptx
@@ -6,37 +6,36 @@
   </p:sldMasterIdLst>
   <p:sldIdLst>
     <p:sldId id="295" r:id="rId2"/>
-    <p:sldId id="298" r:id="rId3"/>
-    <p:sldId id="297" r:id="rId4"/>
-    <p:sldId id="258" r:id="rId5"/>
-    <p:sldId id="259" r:id="rId6"/>
-    <p:sldId id="260" r:id="rId7"/>
-    <p:sldId id="261" r:id="rId8"/>
-    <p:sldId id="263" r:id="rId9"/>
-    <p:sldId id="285" r:id="rId10"/>
-    <p:sldId id="286" r:id="rId11"/>
-    <p:sldId id="292" r:id="rId12"/>
-    <p:sldId id="290" r:id="rId13"/>
-    <p:sldId id="291" r:id="rId14"/>
-    <p:sldId id="270" r:id="rId15"/>
-    <p:sldId id="266" r:id="rId16"/>
-    <p:sldId id="271" r:id="rId17"/>
-    <p:sldId id="272" r:id="rId18"/>
-    <p:sldId id="273" r:id="rId19"/>
-    <p:sldId id="269" r:id="rId20"/>
-    <p:sldId id="274" r:id="rId21"/>
-    <p:sldId id="275" r:id="rId22"/>
-    <p:sldId id="277" r:id="rId23"/>
-    <p:sldId id="278" r:id="rId24"/>
-    <p:sldId id="279" r:id="rId25"/>
-    <p:sldId id="280" r:id="rId26"/>
-    <p:sldId id="283" r:id="rId27"/>
-    <p:sldId id="281" r:id="rId28"/>
-    <p:sldId id="294" r:id="rId29"/>
-    <p:sldId id="289" r:id="rId30"/>
-    <p:sldId id="293" r:id="rId31"/>
-    <p:sldId id="287" r:id="rId32"/>
-    <p:sldId id="296" r:id="rId33"/>
+    <p:sldId id="258" r:id="rId3"/>
+    <p:sldId id="259" r:id="rId4"/>
+    <p:sldId id="260" r:id="rId5"/>
+    <p:sldId id="261" r:id="rId6"/>
+    <p:sldId id="263" r:id="rId7"/>
+    <p:sldId id="285" r:id="rId8"/>
+    <p:sldId id="286" r:id="rId9"/>
+    <p:sldId id="292" r:id="rId10"/>
+    <p:sldId id="290" r:id="rId11"/>
+    <p:sldId id="291" r:id="rId12"/>
+    <p:sldId id="270" r:id="rId13"/>
+    <p:sldId id="266" r:id="rId14"/>
+    <p:sldId id="271" r:id="rId15"/>
+    <p:sldId id="272" r:id="rId16"/>
+    <p:sldId id="273" r:id="rId17"/>
+    <p:sldId id="269" r:id="rId18"/>
+    <p:sldId id="274" r:id="rId19"/>
+    <p:sldId id="275" r:id="rId20"/>
+    <p:sldId id="277" r:id="rId21"/>
+    <p:sldId id="278" r:id="rId22"/>
+    <p:sldId id="279" r:id="rId23"/>
+    <p:sldId id="280" r:id="rId24"/>
+    <p:sldId id="283" r:id="rId25"/>
+    <p:sldId id="281" r:id="rId26"/>
+    <p:sldId id="294" r:id="rId27"/>
+    <p:sldId id="289" r:id="rId28"/>
+    <p:sldId id="293" r:id="rId29"/>
+    <p:sldId id="287" r:id="rId30"/>
+    <p:sldId id="296" r:id="rId31"/>
+    <p:sldId id="297" r:id="rId32"/>
   </p:sldIdLst>
   <p:sldSz cx="12192000" cy="6858000"/>
   <p:notesSz cx="6858000" cy="9144000"/>
@@ -290,7 +289,7 @@
           <a:p>
             <a:fld id="{1886E3E4-BBB0-9841-947E-52D7BC216E92}" type="datetimeFigureOut">
               <a:rPr lang="en-US" smtClean="0"/>
-              <a:t>2/23/18</a:t>
+              <a:t>2/14/19</a:t>
             </a:fld>
             <a:endParaRPr lang="en-US"/>
           </a:p>
@@ -488,7 +487,7 @@
           <a:p>
             <a:fld id="{1886E3E4-BBB0-9841-947E-52D7BC216E92}" type="datetimeFigureOut">
               <a:rPr lang="en-US" smtClean="0"/>
-              <a:t>2/23/18</a:t>
+              <a:t>2/14/19</a:t>
             </a:fld>
             <a:endParaRPr lang="en-US"/>
           </a:p>
@@ -696,7 +695,7 @@
           <a:p>
             <a:fld id="{1886E3E4-BBB0-9841-947E-52D7BC216E92}" type="datetimeFigureOut">
               <a:rPr lang="en-US" smtClean="0"/>
-              <a:t>2/23/18</a:t>
+              <a:t>2/14/19</a:t>
             </a:fld>
             <a:endParaRPr lang="en-US"/>
           </a:p>
@@ -894,7 +893,7 @@
           <a:p>
             <a:fld id="{1886E3E4-BBB0-9841-947E-52D7BC216E92}" type="datetimeFigureOut">
               <a:rPr lang="en-US" smtClean="0"/>
-              <a:t>2/23/18</a:t>
+              <a:t>2/14/19</a:t>
             </a:fld>
             <a:endParaRPr lang="en-US"/>
           </a:p>
@@ -1169,7 +1168,7 @@
           <a:p>
             <a:fld id="{1886E3E4-BBB0-9841-947E-52D7BC216E92}" type="datetimeFigureOut">
               <a:rPr lang="en-US" smtClean="0"/>
-              <a:t>2/23/18</a:t>
+              <a:t>2/14/19</a:t>
             </a:fld>
             <a:endParaRPr lang="en-US"/>
           </a:p>
@@ -1434,7 +1433,7 @@
           <a:p>
             <a:fld id="{1886E3E4-BBB0-9841-947E-52D7BC216E92}" type="datetimeFigureOut">
               <a:rPr lang="en-US" smtClean="0"/>
-              <a:t>2/23/18</a:t>
+              <a:t>2/14/19</a:t>
             </a:fld>
             <a:endParaRPr lang="en-US"/>
           </a:p>
@@ -1846,7 +1845,7 @@
           <a:p>
             <a:fld id="{1886E3E4-BBB0-9841-947E-52D7BC216E92}" type="datetimeFigureOut">
               <a:rPr lang="en-US" smtClean="0"/>
-              <a:t>2/23/18</a:t>
+              <a:t>2/14/19</a:t>
             </a:fld>
             <a:endParaRPr lang="en-US"/>
           </a:p>
@@ -1987,7 +1986,7 @@
           <a:p>
             <a:fld id="{1886E3E4-BBB0-9841-947E-52D7BC216E92}" type="datetimeFigureOut">
               <a:rPr lang="en-US" smtClean="0"/>
-              <a:t>2/23/18</a:t>
+              <a:t>2/14/19</a:t>
             </a:fld>
             <a:endParaRPr lang="en-US"/>
           </a:p>
@@ -2100,7 +2099,7 @@
           <a:p>
             <a:fld id="{1886E3E4-BBB0-9841-947E-52D7BC216E92}" type="datetimeFigureOut">
               <a:rPr lang="en-US" smtClean="0"/>
-              <a:t>2/23/18</a:t>
+              <a:t>2/14/19</a:t>
             </a:fld>
             <a:endParaRPr lang="en-US"/>
           </a:p>
@@ -2411,7 +2410,7 @@
           <a:p>
             <a:fld id="{1886E3E4-BBB0-9841-947E-52D7BC216E92}" type="datetimeFigureOut">
               <a:rPr lang="en-US" smtClean="0"/>
-              <a:t>2/23/18</a:t>
+              <a:t>2/14/19</a:t>
             </a:fld>
             <a:endParaRPr lang="en-US"/>
           </a:p>
@@ -2699,7 +2698,7 @@
           <a:p>
             <a:fld id="{1886E3E4-BBB0-9841-947E-52D7BC216E92}" type="datetimeFigureOut">
               <a:rPr lang="en-US" smtClean="0"/>
-              <a:t>2/23/18</a:t>
+              <a:t>2/14/19</a:t>
             </a:fld>
             <a:endParaRPr lang="en-US"/>
           </a:p>
@@ -2940,7 +2939,7 @@
           <a:p>
             <a:fld id="{1886E3E4-BBB0-9841-947E-52D7BC216E92}" type="datetimeFigureOut">
               <a:rPr lang="en-US" smtClean="0"/>
-              <a:t>2/23/18</a:t>
+              <a:t>2/14/19</a:t>
             </a:fld>
             <a:endParaRPr lang="en-US"/>
           </a:p>
@@ -3407,8 +3406,8 @@
         </p:nvSpPr>
         <p:spPr>
           <a:xfrm>
-            <a:off x="1683027" y="241278"/>
-            <a:ext cx="9329530" cy="5262979"/>
+            <a:off x="1683026" y="254530"/>
+            <a:ext cx="9925877" cy="5693866"/>
           </a:xfrm>
           <a:prstGeom prst="rect">
             <a:avLst/>
@@ -3455,7 +3454,25 @@
                 <a:ea typeface="Times New Roman" panose="02020603050405020304" pitchFamily="18" charset="0"/>
                 <a:cs typeface="Calibri" panose="020F0502020204030204" pitchFamily="34" charset="0"/>
               </a:rPr>
-              <a:t>Bioinformatics Core’s course on ‘Avoiding Data Disasters’</a:t>
+              <a:t>Bioinformatics Core’s course on </a:t>
+            </a:r>
+          </a:p>
+          <a:p>
+            <a:pPr fontAlgn="base">
+              <a:spcAft>
+                <a:spcPts val="0"/>
+              </a:spcAft>
+            </a:pPr>
+            <a:r>
+              <a:rPr lang="en-GB" sz="2800" b="1" u="sng" dirty="0">
+                <a:solidFill>
+                  <a:srgbClr val="373737"/>
+                </a:solidFill>
+                <a:latin typeface="inherit"/>
+                <a:ea typeface="Times New Roman" panose="02020603050405020304" pitchFamily="18" charset="0"/>
+                <a:cs typeface="Calibri" panose="020F0502020204030204" pitchFamily="34" charset="0"/>
+              </a:rPr>
+              <a:t>‘Managing your Research Data’</a:t>
             </a:r>
           </a:p>
           <a:p>
@@ -3682,7 +3699,7 @@
                 <a:cs typeface="Calibri" panose="020F0502020204030204" pitchFamily="34" charset="0"/>
                 <a:hlinkClick r:id="rId4"/>
               </a:rPr>
-              <a:t>https://public.etherpad-mozilla.org/p/2018-2-23-cruk-ci-add</a:t>
+              <a:t>https://public.etherpad-mozilla.org/p/2019-2-26-cruk-ci-myrd</a:t>
             </a:r>
             <a:endParaRPr lang="en-GB" sz="2800" b="1" dirty="0">
               <a:solidFill>
@@ -3739,466 +3756,6 @@
       </p:grpSpPr>
       <p:sp>
         <p:nvSpPr>
-          <p:cNvPr id="2" name="Rectangle 1">
-            <a:extLst>
-              <a:ext uri="{FF2B5EF4-FFF2-40B4-BE49-F238E27FC236}">
-                <a16:creationId xmlns:a16="http://schemas.microsoft.com/office/drawing/2014/main" id="{01E8CD00-A041-5348-BAD9-B9044091AE15}"/>
-              </a:ext>
-            </a:extLst>
-          </p:cNvPr>
-          <p:cNvSpPr/>
-          <p:nvPr/>
-        </p:nvSpPr>
-        <p:spPr>
-          <a:xfrm>
-            <a:off x="1997476" y="1003642"/>
-            <a:ext cx="6096000" cy="3416320"/>
-          </a:xfrm>
-          <a:prstGeom prst="rect">
-            <a:avLst/>
-          </a:prstGeom>
-        </p:spPr>
-        <p:txBody>
-          <a:bodyPr>
-            <a:spAutoFit/>
-          </a:bodyPr>
-          <a:lstStyle/>
-          <a:p>
-            <a:r>
-              <a:rPr lang="en-GB" sz="2400" b="1" dirty="0"/>
-              <a:t>Less helpful features in Excel</a:t>
-            </a:r>
-          </a:p>
-          <a:p>
-            <a:pPr>
-              <a:buFont typeface="Arial" panose="020B0604020202020204" pitchFamily="34" charset="0"/>
-              <a:buChar char="•"/>
-            </a:pPr>
-            <a:r>
-              <a:rPr lang="en-GB" sz="2400" dirty="0"/>
-              <a:t>When identifiers are long integers</a:t>
-            </a:r>
-          </a:p>
-          <a:p>
-            <a:pPr marL="742950" lvl="1" indent="-285750">
-              <a:buFont typeface="Arial" panose="020B0604020202020204" pitchFamily="34" charset="0"/>
-              <a:buChar char="•"/>
-            </a:pPr>
-            <a:r>
-              <a:rPr lang="en-GB" sz="2400" dirty="0"/>
-              <a:t>1000000 = 1e06</a:t>
-            </a:r>
-          </a:p>
-          <a:p>
-            <a:pPr marL="742950" lvl="1" indent="-285750">
-              <a:buFont typeface="Arial" panose="020B0604020202020204" pitchFamily="34" charset="0"/>
-              <a:buChar char="•"/>
-            </a:pPr>
-            <a:r>
-              <a:rPr lang="en-GB" sz="2400" dirty="0">
-                <a:hlinkClick r:id="rId2"/>
-              </a:rPr>
-              <a:t>Issue with Illumina microaray chip IDs</a:t>
-            </a:r>
-            <a:endParaRPr lang="en-GB" sz="2400" dirty="0"/>
-          </a:p>
-          <a:p>
-            <a:pPr>
-              <a:buFont typeface="Arial" panose="020B0604020202020204" pitchFamily="34" charset="0"/>
-              <a:buChar char="•"/>
-            </a:pPr>
-            <a:r>
-              <a:rPr lang="en-GB" sz="2400" dirty="0">
-                <a:hlinkClick r:id="rId3"/>
-              </a:rPr>
-              <a:t>Excel can convert gene names to dates</a:t>
-            </a:r>
-            <a:endParaRPr lang="en-GB" sz="2400" dirty="0"/>
-          </a:p>
-          <a:p>
-            <a:pPr marL="742950" lvl="1" indent="-285750">
-              <a:buFont typeface="Arial" panose="020B0604020202020204" pitchFamily="34" charset="0"/>
-              <a:buChar char="•"/>
-            </a:pPr>
-            <a:r>
-              <a:rPr lang="en-GB" sz="2400" dirty="0"/>
-              <a:t>SEPT2 (</a:t>
-            </a:r>
-            <a:r>
-              <a:rPr lang="en-GB" sz="2400" dirty="0" err="1"/>
-              <a:t>Septin</a:t>
-            </a:r>
-            <a:r>
-              <a:rPr lang="en-GB" sz="2400" dirty="0"/>
-              <a:t> 2) → ‘2-Sep’</a:t>
-            </a:r>
-          </a:p>
-          <a:p>
-            <a:pPr marL="742950" lvl="1" indent="-285750">
-              <a:buFont typeface="Arial" panose="020B0604020202020204" pitchFamily="34" charset="0"/>
-              <a:buChar char="•"/>
-            </a:pPr>
-            <a:r>
-              <a:rPr lang="en-GB" sz="2400" dirty="0"/>
-              <a:t>MARCH1 (Membrane-Associated Ring Finger (C3HC4) 1, E3 Ubiquitin Protein Ligase) → ‘1-Mar’</a:t>
-            </a:r>
-          </a:p>
-        </p:txBody>
-      </p:sp>
-      <p:pic>
-        <p:nvPicPr>
-          <p:cNvPr id="3" name="Picture 2">
-            <a:extLst>
-              <a:ext uri="{FF2B5EF4-FFF2-40B4-BE49-F238E27FC236}">
-                <a16:creationId xmlns:a16="http://schemas.microsoft.com/office/drawing/2014/main" id="{B80C9D7B-EBF5-BE45-AE6A-4045FD36C532}"/>
-              </a:ext>
-            </a:extLst>
-          </p:cNvPr>
-          <p:cNvPicPr>
-            <a:picLocks noChangeAspect="1"/>
-          </p:cNvPicPr>
-          <p:nvPr/>
-        </p:nvPicPr>
-        <p:blipFill>
-          <a:blip r:embed="rId4">
-            <a:extLst>
-              <a:ext uri="{28A0092B-C50C-407E-A947-70E740481C1C}">
-                <a14:useLocalDpi xmlns:a14="http://schemas.microsoft.com/office/drawing/2010/main" val="0"/>
-              </a:ext>
-            </a:extLst>
-          </a:blip>
-          <a:stretch>
-            <a:fillRect/>
-          </a:stretch>
-        </p:blipFill>
-        <p:spPr>
-          <a:xfrm>
-            <a:off x="355876" y="5761659"/>
-            <a:ext cx="3283200" cy="720058"/>
-          </a:xfrm>
-          <a:prstGeom prst="rect">
-            <a:avLst/>
-          </a:prstGeom>
-        </p:spPr>
-      </p:pic>
-      <p:pic>
-        <p:nvPicPr>
-          <p:cNvPr id="4" name="Picture 3">
-            <a:extLst>
-              <a:ext uri="{FF2B5EF4-FFF2-40B4-BE49-F238E27FC236}">
-                <a16:creationId xmlns:a16="http://schemas.microsoft.com/office/drawing/2014/main" id="{BE1AF7CE-E6F6-D24D-BB90-E1989AAFA800}"/>
-              </a:ext>
-            </a:extLst>
-          </p:cNvPr>
-          <p:cNvPicPr>
-            <a:picLocks noChangeAspect="1"/>
-          </p:cNvPicPr>
-          <p:nvPr/>
-        </p:nvPicPr>
-        <p:blipFill>
-          <a:blip r:embed="rId5"/>
-          <a:stretch>
-            <a:fillRect/>
-          </a:stretch>
-        </p:blipFill>
-        <p:spPr>
-          <a:xfrm>
-            <a:off x="7836452" y="802861"/>
-            <a:ext cx="812800" cy="1117600"/>
-          </a:xfrm>
-          <a:prstGeom prst="rect">
-            <a:avLst/>
-          </a:prstGeom>
-        </p:spPr>
-      </p:pic>
-    </p:spTree>
-    <p:extLst>
-      <p:ext uri="{BB962C8B-B14F-4D97-AF65-F5344CB8AC3E}">
-        <p14:creationId xmlns:p14="http://schemas.microsoft.com/office/powerpoint/2010/main" val="1104730150"/>
-      </p:ext>
-    </p:extLst>
-  </p:cSld>
-  <p:clrMapOvr>
-    <a:masterClrMapping/>
-  </p:clrMapOvr>
-</p:sld>
-</file>
-
-<file path=ppt/slides/slide11.xml><?xml version="1.0" encoding="utf-8"?>
-<p:sld xmlns:a="http://schemas.openxmlformats.org/drawingml/2006/main" xmlns:r="http://schemas.openxmlformats.org/officeDocument/2006/relationships" xmlns:p="http://schemas.openxmlformats.org/presentationml/2006/main">
-  <p:cSld>
-    <p:spTree>
-      <p:nvGrpSpPr>
-        <p:cNvPr id="1" name=""/>
-        <p:cNvGrpSpPr/>
-        <p:nvPr/>
-      </p:nvGrpSpPr>
-      <p:grpSpPr>
-        <a:xfrm>
-          <a:off x="0" y="0"/>
-          <a:ext cx="0" cy="0"/>
-          <a:chOff x="0" y="0"/>
-          <a:chExt cx="0" cy="0"/>
-        </a:xfrm>
-      </p:grpSpPr>
-      <p:pic>
-        <p:nvPicPr>
-          <p:cNvPr id="2050" name="Picture 2" descr="Image result for gibbs slap">
-            <a:hlinkClick r:id="rId2"/>
-            <a:extLst>
-              <a:ext uri="{FF2B5EF4-FFF2-40B4-BE49-F238E27FC236}">
-                <a16:creationId xmlns:a16="http://schemas.microsoft.com/office/drawing/2014/main" id="{D3F068CE-D946-9444-BFC4-C4232F30DEDD}"/>
-              </a:ext>
-            </a:extLst>
-          </p:cNvPr>
-          <p:cNvPicPr>
-            <a:picLocks noChangeAspect="1" noChangeArrowheads="1"/>
-          </p:cNvPicPr>
-          <p:nvPr/>
-        </p:nvPicPr>
-        <p:blipFill>
-          <a:blip r:embed="rId3">
-            <a:extLst>
-              <a:ext uri="{28A0092B-C50C-407E-A947-70E740481C1C}">
-                <a14:useLocalDpi xmlns:a14="http://schemas.microsoft.com/office/drawing/2010/main" val="0"/>
-              </a:ext>
-            </a:extLst>
-          </a:blip>
-          <a:srcRect/>
-          <a:stretch>
-            <a:fillRect/>
-          </a:stretch>
-        </p:blipFill>
-        <p:spPr bwMode="auto">
-          <a:xfrm>
-            <a:off x="5849454" y="1044437"/>
-            <a:ext cx="5422900" cy="4610100"/>
-          </a:xfrm>
-          <a:prstGeom prst="rect">
-            <a:avLst/>
-          </a:prstGeom>
-          <a:noFill/>
-          <a:extLst>
-            <a:ext uri="{909E8E84-426E-40DD-AFC4-6F175D3DCCD1}">
-              <a14:hiddenFill xmlns:a14="http://schemas.microsoft.com/office/drawing/2010/main">
-                <a:solidFill>
-                  <a:srgbClr val="FFFFFF"/>
-                </a:solidFill>
-              </a14:hiddenFill>
-            </a:ext>
-          </a:extLst>
-        </p:spPr>
-      </p:pic>
-      <p:sp>
-        <p:nvSpPr>
-          <p:cNvPr id="2" name="TextBox 1">
-            <a:extLst>
-              <a:ext uri="{FF2B5EF4-FFF2-40B4-BE49-F238E27FC236}">
-                <a16:creationId xmlns:a16="http://schemas.microsoft.com/office/drawing/2014/main" id="{730EB49B-CDB5-F745-BFCC-844E8A797F25}"/>
-              </a:ext>
-            </a:extLst>
-          </p:cNvPr>
-          <p:cNvSpPr txBox="1"/>
-          <p:nvPr/>
-        </p:nvSpPr>
-        <p:spPr>
-          <a:xfrm>
-            <a:off x="808383" y="1044437"/>
-            <a:ext cx="4534126" cy="3785652"/>
-          </a:xfrm>
-          <a:prstGeom prst="rect">
-            <a:avLst/>
-          </a:prstGeom>
-          <a:noFill/>
-        </p:spPr>
-        <p:txBody>
-          <a:bodyPr wrap="none" rtlCol="0">
-            <a:spAutoFit/>
-          </a:bodyPr>
-          <a:lstStyle/>
-          <a:p>
-            <a:r>
-              <a:rPr lang="en-GB" sz="2400" b="1" u="sng" dirty="0"/>
-              <a:t>Data Handling rules:</a:t>
-            </a:r>
-            <a:br>
-              <a:rPr lang="en-GB" sz="2400" dirty="0"/>
-            </a:br>
-            <a:endParaRPr lang="en-GB" sz="2400" dirty="0"/>
-          </a:p>
-          <a:p>
-            <a:r>
-              <a:rPr lang="en-GB" sz="2400" dirty="0"/>
-              <a:t>In TV’s NCIS, Special Agent Leroy </a:t>
-            </a:r>
-            <a:br>
-              <a:rPr lang="en-GB" sz="2400" dirty="0"/>
-            </a:br>
-            <a:r>
-              <a:rPr lang="en-GB" sz="2400" dirty="0"/>
-              <a:t>‘Jethro’ Gibbs has a set of rules.</a:t>
-            </a:r>
-            <a:br>
-              <a:rPr lang="en-GB" sz="2400" dirty="0"/>
-            </a:br>
-            <a:r>
-              <a:rPr lang="en-GB" sz="2400" dirty="0"/>
-              <a:t>Failure to observe Gibbs Rules </a:t>
-            </a:r>
-          </a:p>
-          <a:p>
-            <a:r>
-              <a:rPr lang="en-GB" sz="2400" dirty="0"/>
-              <a:t>results in </a:t>
-            </a:r>
-            <a:r>
-              <a:rPr lang="en-US" sz="2400" dirty="0"/>
-              <a:t>a ‘Gibbs Slap’</a:t>
-            </a:r>
-            <a:br>
-              <a:rPr lang="en-US" sz="2400" dirty="0"/>
-            </a:br>
-            <a:br>
-              <a:rPr lang="en-US" sz="2400" dirty="0"/>
-            </a:br>
-            <a:r>
-              <a:rPr lang="en-US" sz="2400" dirty="0"/>
-              <a:t>We’re not that cruel but here are </a:t>
-            </a:r>
-            <a:br>
-              <a:rPr lang="en-US" sz="2400" dirty="0"/>
-            </a:br>
-            <a:r>
-              <a:rPr lang="en-US" sz="2400" dirty="0"/>
-              <a:t>some rules to follow when dealing </a:t>
-            </a:r>
-          </a:p>
-          <a:p>
-            <a:r>
-              <a:rPr lang="en-US" sz="2400" dirty="0"/>
-              <a:t>with your data.</a:t>
-            </a:r>
-            <a:endParaRPr lang="en-GB" sz="2400" dirty="0"/>
-          </a:p>
-        </p:txBody>
-      </p:sp>
-      <p:pic>
-        <p:nvPicPr>
-          <p:cNvPr id="4" name="Picture 3">
-            <a:extLst>
-              <a:ext uri="{FF2B5EF4-FFF2-40B4-BE49-F238E27FC236}">
-                <a16:creationId xmlns:a16="http://schemas.microsoft.com/office/drawing/2014/main" id="{F9CABFB6-0237-FD4F-8D4C-E7AF8ED71086}"/>
-              </a:ext>
-            </a:extLst>
-          </p:cNvPr>
-          <p:cNvPicPr>
-            <a:picLocks noChangeAspect="1"/>
-          </p:cNvPicPr>
-          <p:nvPr/>
-        </p:nvPicPr>
-        <p:blipFill>
-          <a:blip r:embed="rId4">
-            <a:extLst>
-              <a:ext uri="{28A0092B-C50C-407E-A947-70E740481C1C}">
-                <a14:useLocalDpi xmlns:a14="http://schemas.microsoft.com/office/drawing/2010/main" val="0"/>
-              </a:ext>
-            </a:extLst>
-          </a:blip>
-          <a:stretch>
-            <a:fillRect/>
-          </a:stretch>
-        </p:blipFill>
-        <p:spPr>
-          <a:xfrm>
-            <a:off x="355876" y="5814667"/>
-            <a:ext cx="3283200" cy="720058"/>
-          </a:xfrm>
-          <a:prstGeom prst="rect">
-            <a:avLst/>
-          </a:prstGeom>
-        </p:spPr>
-      </p:pic>
-      <p:sp>
-        <p:nvSpPr>
-          <p:cNvPr id="3" name="Rectangle 2">
-            <a:extLst>
-              <a:ext uri="{FF2B5EF4-FFF2-40B4-BE49-F238E27FC236}">
-                <a16:creationId xmlns:a16="http://schemas.microsoft.com/office/drawing/2014/main" id="{D83AC799-0BEE-1046-A351-84DBAC5D244F}"/>
-              </a:ext>
-            </a:extLst>
-          </p:cNvPr>
-          <p:cNvSpPr/>
-          <p:nvPr/>
-        </p:nvSpPr>
-        <p:spPr>
-          <a:xfrm>
-            <a:off x="5665626" y="5331371"/>
-            <a:ext cx="5606728" cy="646331"/>
-          </a:xfrm>
-          <a:prstGeom prst="rect">
-            <a:avLst/>
-          </a:prstGeom>
-        </p:spPr>
-        <p:txBody>
-          <a:bodyPr wrap="none">
-            <a:spAutoFit/>
-          </a:bodyPr>
-          <a:lstStyle/>
-          <a:p>
-            <a:r>
-              <a:rPr lang="en-GB" dirty="0"/>
-              <a:t>Image credit:</a:t>
-            </a:r>
-            <a:endParaRPr lang="en-US" dirty="0"/>
-          </a:p>
-          <a:p>
-            <a:r>
-              <a:rPr lang="en-US" dirty="0"/>
-              <a:t>https://</a:t>
-            </a:r>
-            <a:r>
-              <a:rPr lang="en-US" dirty="0" err="1"/>
-              <a:t>saisoto.deviantart.com</a:t>
-            </a:r>
-            <a:r>
-              <a:rPr lang="en-US" dirty="0"/>
-              <a:t>/art/Gibbs-Slap-173459786</a:t>
-            </a:r>
-          </a:p>
-        </p:txBody>
-      </p:sp>
-    </p:spTree>
-    <p:extLst>
-      <p:ext uri="{BB962C8B-B14F-4D97-AF65-F5344CB8AC3E}">
-        <p14:creationId xmlns:p14="http://schemas.microsoft.com/office/powerpoint/2010/main" val="3529431613"/>
-      </p:ext>
-    </p:extLst>
-  </p:cSld>
-  <p:clrMapOvr>
-    <a:masterClrMapping/>
-  </p:clrMapOvr>
-</p:sld>
-</file>
-
-<file path=ppt/slides/slide12.xml><?xml version="1.0" encoding="utf-8"?>
-<p:sld xmlns:a="http://schemas.openxmlformats.org/drawingml/2006/main" xmlns:r="http://schemas.openxmlformats.org/officeDocument/2006/relationships" xmlns:p="http://schemas.openxmlformats.org/presentationml/2006/main">
-  <p:cSld>
-    <p:spTree>
-      <p:nvGrpSpPr>
-        <p:cNvPr id="1" name=""/>
-        <p:cNvGrpSpPr/>
-        <p:nvPr/>
-      </p:nvGrpSpPr>
-      <p:grpSpPr>
-        <a:xfrm>
-          <a:off x="0" y="0"/>
-          <a:ext cx="0" cy="0"/>
-          <a:chOff x="0" y="0"/>
-          <a:chExt cx="0" cy="0"/>
-        </a:xfrm>
-      </p:grpSpPr>
-      <p:sp>
-        <p:nvSpPr>
           <p:cNvPr id="3" name="Rectangle 2">
             <a:extLst>
               <a:ext uri="{FF2B5EF4-FFF2-40B4-BE49-F238E27FC236}">
@@ -4369,7 +3926,7 @@
 </p:sld>
 </file>
 
-<file path=ppt/slides/slide13.xml><?xml version="1.0" encoding="utf-8"?>
+<file path=ppt/slides/slide11.xml><?xml version="1.0" encoding="utf-8"?>
 <p:sld xmlns:a="http://schemas.openxmlformats.org/drawingml/2006/main" xmlns:r="http://schemas.openxmlformats.org/officeDocument/2006/relationships" xmlns:p="http://schemas.openxmlformats.org/presentationml/2006/main">
   <p:cSld>
     <p:spTree>
@@ -4493,14 +4050,14 @@
               <a:buChar char="•"/>
             </a:pPr>
             <a:r>
-              <a:rPr lang="en-GB" sz="2400"/>
+              <a:rPr lang="en-GB" sz="2400" dirty="0"/>
               <a:t> Hard to reverse all the manual steps performed and </a:t>
             </a:r>
             <a:br>
-              <a:rPr lang="en-GB" sz="2400"/>
+              <a:rPr lang="en-GB" sz="2400" dirty="0"/>
             </a:br>
             <a:r>
-              <a:rPr lang="en-GB" sz="2400"/>
+              <a:rPr lang="en-GB" sz="2400" dirty="0"/>
               <a:t>invites errors</a:t>
             </a:r>
           </a:p>
@@ -4509,7 +4066,7 @@
               <a:buFont typeface="Arial" panose="020B0604020202020204" pitchFamily="34" charset="0"/>
               <a:buChar char="•"/>
             </a:pPr>
-            <a:endParaRPr lang="en-GB" sz="2400"/>
+            <a:endParaRPr lang="en-GB" sz="2400" dirty="0"/>
           </a:p>
           <a:p>
             <a:pPr>
@@ -4517,11 +4074,11 @@
               <a:buChar char="•"/>
             </a:pPr>
             <a:r>
-              <a:rPr lang="en-GB" sz="2400"/>
+              <a:rPr lang="en-GB" sz="2400" dirty="0"/>
               <a:t> Store the original data somewhere </a:t>
             </a:r>
             <a:r>
-              <a:rPr lang="en-GB" sz="2400" b="1" u="sng"/>
+              <a:rPr lang="en-GB" sz="2400" b="1" u="sng" dirty="0"/>
               <a:t>safe</a:t>
             </a:r>
           </a:p>
@@ -4531,8 +4088,16 @@
               <a:buChar char="•"/>
             </a:pPr>
             <a:r>
-              <a:rPr lang="en-GB" sz="2400"/>
-              <a:t>see later on today</a:t>
+              <a:rPr lang="en-GB" sz="2400" dirty="0"/>
+              <a:t>see later on today (</a:t>
+            </a:r>
+            <a:r>
+              <a:rPr lang="en-GB" sz="2400" dirty="0" err="1"/>
+              <a:t>OpenRefine</a:t>
+            </a:r>
+            <a:r>
+              <a:rPr lang="en-GB" sz="2400" dirty="0"/>
+              <a:t> exercise)</a:t>
             </a:r>
           </a:p>
         </p:txBody>
@@ -4550,7 +4115,7 @@
 </p:sld>
 </file>
 
-<file path=ppt/slides/slide14.xml><?xml version="1.0" encoding="utf-8"?>
+<file path=ppt/slides/slide12.xml><?xml version="1.0" encoding="utf-8"?>
 <p:sld xmlns:a="http://schemas.openxmlformats.org/drawingml/2006/main" xmlns:r="http://schemas.openxmlformats.org/officeDocument/2006/relationships" xmlns:p="http://schemas.openxmlformats.org/presentationml/2006/main">
   <p:cSld>
     <p:spTree>
@@ -5691,7 +5256,7 @@
 </p:sld>
 </file>
 
-<file path=ppt/slides/slide15.xml><?xml version="1.0" encoding="utf-8"?>
+<file path=ppt/slides/slide13.xml><?xml version="1.0" encoding="utf-8"?>
 <p:sld xmlns:a="http://schemas.openxmlformats.org/drawingml/2006/main" xmlns:r="http://schemas.openxmlformats.org/officeDocument/2006/relationships" xmlns:p="http://schemas.openxmlformats.org/presentationml/2006/main">
   <p:cSld>
     <p:spTree>
@@ -5917,7 +5482,7 @@
 </p:sld>
 </file>
 
-<file path=ppt/slides/slide16.xml><?xml version="1.0" encoding="utf-8"?>
+<file path=ppt/slides/slide14.xml><?xml version="1.0" encoding="utf-8"?>
 <p:sld xmlns:a="http://schemas.openxmlformats.org/drawingml/2006/main" xmlns:r="http://schemas.openxmlformats.org/officeDocument/2006/relationships" xmlns:p="http://schemas.openxmlformats.org/presentationml/2006/main">
   <p:cSld>
     <p:spTree>
@@ -6095,7 +5660,7 @@
 </p:sld>
 </file>
 
-<file path=ppt/slides/slide17.xml><?xml version="1.0" encoding="utf-8"?>
+<file path=ppt/slides/slide15.xml><?xml version="1.0" encoding="utf-8"?>
 <p:sld xmlns:a="http://schemas.openxmlformats.org/drawingml/2006/main" xmlns:r="http://schemas.openxmlformats.org/officeDocument/2006/relationships" xmlns:p="http://schemas.openxmlformats.org/presentationml/2006/main">
   <p:cSld>
     <p:spTree>
@@ -6248,7 +5813,7 @@
 </p:sld>
 </file>
 
-<file path=ppt/slides/slide18.xml><?xml version="1.0" encoding="utf-8"?>
+<file path=ppt/slides/slide16.xml><?xml version="1.0" encoding="utf-8"?>
 <p:sld xmlns:a="http://schemas.openxmlformats.org/drawingml/2006/main" xmlns:r="http://schemas.openxmlformats.org/officeDocument/2006/relationships" xmlns:p="http://schemas.openxmlformats.org/presentationml/2006/main">
   <p:cSld>
     <p:spTree>
@@ -7298,7 +6863,7 @@
 </p:sld>
 </file>
 
-<file path=ppt/slides/slide19.xml><?xml version="1.0" encoding="utf-8"?>
+<file path=ppt/slides/slide17.xml><?xml version="1.0" encoding="utf-8"?>
 <p:sld xmlns:a="http://schemas.openxmlformats.org/drawingml/2006/main" xmlns:r="http://schemas.openxmlformats.org/officeDocument/2006/relationships" xmlns:p="http://schemas.openxmlformats.org/presentationml/2006/main">
   <p:cSld>
     <p:spTree>
@@ -7458,276 +7023,7 @@
 </p:sld>
 </file>
 
-<file path=ppt/slides/slide2.xml><?xml version="1.0" encoding="utf-8"?>
-<p:sld xmlns:a="http://schemas.openxmlformats.org/drawingml/2006/main" xmlns:r="http://schemas.openxmlformats.org/officeDocument/2006/relationships" xmlns:p="http://schemas.openxmlformats.org/presentationml/2006/main">
-  <p:cSld>
-    <p:spTree>
-      <p:nvGrpSpPr>
-        <p:cNvPr id="1" name=""/>
-        <p:cNvGrpSpPr/>
-        <p:nvPr/>
-      </p:nvGrpSpPr>
-      <p:grpSpPr>
-        <a:xfrm>
-          <a:off x="0" y="0"/>
-          <a:ext cx="0" cy="0"/>
-          <a:chOff x="0" y="0"/>
-          <a:chExt cx="0" cy="0"/>
-        </a:xfrm>
-      </p:grpSpPr>
-      <p:pic>
-        <p:nvPicPr>
-          <p:cNvPr id="2" name="Picture 1">
-            <a:extLst>
-              <a:ext uri="{FF2B5EF4-FFF2-40B4-BE49-F238E27FC236}">
-                <a16:creationId xmlns:a16="http://schemas.microsoft.com/office/drawing/2014/main" id="{FB11E52A-2D2D-6148-BB07-FAFB89D05D9E}"/>
-              </a:ext>
-            </a:extLst>
-          </p:cNvPr>
-          <p:cNvPicPr>
-            <a:picLocks noChangeAspect="1"/>
-          </p:cNvPicPr>
-          <p:nvPr/>
-        </p:nvPicPr>
-        <p:blipFill>
-          <a:blip r:embed="rId2">
-            <a:extLst>
-              <a:ext uri="{28A0092B-C50C-407E-A947-70E740481C1C}">
-                <a14:useLocalDpi xmlns:a14="http://schemas.microsoft.com/office/drawing/2010/main" val="0"/>
-              </a:ext>
-            </a:extLst>
-          </a:blip>
-          <a:stretch>
-            <a:fillRect/>
-          </a:stretch>
-        </p:blipFill>
-        <p:spPr>
-          <a:xfrm>
-            <a:off x="355876" y="5761659"/>
-            <a:ext cx="3283200" cy="720058"/>
-          </a:xfrm>
-          <a:prstGeom prst="rect">
-            <a:avLst/>
-          </a:prstGeom>
-        </p:spPr>
-      </p:pic>
-      <p:sp>
-        <p:nvSpPr>
-          <p:cNvPr id="3" name="Rectangle 2">
-            <a:extLst>
-              <a:ext uri="{FF2B5EF4-FFF2-40B4-BE49-F238E27FC236}">
-                <a16:creationId xmlns:a16="http://schemas.microsoft.com/office/drawing/2014/main" id="{2F43B457-76F7-6D42-8060-1D3EC770DDCA}"/>
-              </a:ext>
-            </a:extLst>
-          </p:cNvPr>
-          <p:cNvSpPr/>
-          <p:nvPr/>
-        </p:nvSpPr>
-        <p:spPr>
-          <a:xfrm>
-            <a:off x="1997476" y="67793"/>
-            <a:ext cx="9329530" cy="5693866"/>
-          </a:xfrm>
-          <a:prstGeom prst="rect">
-            <a:avLst/>
-          </a:prstGeom>
-        </p:spPr>
-        <p:txBody>
-          <a:bodyPr wrap="square">
-            <a:spAutoFit/>
-          </a:bodyPr>
-          <a:lstStyle/>
-          <a:p>
-            <a:pPr fontAlgn="base">
-              <a:spcAft>
-                <a:spcPts val="0"/>
-              </a:spcAft>
-            </a:pPr>
-            <a:r>
-              <a:rPr lang="en-GB" sz="2800" b="1" u="sng" dirty="0">
-                <a:solidFill>
-                  <a:srgbClr val="373737"/>
-                </a:solidFill>
-                <a:latin typeface="inherit"/>
-                <a:ea typeface="Times New Roman" panose="02020603050405020304" pitchFamily="18" charset="0"/>
-                <a:cs typeface="Calibri" panose="020F0502020204030204" pitchFamily="34" charset="0"/>
-              </a:rPr>
-              <a:t>Welcome to the School of Clinical Medicine’s E-Learning suite</a:t>
-            </a:r>
-            <a:endParaRPr lang="en-GB" sz="2800" b="1" u="sng" dirty="0">
-              <a:solidFill>
-                <a:srgbClr val="373737"/>
-              </a:solidFill>
-              <a:latin typeface="inherit"/>
-              <a:ea typeface="Calibri" panose="020F0502020204030204" pitchFamily="34" charset="0"/>
-              <a:cs typeface="Calibri" panose="020F0502020204030204" pitchFamily="34" charset="0"/>
-            </a:endParaRPr>
-          </a:p>
-          <a:p>
-            <a:pPr marL="457200" indent="-457200" fontAlgn="base">
-              <a:spcAft>
-                <a:spcPts val="0"/>
-              </a:spcAft>
-              <a:buFont typeface="Arial" panose="020B0604020202020204" pitchFamily="34" charset="0"/>
-              <a:buChar char="•"/>
-            </a:pPr>
-            <a:r>
-              <a:rPr lang="en-GB" sz="2800" dirty="0">
-                <a:latin typeface="Calibri" panose="020F0502020204030204" pitchFamily="34" charset="0"/>
-                <a:ea typeface="Calibri" panose="020F0502020204030204" pitchFamily="34" charset="0"/>
-                <a:cs typeface="Times New Roman" panose="02020603050405020304" pitchFamily="18" charset="0"/>
-              </a:rPr>
-              <a:t>No Eating or Drinking in the suite! We have booked an area in the adjoining corridor with refreshments for a Tea break.</a:t>
-            </a:r>
-          </a:p>
-          <a:p>
-            <a:pPr marL="457200" indent="-457200" fontAlgn="base">
-              <a:spcAft>
-                <a:spcPts val="0"/>
-              </a:spcAft>
-              <a:buFont typeface="Arial" panose="020B0604020202020204" pitchFamily="34" charset="0"/>
-              <a:buChar char="•"/>
-            </a:pPr>
-            <a:r>
-              <a:rPr lang="en-GB" sz="2800" dirty="0">
-                <a:latin typeface="Calibri" panose="020F0502020204030204" pitchFamily="34" charset="0"/>
-                <a:ea typeface="Calibri" panose="020F0502020204030204" pitchFamily="34" charset="0"/>
-                <a:cs typeface="Times New Roman" panose="02020603050405020304" pitchFamily="18" charset="0"/>
-              </a:rPr>
-              <a:t>We are not aware of any planned Fire-drills so if the alarm sounds we will treat it as a real fire and evacuate.</a:t>
-            </a:r>
-          </a:p>
-          <a:p>
-            <a:pPr marL="457200" indent="-457200" fontAlgn="base">
-              <a:spcAft>
-                <a:spcPts val="0"/>
-              </a:spcAft>
-              <a:buFont typeface="Arial" panose="020B0604020202020204" pitchFamily="34" charset="0"/>
-              <a:buChar char="•"/>
-            </a:pPr>
-            <a:r>
-              <a:rPr lang="en-GB" sz="2800" dirty="0">
-                <a:latin typeface="Calibri" panose="020F0502020204030204" pitchFamily="34" charset="0"/>
-                <a:ea typeface="Calibri" panose="020F0502020204030204" pitchFamily="34" charset="0"/>
-                <a:cs typeface="Times New Roman" panose="02020603050405020304" pitchFamily="18" charset="0"/>
-              </a:rPr>
-              <a:t>Ladies and </a:t>
-            </a:r>
-            <a:r>
-              <a:rPr lang="en-GB" sz="2800" dirty="0" err="1">
-                <a:latin typeface="Calibri" panose="020F0502020204030204" pitchFamily="34" charset="0"/>
-                <a:ea typeface="Calibri" panose="020F0502020204030204" pitchFamily="34" charset="0"/>
-                <a:cs typeface="Times New Roman" panose="02020603050405020304" pitchFamily="18" charset="0"/>
-              </a:rPr>
-              <a:t>Gentlemans</a:t>
-            </a:r>
-            <a:r>
-              <a:rPr lang="en-GB" sz="2800" dirty="0">
-                <a:latin typeface="Calibri" panose="020F0502020204030204" pitchFamily="34" charset="0"/>
-                <a:ea typeface="Calibri" panose="020F0502020204030204" pitchFamily="34" charset="0"/>
-                <a:cs typeface="Times New Roman" panose="02020603050405020304" pitchFamily="18" charset="0"/>
-              </a:rPr>
-              <a:t> toilets are situated on the level below us (Descend via spiral staircase or lift)</a:t>
-            </a:r>
-          </a:p>
-          <a:p>
-            <a:pPr marL="457200" indent="-457200" fontAlgn="base">
-              <a:spcAft>
-                <a:spcPts val="0"/>
-              </a:spcAft>
-              <a:buFont typeface="Arial" panose="020B0604020202020204" pitchFamily="34" charset="0"/>
-              <a:buChar char="•"/>
-            </a:pPr>
-            <a:r>
-              <a:rPr lang="en-GB" sz="2800" dirty="0">
-                <a:latin typeface="Calibri" panose="020F0502020204030204" pitchFamily="34" charset="0"/>
-                <a:ea typeface="Calibri" panose="020F0502020204030204" pitchFamily="34" charset="0"/>
-                <a:cs typeface="Times New Roman" panose="02020603050405020304" pitchFamily="18" charset="0"/>
-              </a:rPr>
-              <a:t>If you are planning to use your own laptop then you will need to install the free package ‘</a:t>
-            </a:r>
-            <a:r>
-              <a:rPr lang="en-GB" sz="2800" dirty="0" err="1">
-                <a:latin typeface="Calibri" panose="020F0502020204030204" pitchFamily="34" charset="0"/>
-                <a:ea typeface="Calibri" panose="020F0502020204030204" pitchFamily="34" charset="0"/>
-                <a:cs typeface="Times New Roman" panose="02020603050405020304" pitchFamily="18" charset="0"/>
-              </a:rPr>
-              <a:t>OpenRefine</a:t>
-            </a:r>
-            <a:r>
-              <a:rPr lang="en-GB" sz="2800" dirty="0">
-                <a:latin typeface="Calibri" panose="020F0502020204030204" pitchFamily="34" charset="0"/>
-                <a:ea typeface="Calibri" panose="020F0502020204030204" pitchFamily="34" charset="0"/>
-                <a:cs typeface="Times New Roman" panose="02020603050405020304" pitchFamily="18" charset="0"/>
-              </a:rPr>
-              <a:t>’ from </a:t>
-            </a:r>
-            <a:r>
-              <a:rPr lang="en-GB" sz="2800" dirty="0">
-                <a:latin typeface="Calibri" panose="020F0502020204030204" pitchFamily="34" charset="0"/>
-                <a:ea typeface="Calibri" panose="020F0502020204030204" pitchFamily="34" charset="0"/>
-                <a:cs typeface="Times New Roman" panose="02020603050405020304" pitchFamily="18" charset="0"/>
-                <a:hlinkClick r:id="rId3"/>
-              </a:rPr>
-              <a:t>http://openrefine.org</a:t>
-            </a:r>
-            <a:r>
-              <a:rPr lang="en-GB" sz="2800" dirty="0">
-                <a:latin typeface="Calibri" panose="020F0502020204030204" pitchFamily="34" charset="0"/>
-                <a:ea typeface="Calibri" panose="020F0502020204030204" pitchFamily="34" charset="0"/>
-                <a:cs typeface="Times New Roman" panose="02020603050405020304" pitchFamily="18" charset="0"/>
-              </a:rPr>
-              <a:t> .</a:t>
-            </a:r>
-          </a:p>
-          <a:p>
-            <a:pPr marL="457200" indent="-457200" fontAlgn="base">
-              <a:spcAft>
-                <a:spcPts val="0"/>
-              </a:spcAft>
-              <a:buFont typeface="Arial" panose="020B0604020202020204" pitchFamily="34" charset="0"/>
-              <a:buChar char="•"/>
-            </a:pPr>
-            <a:r>
-              <a:rPr lang="en-GB" sz="2800" dirty="0">
-                <a:latin typeface="Calibri" panose="020F0502020204030204" pitchFamily="34" charset="0"/>
-                <a:ea typeface="Calibri" panose="020F0502020204030204" pitchFamily="34" charset="0"/>
-                <a:cs typeface="Times New Roman" panose="02020603050405020304" pitchFamily="18" charset="0"/>
-              </a:rPr>
-              <a:t>If you are having difficulties please stick the Red/pink post-it</a:t>
-            </a:r>
-            <a:br>
-              <a:rPr lang="en-GB" sz="2800" dirty="0">
-                <a:latin typeface="Calibri" panose="020F0502020204030204" pitchFamily="34" charset="0"/>
-                <a:ea typeface="Calibri" panose="020F0502020204030204" pitchFamily="34" charset="0"/>
-                <a:cs typeface="Times New Roman" panose="02020603050405020304" pitchFamily="18" charset="0"/>
-              </a:rPr>
-            </a:br>
-            <a:r>
-              <a:rPr lang="en-GB" sz="2800" dirty="0">
-                <a:latin typeface="Calibri" panose="020F0502020204030204" pitchFamily="34" charset="0"/>
-                <a:ea typeface="Calibri" panose="020F0502020204030204" pitchFamily="34" charset="0"/>
-                <a:cs typeface="Times New Roman" panose="02020603050405020304" pitchFamily="18" charset="0"/>
-              </a:rPr>
-              <a:t>on the back of your display and one of us will come to help you ASAP</a:t>
-            </a:r>
-          </a:p>
-        </p:txBody>
-      </p:sp>
-    </p:spTree>
-    <p:extLst>
-      <p:ext uri="{BB962C8B-B14F-4D97-AF65-F5344CB8AC3E}">
-        <p14:creationId xmlns:p14="http://schemas.microsoft.com/office/powerpoint/2010/main" val="2064319389"/>
-      </p:ext>
-    </p:extLst>
-  </p:cSld>
-  <p:clrMapOvr>
-    <a:masterClrMapping/>
-  </p:clrMapOvr>
-</p:sld>
-</file>
-
-<file path=ppt/slides/slide20.xml><?xml version="1.0" encoding="utf-8"?>
+<file path=ppt/slides/slide18.xml><?xml version="1.0" encoding="utf-8"?>
 <p:sld xmlns:a="http://schemas.openxmlformats.org/drawingml/2006/main" xmlns:r="http://schemas.openxmlformats.org/officeDocument/2006/relationships" xmlns:p="http://schemas.openxmlformats.org/presentationml/2006/main">
   <p:cSld>
     <p:spTree>
@@ -7906,7 +7202,7 @@
 </p:sld>
 </file>
 
-<file path=ppt/slides/slide21.xml><?xml version="1.0" encoding="utf-8"?>
+<file path=ppt/slides/slide19.xml><?xml version="1.0" encoding="utf-8"?>
 <p:sld xmlns:a="http://schemas.openxmlformats.org/drawingml/2006/main" xmlns:r="http://schemas.openxmlformats.org/officeDocument/2006/relationships" xmlns:p="http://schemas.openxmlformats.org/presentationml/2006/main">
   <p:cSld>
     <p:spTree>
@@ -8735,7 +8031,161 @@
 </p:sld>
 </file>
 
-<file path=ppt/slides/slide22.xml><?xml version="1.0" encoding="utf-8"?>
+<file path=ppt/slides/slide2.xml><?xml version="1.0" encoding="utf-8"?>
+<p:sld xmlns:a="http://schemas.openxmlformats.org/drawingml/2006/main" xmlns:r="http://schemas.openxmlformats.org/officeDocument/2006/relationships" xmlns:p="http://schemas.openxmlformats.org/presentationml/2006/main">
+  <p:cSld>
+    <p:spTree>
+      <p:nvGrpSpPr>
+        <p:cNvPr id="1" name=""/>
+        <p:cNvGrpSpPr/>
+        <p:nvPr/>
+      </p:nvGrpSpPr>
+      <p:grpSpPr>
+        <a:xfrm>
+          <a:off x="0" y="0"/>
+          <a:ext cx="0" cy="0"/>
+          <a:chOff x="0" y="0"/>
+          <a:chExt cx="0" cy="0"/>
+        </a:xfrm>
+      </p:grpSpPr>
+      <p:sp>
+        <p:nvSpPr>
+          <p:cNvPr id="3" name="Rectangle 2">
+            <a:extLst>
+              <a:ext uri="{FF2B5EF4-FFF2-40B4-BE49-F238E27FC236}">
+                <a16:creationId xmlns:a16="http://schemas.microsoft.com/office/drawing/2014/main" id="{415FB8B1-973A-C845-9ED4-EF496CC1DAF5}"/>
+              </a:ext>
+            </a:extLst>
+          </p:cNvPr>
+          <p:cNvSpPr/>
+          <p:nvPr/>
+        </p:nvSpPr>
+        <p:spPr>
+          <a:xfrm>
+            <a:off x="568737" y="1099929"/>
+            <a:ext cx="8190949" cy="2062103"/>
+          </a:xfrm>
+          <a:prstGeom prst="rect">
+            <a:avLst/>
+          </a:prstGeom>
+        </p:spPr>
+        <p:txBody>
+          <a:bodyPr wrap="square">
+            <a:spAutoFit/>
+          </a:bodyPr>
+          <a:lstStyle/>
+          <a:p>
+            <a:r>
+              <a:rPr lang="en-GB" sz="3200" b="1" dirty="0"/>
+              <a:t>Data Formatting Issues</a:t>
+            </a:r>
+          </a:p>
+          <a:p>
+            <a:r>
+              <a:rPr lang="en-GB" sz="3200" b="1" dirty="0"/>
+              <a:t>Managing Your Research Data– </a:t>
+            </a:r>
+          </a:p>
+          <a:p>
+            <a:r>
+              <a:rPr lang="en-GB" sz="3200" b="1" dirty="0"/>
+              <a:t>Best practices in Research Data Management </a:t>
+            </a:r>
+          </a:p>
+          <a:p>
+            <a:r>
+              <a:rPr lang="en-GB" sz="3200" b="1" dirty="0"/>
+              <a:t>for the Biological Sciences</a:t>
+            </a:r>
+          </a:p>
+        </p:txBody>
+      </p:sp>
+      <p:pic>
+        <p:nvPicPr>
+          <p:cNvPr id="5" name="Picture 4" descr="http://dtsinfotech.com/wp-content/uploads/2016/10/DBDR_.jpg">
+            <a:extLst>
+              <a:ext uri="{FF2B5EF4-FFF2-40B4-BE49-F238E27FC236}">
+                <a16:creationId xmlns:a16="http://schemas.microsoft.com/office/drawing/2014/main" id="{66252679-625F-AB46-BD09-5959A8098EFB}"/>
+              </a:ext>
+            </a:extLst>
+          </p:cNvPr>
+          <p:cNvPicPr/>
+          <p:nvPr/>
+        </p:nvPicPr>
+        <p:blipFill>
+          <a:blip r:embed="rId2">
+            <a:extLst>
+              <a:ext uri="{28A0092B-C50C-407E-A947-70E740481C1C}">
+                <a14:useLocalDpi xmlns:a14="http://schemas.microsoft.com/office/drawing/2010/main" val="0"/>
+              </a:ext>
+            </a:extLst>
+          </a:blip>
+          <a:srcRect/>
+          <a:stretch>
+            <a:fillRect/>
+          </a:stretch>
+        </p:blipFill>
+        <p:spPr bwMode="auto">
+          <a:xfrm>
+            <a:off x="8759686" y="1070299"/>
+            <a:ext cx="3128618" cy="4200940"/>
+          </a:xfrm>
+          <a:prstGeom prst="rect">
+            <a:avLst/>
+          </a:prstGeom>
+          <a:noFill/>
+        </p:spPr>
+      </p:pic>
+      <p:pic>
+        <p:nvPicPr>
+          <p:cNvPr id="4" name="Picture 3">
+            <a:extLst>
+              <a:ext uri="{FF2B5EF4-FFF2-40B4-BE49-F238E27FC236}">
+                <a16:creationId xmlns:a16="http://schemas.microsoft.com/office/drawing/2014/main" id="{1895C895-F863-AA45-958B-F6EE7695860B}"/>
+              </a:ext>
+            </a:extLst>
+          </p:cNvPr>
+          <p:cNvPicPr>
+            <a:picLocks noChangeAspect="1"/>
+          </p:cNvPicPr>
+          <p:nvPr/>
+        </p:nvPicPr>
+        <p:blipFill>
+          <a:blip r:embed="rId3">
+            <a:extLst>
+              <a:ext uri="{28A0092B-C50C-407E-A947-70E740481C1C}">
+                <a14:useLocalDpi xmlns:a14="http://schemas.microsoft.com/office/drawing/2010/main" val="0"/>
+              </a:ext>
+            </a:extLst>
+          </a:blip>
+          <a:stretch>
+            <a:fillRect/>
+          </a:stretch>
+        </p:blipFill>
+        <p:spPr>
+          <a:xfrm>
+            <a:off x="355876" y="5761659"/>
+            <a:ext cx="3283200" cy="720058"/>
+          </a:xfrm>
+          <a:prstGeom prst="rect">
+            <a:avLst/>
+          </a:prstGeom>
+        </p:spPr>
+      </p:pic>
+    </p:spTree>
+    <p:extLst>
+      <p:ext uri="{BB962C8B-B14F-4D97-AF65-F5344CB8AC3E}">
+        <p14:creationId xmlns:p14="http://schemas.microsoft.com/office/powerpoint/2010/main" val="1212522170"/>
+      </p:ext>
+    </p:extLst>
+  </p:cSld>
+  <p:clrMapOvr>
+    <a:masterClrMapping/>
+  </p:clrMapOvr>
+</p:sld>
+</file>
+
+<file path=ppt/slides/slide20.xml><?xml version="1.0" encoding="utf-8"?>
 <p:sld xmlns:a="http://schemas.openxmlformats.org/drawingml/2006/main" xmlns:r="http://schemas.openxmlformats.org/officeDocument/2006/relationships" xmlns:p="http://schemas.openxmlformats.org/presentationml/2006/main">
   <p:cSld>
     <p:spTree>
@@ -8905,7 +8355,7 @@
 </p:sld>
 </file>
 
-<file path=ppt/slides/slide23.xml><?xml version="1.0" encoding="utf-8"?>
+<file path=ppt/slides/slide21.xml><?xml version="1.0" encoding="utf-8"?>
 <p:sld xmlns:a="http://schemas.openxmlformats.org/drawingml/2006/main" xmlns:r="http://schemas.openxmlformats.org/officeDocument/2006/relationships" xmlns:p="http://schemas.openxmlformats.org/presentationml/2006/main">
   <p:cSld>
     <p:spTree>
@@ -9737,7 +9187,7 @@
 </p:sld>
 </file>
 
-<file path=ppt/slides/slide24.xml><?xml version="1.0" encoding="utf-8"?>
+<file path=ppt/slides/slide22.xml><?xml version="1.0" encoding="utf-8"?>
 <p:sld xmlns:a="http://schemas.openxmlformats.org/drawingml/2006/main" xmlns:r="http://schemas.openxmlformats.org/officeDocument/2006/relationships" xmlns:p="http://schemas.openxmlformats.org/presentationml/2006/main">
   <p:cSld>
     <p:spTree>
@@ -9901,6 +9351,278 @@
 </p:sld>
 </file>
 
+<file path=ppt/slides/slide23.xml><?xml version="1.0" encoding="utf-8"?>
+<p:sld xmlns:a="http://schemas.openxmlformats.org/drawingml/2006/main" xmlns:r="http://schemas.openxmlformats.org/officeDocument/2006/relationships" xmlns:p="http://schemas.openxmlformats.org/presentationml/2006/main">
+  <p:cSld>
+    <p:spTree>
+      <p:nvGrpSpPr>
+        <p:cNvPr id="1" name=""/>
+        <p:cNvGrpSpPr/>
+        <p:nvPr/>
+      </p:nvGrpSpPr>
+      <p:grpSpPr>
+        <a:xfrm>
+          <a:off x="0" y="0"/>
+          <a:ext cx="0" cy="0"/>
+          <a:chOff x="0" y="0"/>
+          <a:chExt cx="0" cy="0"/>
+        </a:xfrm>
+      </p:grpSpPr>
+      <p:sp>
+        <p:nvSpPr>
+          <p:cNvPr id="3" name="Rectangle 2">
+            <a:extLst>
+              <a:ext uri="{FF2B5EF4-FFF2-40B4-BE49-F238E27FC236}">
+                <a16:creationId xmlns:a16="http://schemas.microsoft.com/office/drawing/2014/main" id="{57A45BFE-9205-F748-83FA-26DC6F4EB57E}"/>
+              </a:ext>
+            </a:extLst>
+          </p:cNvPr>
+          <p:cNvSpPr/>
+          <p:nvPr/>
+        </p:nvSpPr>
+        <p:spPr>
+          <a:xfrm>
+            <a:off x="3639076" y="819186"/>
+            <a:ext cx="3706015" cy="461665"/>
+          </a:xfrm>
+          <a:prstGeom prst="rect">
+            <a:avLst/>
+          </a:prstGeom>
+        </p:spPr>
+        <p:txBody>
+          <a:bodyPr wrap="none">
+            <a:spAutoFit/>
+          </a:bodyPr>
+          <a:lstStyle/>
+          <a:p>
+            <a:r>
+              <a:rPr lang="en-GB" sz="2400" b="1"/>
+              <a:t>Rule 5 - Make it rectangular</a:t>
+            </a:r>
+          </a:p>
+        </p:txBody>
+      </p:sp>
+      <p:pic>
+        <p:nvPicPr>
+          <p:cNvPr id="5" name="Picture 4">
+            <a:extLst>
+              <a:ext uri="{FF2B5EF4-FFF2-40B4-BE49-F238E27FC236}">
+                <a16:creationId xmlns:a16="http://schemas.microsoft.com/office/drawing/2014/main" id="{0B21C5E0-ADB6-5D40-B3B8-594900758FA7}"/>
+              </a:ext>
+            </a:extLst>
+          </p:cNvPr>
+          <p:cNvPicPr>
+            <a:picLocks noChangeAspect="1"/>
+          </p:cNvPicPr>
+          <p:nvPr/>
+        </p:nvPicPr>
+        <p:blipFill>
+          <a:blip r:embed="rId2">
+            <a:extLst>
+              <a:ext uri="{28A0092B-C50C-407E-A947-70E740481C1C}">
+                <a14:useLocalDpi xmlns:a14="http://schemas.microsoft.com/office/drawing/2010/main" val="0"/>
+              </a:ext>
+            </a:extLst>
+          </a:blip>
+          <a:stretch>
+            <a:fillRect/>
+          </a:stretch>
+        </p:blipFill>
+        <p:spPr>
+          <a:xfrm>
+            <a:off x="2159000" y="1858617"/>
+            <a:ext cx="7874000" cy="2133600"/>
+          </a:xfrm>
+          <a:prstGeom prst="rect">
+            <a:avLst/>
+          </a:prstGeom>
+        </p:spPr>
+      </p:pic>
+      <p:pic>
+        <p:nvPicPr>
+          <p:cNvPr id="8" name="Picture 7">
+            <a:extLst>
+              <a:ext uri="{FF2B5EF4-FFF2-40B4-BE49-F238E27FC236}">
+                <a16:creationId xmlns:a16="http://schemas.microsoft.com/office/drawing/2014/main" id="{A6066FC0-3B91-E142-BF0E-2D9D451C8003}"/>
+              </a:ext>
+            </a:extLst>
+          </p:cNvPr>
+          <p:cNvPicPr>
+            <a:picLocks noChangeAspect="1"/>
+          </p:cNvPicPr>
+          <p:nvPr/>
+        </p:nvPicPr>
+        <p:blipFill>
+          <a:blip r:embed="rId3">
+            <a:extLst>
+              <a:ext uri="{28A0092B-C50C-407E-A947-70E740481C1C}">
+                <a14:useLocalDpi xmlns:a14="http://schemas.microsoft.com/office/drawing/2010/main" val="0"/>
+              </a:ext>
+            </a:extLst>
+          </a:blip>
+          <a:stretch>
+            <a:fillRect/>
+          </a:stretch>
+        </p:blipFill>
+        <p:spPr>
+          <a:xfrm>
+            <a:off x="355876" y="5774911"/>
+            <a:ext cx="3283200" cy="720058"/>
+          </a:xfrm>
+          <a:prstGeom prst="rect">
+            <a:avLst/>
+          </a:prstGeom>
+        </p:spPr>
+      </p:pic>
+    </p:spTree>
+    <p:extLst>
+      <p:ext uri="{BB962C8B-B14F-4D97-AF65-F5344CB8AC3E}">
+        <p14:creationId xmlns:p14="http://schemas.microsoft.com/office/powerpoint/2010/main" val="1347850894"/>
+      </p:ext>
+    </p:extLst>
+  </p:cSld>
+  <p:clrMapOvr>
+    <a:masterClrMapping/>
+  </p:clrMapOvr>
+</p:sld>
+</file>
+
+<file path=ppt/slides/slide24.xml><?xml version="1.0" encoding="utf-8"?>
+<p:sld xmlns:a="http://schemas.openxmlformats.org/drawingml/2006/main" xmlns:r="http://schemas.openxmlformats.org/officeDocument/2006/relationships" xmlns:p="http://schemas.openxmlformats.org/presentationml/2006/main">
+  <p:cSld>
+    <p:spTree>
+      <p:nvGrpSpPr>
+        <p:cNvPr id="1" name=""/>
+        <p:cNvGrpSpPr/>
+        <p:nvPr/>
+      </p:nvGrpSpPr>
+      <p:grpSpPr>
+        <a:xfrm>
+          <a:off x="0" y="0"/>
+          <a:ext cx="0" cy="0"/>
+          <a:chOff x="0" y="0"/>
+          <a:chExt cx="0" cy="0"/>
+        </a:xfrm>
+      </p:grpSpPr>
+      <p:sp>
+        <p:nvSpPr>
+          <p:cNvPr id="2" name="Rectangle 1">
+            <a:extLst>
+              <a:ext uri="{FF2B5EF4-FFF2-40B4-BE49-F238E27FC236}">
+                <a16:creationId xmlns:a16="http://schemas.microsoft.com/office/drawing/2014/main" id="{126262B6-E702-B746-84FF-E58D750EA178}"/>
+              </a:ext>
+            </a:extLst>
+          </p:cNvPr>
+          <p:cNvSpPr/>
+          <p:nvPr/>
+        </p:nvSpPr>
+        <p:spPr>
+          <a:xfrm>
+            <a:off x="3307666" y="607152"/>
+            <a:ext cx="3706015" cy="461665"/>
+          </a:xfrm>
+          <a:prstGeom prst="rect">
+            <a:avLst/>
+          </a:prstGeom>
+        </p:spPr>
+        <p:txBody>
+          <a:bodyPr wrap="none">
+            <a:spAutoFit/>
+          </a:bodyPr>
+          <a:lstStyle/>
+          <a:p>
+            <a:r>
+              <a:rPr lang="en-GB" sz="2400" b="1" dirty="0"/>
+              <a:t>Rule 5 - Make it rectangular</a:t>
+            </a:r>
+          </a:p>
+        </p:txBody>
+      </p:sp>
+      <p:pic>
+        <p:nvPicPr>
+          <p:cNvPr id="4" name="Picture 3">
+            <a:extLst>
+              <a:ext uri="{FF2B5EF4-FFF2-40B4-BE49-F238E27FC236}">
+                <a16:creationId xmlns:a16="http://schemas.microsoft.com/office/drawing/2014/main" id="{DFDC1E1C-CD82-3E43-BFF6-BC18421DEBA7}"/>
+              </a:ext>
+            </a:extLst>
+          </p:cNvPr>
+          <p:cNvPicPr>
+            <a:picLocks noChangeAspect="1"/>
+          </p:cNvPicPr>
+          <p:nvPr/>
+        </p:nvPicPr>
+        <p:blipFill>
+          <a:blip r:embed="rId2">
+            <a:extLst>
+              <a:ext uri="{28A0092B-C50C-407E-A947-70E740481C1C}">
+                <a14:useLocalDpi xmlns:a14="http://schemas.microsoft.com/office/drawing/2010/main" val="0"/>
+              </a:ext>
+            </a:extLst>
+          </a:blip>
+          <a:stretch>
+            <a:fillRect/>
+          </a:stretch>
+        </p:blipFill>
+        <p:spPr>
+          <a:xfrm>
+            <a:off x="3457015" y="1155189"/>
+            <a:ext cx="5156200" cy="4483100"/>
+          </a:xfrm>
+          <a:prstGeom prst="rect">
+            <a:avLst/>
+          </a:prstGeom>
+        </p:spPr>
+      </p:pic>
+      <p:pic>
+        <p:nvPicPr>
+          <p:cNvPr id="5" name="Picture 4">
+            <a:extLst>
+              <a:ext uri="{FF2B5EF4-FFF2-40B4-BE49-F238E27FC236}">
+                <a16:creationId xmlns:a16="http://schemas.microsoft.com/office/drawing/2014/main" id="{9BEA6493-13E7-C345-AAA0-989A0A6D1C01}"/>
+              </a:ext>
+            </a:extLst>
+          </p:cNvPr>
+          <p:cNvPicPr>
+            <a:picLocks noChangeAspect="1"/>
+          </p:cNvPicPr>
+          <p:nvPr/>
+        </p:nvPicPr>
+        <p:blipFill>
+          <a:blip r:embed="rId3">
+            <a:extLst>
+              <a:ext uri="{28A0092B-C50C-407E-A947-70E740481C1C}">
+                <a14:useLocalDpi xmlns:a14="http://schemas.microsoft.com/office/drawing/2010/main" val="0"/>
+              </a:ext>
+            </a:extLst>
+          </a:blip>
+          <a:stretch>
+            <a:fillRect/>
+          </a:stretch>
+        </p:blipFill>
+        <p:spPr>
+          <a:xfrm>
+            <a:off x="355876" y="5761659"/>
+            <a:ext cx="3283200" cy="720058"/>
+          </a:xfrm>
+          <a:prstGeom prst="rect">
+            <a:avLst/>
+          </a:prstGeom>
+        </p:spPr>
+      </p:pic>
+    </p:spTree>
+    <p:extLst>
+      <p:ext uri="{BB962C8B-B14F-4D97-AF65-F5344CB8AC3E}">
+        <p14:creationId xmlns:p14="http://schemas.microsoft.com/office/powerpoint/2010/main" val="701703112"/>
+      </p:ext>
+    </p:extLst>
+  </p:cSld>
+  <p:clrMapOvr>
+    <a:masterClrMapping/>
+  </p:clrMapOvr>
+</p:sld>
+</file>
+
 <file path=ppt/slides/slide25.xml><?xml version="1.0" encoding="utf-8"?>
 <p:sld xmlns:a="http://schemas.openxmlformats.org/drawingml/2006/main" xmlns:r="http://schemas.openxmlformats.org/officeDocument/2006/relationships" xmlns:p="http://schemas.openxmlformats.org/presentationml/2006/main">
   <p:cSld>
@@ -9920,10 +9642,10 @@
       </p:grpSpPr>
       <p:sp>
         <p:nvSpPr>
-          <p:cNvPr id="3" name="Rectangle 2">
-            <a:extLst>
-              <a:ext uri="{FF2B5EF4-FFF2-40B4-BE49-F238E27FC236}">
-                <a16:creationId xmlns:a16="http://schemas.microsoft.com/office/drawing/2014/main" id="{57A45BFE-9205-F748-83FA-26DC6F4EB57E}"/>
+          <p:cNvPr id="2" name="Rectangle 1">
+            <a:extLst>
+              <a:ext uri="{FF2B5EF4-FFF2-40B4-BE49-F238E27FC236}">
+                <a16:creationId xmlns:a16="http://schemas.microsoft.com/office/drawing/2014/main" id="{B7AF1672-3882-7643-83F8-2D738E40BC1F}"/>
               </a:ext>
             </a:extLst>
           </p:cNvPr>
@@ -9932,32 +9654,95 @@
         </p:nvSpPr>
         <p:spPr>
           <a:xfrm>
-            <a:off x="3639076" y="819186"/>
-            <a:ext cx="3706015" cy="461665"/>
+            <a:off x="1626416" y="366526"/>
+            <a:ext cx="8865704" cy="2677656"/>
           </a:xfrm>
           <a:prstGeom prst="rect">
             <a:avLst/>
           </a:prstGeom>
         </p:spPr>
         <p:txBody>
-          <a:bodyPr wrap="none">
+          <a:bodyPr wrap="square">
             <a:spAutoFit/>
           </a:bodyPr>
           <a:lstStyle/>
           <a:p>
             <a:r>
               <a:rPr lang="en-GB" sz="2400" b="1"/>
-              <a:t>Rule 5 - Make it rectangular</a:t>
+              <a:t>More</a:t>
+            </a:r>
+          </a:p>
+          <a:p>
+            <a:pPr>
+              <a:buFont typeface="Arial" panose="020B0604020202020204" pitchFamily="34" charset="0"/>
+              <a:buChar char="•"/>
+            </a:pPr>
+            <a:r>
+              <a:rPr lang="en-GB" sz="2400"/>
+              <a:t>Don’t put too much information in one cell</a:t>
+            </a:r>
+          </a:p>
+          <a:p>
+            <a:pPr marL="742950" lvl="1" indent="-285750">
+              <a:buFont typeface="Arial" panose="020B0604020202020204" pitchFamily="34" charset="0"/>
+              <a:buChar char="•"/>
+            </a:pPr>
+            <a:r>
+              <a:rPr lang="en-GB" sz="2400"/>
+              <a:t>1 cell = 1 piece of information</a:t>
+            </a:r>
+          </a:p>
+          <a:p>
+            <a:pPr>
+              <a:buFont typeface="Arial" panose="020B0604020202020204" pitchFamily="34" charset="0"/>
+              <a:buChar char="•"/>
+            </a:pPr>
+            <a:r>
+              <a:rPr lang="en-GB" sz="2400"/>
+              <a:t>Don’t include units such as "30 g" → "g" in the column name</a:t>
+            </a:r>
+          </a:p>
+          <a:p>
+            <a:pPr marL="742950" lvl="1" indent="-285750">
+              <a:buFont typeface="Arial" panose="020B0604020202020204" pitchFamily="34" charset="0"/>
+              <a:buChar char="•"/>
+            </a:pPr>
+            <a:r>
+              <a:rPr lang="en-GB" sz="2400">
+                <a:hlinkClick r:id="rId2"/>
+              </a:rPr>
+              <a:t>http://unitsofmeasure.org/ucum.html</a:t>
+            </a:r>
+            <a:endParaRPr lang="en-GB" sz="2400"/>
+          </a:p>
+          <a:p>
+            <a:pPr>
+              <a:buFont typeface="Arial" panose="020B0604020202020204" pitchFamily="34" charset="0"/>
+              <a:buChar char="•"/>
+            </a:pPr>
+            <a:r>
+              <a:rPr lang="en-GB" sz="2400"/>
+              <a:t>Write notes in a separate column or data dictionary or metadata</a:t>
+            </a:r>
+          </a:p>
+          <a:p>
+            <a:pPr marL="742950" lvl="1" indent="-285750">
+              <a:buFont typeface="Arial" panose="020B0604020202020204" pitchFamily="34" charset="0"/>
+              <a:buChar char="•"/>
+            </a:pPr>
+            <a:r>
+              <a:rPr lang="en-GB" sz="2400"/>
+              <a:t>"0 (below threshold)"</a:t>
             </a:r>
           </a:p>
         </p:txBody>
       </p:sp>
       <p:pic>
         <p:nvPicPr>
-          <p:cNvPr id="5" name="Picture 4">
-            <a:extLst>
-              <a:ext uri="{FF2B5EF4-FFF2-40B4-BE49-F238E27FC236}">
-                <a16:creationId xmlns:a16="http://schemas.microsoft.com/office/drawing/2014/main" id="{0B21C5E0-ADB6-5D40-B3B8-594900758FA7}"/>
+          <p:cNvPr id="3" name="Picture 2">
+            <a:extLst>
+              <a:ext uri="{FF2B5EF4-FFF2-40B4-BE49-F238E27FC236}">
+                <a16:creationId xmlns:a16="http://schemas.microsoft.com/office/drawing/2014/main" id="{933AD232-597D-654E-B9F2-600790401B69}"/>
               </a:ext>
             </a:extLst>
           </p:cNvPr>
@@ -9967,7 +9752,7 @@
           <p:nvPr/>
         </p:nvPicPr>
         <p:blipFill>
-          <a:blip r:embed="rId2">
+          <a:blip r:embed="rId3">
             <a:extLst>
               <a:ext uri="{28A0092B-C50C-407E-A947-70E740481C1C}">
                 <a14:useLocalDpi xmlns:a14="http://schemas.microsoft.com/office/drawing/2010/main" val="0"/>
@@ -9980,43 +9765,7 @@
         </p:blipFill>
         <p:spPr>
           <a:xfrm>
-            <a:off x="2159000" y="1858617"/>
-            <a:ext cx="7874000" cy="2133600"/>
-          </a:xfrm>
-          <a:prstGeom prst="rect">
-            <a:avLst/>
-          </a:prstGeom>
-        </p:spPr>
-      </p:pic>
-      <p:pic>
-        <p:nvPicPr>
-          <p:cNvPr id="8" name="Picture 7">
-            <a:extLst>
-              <a:ext uri="{FF2B5EF4-FFF2-40B4-BE49-F238E27FC236}">
-                <a16:creationId xmlns:a16="http://schemas.microsoft.com/office/drawing/2014/main" id="{A6066FC0-3B91-E142-BF0E-2D9D451C8003}"/>
-              </a:ext>
-            </a:extLst>
-          </p:cNvPr>
-          <p:cNvPicPr>
-            <a:picLocks noChangeAspect="1"/>
-          </p:cNvPicPr>
-          <p:nvPr/>
-        </p:nvPicPr>
-        <p:blipFill>
-          <a:blip r:embed="rId3">
-            <a:extLst>
-              <a:ext uri="{28A0092B-C50C-407E-A947-70E740481C1C}">
-                <a14:useLocalDpi xmlns:a14="http://schemas.microsoft.com/office/drawing/2010/main" val="0"/>
-              </a:ext>
-            </a:extLst>
-          </a:blip>
-          <a:stretch>
-            <a:fillRect/>
-          </a:stretch>
-        </p:blipFill>
-        <p:spPr>
-          <a:xfrm>
-            <a:off x="355876" y="5774911"/>
+            <a:off x="355876" y="5761659"/>
             <a:ext cx="3283200" cy="720058"/>
           </a:xfrm>
           <a:prstGeom prst="rect">
@@ -10027,7 +9776,7 @@
     </p:spTree>
     <p:extLst>
       <p:ext uri="{BB962C8B-B14F-4D97-AF65-F5344CB8AC3E}">
-        <p14:creationId xmlns:p14="http://schemas.microsoft.com/office/powerpoint/2010/main" val="1347850894"/>
+        <p14:creationId xmlns:p14="http://schemas.microsoft.com/office/powerpoint/2010/main" val="87634875"/>
       </p:ext>
     </p:extLst>
   </p:cSld>
@@ -10059,7 +9808,7 @@
           <p:cNvPr id="2" name="Rectangle 1">
             <a:extLst>
               <a:ext uri="{FF2B5EF4-FFF2-40B4-BE49-F238E27FC236}">
-                <a16:creationId xmlns:a16="http://schemas.microsoft.com/office/drawing/2014/main" id="{126262B6-E702-B746-84FF-E58D750EA178}"/>
+                <a16:creationId xmlns:a16="http://schemas.microsoft.com/office/drawing/2014/main" id="{B7AF1672-3882-7643-83F8-2D738E40BC1F}"/>
               </a:ext>
             </a:extLst>
           </p:cNvPr>
@@ -10068,68 +9817,155 @@
         </p:nvSpPr>
         <p:spPr>
           <a:xfrm>
-            <a:off x="3307666" y="607152"/>
-            <a:ext cx="3706015" cy="461665"/>
+            <a:off x="1626416" y="366526"/>
+            <a:ext cx="8865704" cy="5262979"/>
           </a:xfrm>
           <a:prstGeom prst="rect">
             <a:avLst/>
           </a:prstGeom>
         </p:spPr>
         <p:txBody>
-          <a:bodyPr wrap="none">
+          <a:bodyPr wrap="square">
             <a:spAutoFit/>
           </a:bodyPr>
           <a:lstStyle/>
           <a:p>
             <a:r>
               <a:rPr lang="en-GB" sz="2400" b="1" dirty="0"/>
-              <a:t>Rule 5 - Make it rectangular</a:t>
-            </a:r>
+              <a:t>More</a:t>
+            </a:r>
+          </a:p>
+          <a:p>
+            <a:pPr>
+              <a:buFont typeface="Arial" panose="020B0604020202020204" pitchFamily="34" charset="0"/>
+              <a:buChar char="•"/>
+            </a:pPr>
+            <a:r>
+              <a:rPr lang="en-GB" sz="2400" dirty="0"/>
+              <a:t>Don’t put too much information in one cell</a:t>
+            </a:r>
+          </a:p>
+          <a:p>
+            <a:pPr marL="742950" lvl="1" indent="-285750">
+              <a:buFont typeface="Arial" panose="020B0604020202020204" pitchFamily="34" charset="0"/>
+              <a:buChar char="•"/>
+            </a:pPr>
+            <a:r>
+              <a:rPr lang="en-GB" sz="2400" dirty="0"/>
+              <a:t>1 cell = 1 piece of information</a:t>
+            </a:r>
+          </a:p>
+          <a:p>
+            <a:pPr>
+              <a:buFont typeface="Arial" panose="020B0604020202020204" pitchFamily="34" charset="0"/>
+              <a:buChar char="•"/>
+            </a:pPr>
+            <a:r>
+              <a:rPr lang="en-GB" sz="2400" dirty="0"/>
+              <a:t>Don’t include units such as "30 g" → "g" in the column name</a:t>
+            </a:r>
+          </a:p>
+          <a:p>
+            <a:pPr marL="742950" lvl="1" indent="-285750">
+              <a:buFont typeface="Arial" panose="020B0604020202020204" pitchFamily="34" charset="0"/>
+              <a:buChar char="•"/>
+            </a:pPr>
+            <a:r>
+              <a:rPr lang="en-GB" sz="2400" dirty="0">
+                <a:hlinkClick r:id="rId2"/>
+              </a:rPr>
+              <a:t>http://unitsofmeasure.org/ucum.html</a:t>
+            </a:r>
+            <a:endParaRPr lang="en-GB" sz="2400" dirty="0"/>
+          </a:p>
+          <a:p>
+            <a:pPr>
+              <a:buFont typeface="Arial" panose="020B0604020202020204" pitchFamily="34" charset="0"/>
+              <a:buChar char="•"/>
+            </a:pPr>
+            <a:r>
+              <a:rPr lang="en-GB" sz="2400" dirty="0"/>
+              <a:t>Write notes in a separate column or data dictionary or metadata</a:t>
+            </a:r>
+          </a:p>
+          <a:p>
+            <a:pPr>
+              <a:buFont typeface="Arial" panose="020B0604020202020204" pitchFamily="34" charset="0"/>
+              <a:buChar char="•"/>
+            </a:pPr>
+            <a:r>
+              <a:rPr lang="en-GB" sz="2400" dirty="0"/>
+              <a:t>"0 (below threshold)”</a:t>
+            </a:r>
+          </a:p>
+          <a:p>
+            <a:endParaRPr lang="en-GB" sz="2400" dirty="0"/>
+          </a:p>
+          <a:p>
+            <a:r>
+              <a:rPr lang="en-GB" sz="2400" b="1" dirty="0"/>
+              <a:t>Design for machine readability</a:t>
+            </a:r>
+          </a:p>
+          <a:p>
+            <a:pPr>
+              <a:buFont typeface="Arial" panose="020B0604020202020204" pitchFamily="34" charset="0"/>
+              <a:buChar char="•"/>
+            </a:pPr>
+            <a:r>
+              <a:rPr lang="en-GB" sz="2400" dirty="0"/>
+              <a:t>NO calculations</a:t>
+            </a:r>
+          </a:p>
+          <a:p>
+            <a:pPr>
+              <a:buFont typeface="Arial" panose="020B0604020202020204" pitchFamily="34" charset="0"/>
+              <a:buChar char="•"/>
+            </a:pPr>
+            <a:r>
+              <a:rPr lang="en-GB" sz="2400" dirty="0"/>
+              <a:t>NO font </a:t>
+            </a:r>
+            <a:r>
+              <a:rPr lang="en-GB" sz="2400" dirty="0">
+                <a:solidFill>
+                  <a:srgbClr val="FF0000"/>
+                </a:solidFill>
+              </a:rPr>
+              <a:t>colours</a:t>
+            </a:r>
+          </a:p>
+          <a:p>
+            <a:pPr>
+              <a:buFont typeface="Arial" panose="020B0604020202020204" pitchFamily="34" charset="0"/>
+              <a:buChar char="•"/>
+            </a:pPr>
+            <a:r>
+              <a:rPr lang="en-GB" sz="2400" dirty="0"/>
+              <a:t>NO highlighting</a:t>
+            </a:r>
+          </a:p>
+          <a:p>
+            <a:r>
+              <a:rPr lang="en-GB" sz="2400" dirty="0"/>
+              <a:t>	Computer doesn’t need or recognize it!</a:t>
+            </a:r>
+          </a:p>
+          <a:p>
+            <a:pPr marL="742950" lvl="1" indent="-285750">
+              <a:buFont typeface="Arial" panose="020B0604020202020204" pitchFamily="34" charset="0"/>
+              <a:buChar char="•"/>
+            </a:pPr>
+            <a:endParaRPr lang="en-GB" sz="2400" dirty="0"/>
           </a:p>
         </p:txBody>
       </p:sp>
       <p:pic>
         <p:nvPicPr>
-          <p:cNvPr id="4" name="Picture 3">
-            <a:extLst>
-              <a:ext uri="{FF2B5EF4-FFF2-40B4-BE49-F238E27FC236}">
-                <a16:creationId xmlns:a16="http://schemas.microsoft.com/office/drawing/2014/main" id="{DFDC1E1C-CD82-3E43-BFF6-BC18421DEBA7}"/>
-              </a:ext>
-            </a:extLst>
-          </p:cNvPr>
-          <p:cNvPicPr>
-            <a:picLocks noChangeAspect="1"/>
-          </p:cNvPicPr>
-          <p:nvPr/>
-        </p:nvPicPr>
-        <p:blipFill>
-          <a:blip r:embed="rId2">
-            <a:extLst>
-              <a:ext uri="{28A0092B-C50C-407E-A947-70E740481C1C}">
-                <a14:useLocalDpi xmlns:a14="http://schemas.microsoft.com/office/drawing/2010/main" val="0"/>
-              </a:ext>
-            </a:extLst>
-          </a:blip>
-          <a:stretch>
-            <a:fillRect/>
-          </a:stretch>
-        </p:blipFill>
-        <p:spPr>
-          <a:xfrm>
-            <a:off x="3457015" y="1155189"/>
-            <a:ext cx="5156200" cy="4483100"/>
-          </a:xfrm>
-          <a:prstGeom prst="rect">
-            <a:avLst/>
-          </a:prstGeom>
-        </p:spPr>
-      </p:pic>
-      <p:pic>
-        <p:nvPicPr>
-          <p:cNvPr id="5" name="Picture 4">
-            <a:extLst>
-              <a:ext uri="{FF2B5EF4-FFF2-40B4-BE49-F238E27FC236}">
-                <a16:creationId xmlns:a16="http://schemas.microsoft.com/office/drawing/2014/main" id="{9BEA6493-13E7-C345-AAA0-989A0A6D1C01}"/>
+          <p:cNvPr id="3" name="Picture 2">
+            <a:extLst>
+              <a:ext uri="{FF2B5EF4-FFF2-40B4-BE49-F238E27FC236}">
+                <a16:creationId xmlns:a16="http://schemas.microsoft.com/office/drawing/2014/main" id="{933AD232-597D-654E-B9F2-600790401B69}"/>
               </a:ext>
             </a:extLst>
           </p:cNvPr>
@@ -10163,7 +9999,7 @@
     </p:spTree>
     <p:extLst>
       <p:ext uri="{BB962C8B-B14F-4D97-AF65-F5344CB8AC3E}">
-        <p14:creationId xmlns:p14="http://schemas.microsoft.com/office/powerpoint/2010/main" val="701703112"/>
+        <p14:creationId xmlns:p14="http://schemas.microsoft.com/office/powerpoint/2010/main" val="2833908659"/>
       </p:ext>
     </p:extLst>
   </p:cSld>
@@ -10190,109 +10026,12 @@
           <a:chExt cx="0" cy="0"/>
         </a:xfrm>
       </p:grpSpPr>
-      <p:sp>
-        <p:nvSpPr>
-          <p:cNvPr id="2" name="Rectangle 1">
-            <a:extLst>
-              <a:ext uri="{FF2B5EF4-FFF2-40B4-BE49-F238E27FC236}">
-                <a16:creationId xmlns:a16="http://schemas.microsoft.com/office/drawing/2014/main" id="{B7AF1672-3882-7643-83F8-2D738E40BC1F}"/>
-              </a:ext>
-            </a:extLst>
-          </p:cNvPr>
-          <p:cNvSpPr/>
-          <p:nvPr/>
-        </p:nvSpPr>
-        <p:spPr>
-          <a:xfrm>
-            <a:off x="1626416" y="366526"/>
-            <a:ext cx="8865704" cy="2677656"/>
-          </a:xfrm>
-          <a:prstGeom prst="rect">
-            <a:avLst/>
-          </a:prstGeom>
-        </p:spPr>
-        <p:txBody>
-          <a:bodyPr wrap="square">
-            <a:spAutoFit/>
-          </a:bodyPr>
-          <a:lstStyle/>
-          <a:p>
-            <a:r>
-              <a:rPr lang="en-GB" sz="2400" b="1"/>
-              <a:t>More</a:t>
-            </a:r>
-          </a:p>
-          <a:p>
-            <a:pPr>
-              <a:buFont typeface="Arial" panose="020B0604020202020204" pitchFamily="34" charset="0"/>
-              <a:buChar char="•"/>
-            </a:pPr>
-            <a:r>
-              <a:rPr lang="en-GB" sz="2400"/>
-              <a:t>Don’t put too much information in one cell</a:t>
-            </a:r>
-          </a:p>
-          <a:p>
-            <a:pPr marL="742950" lvl="1" indent="-285750">
-              <a:buFont typeface="Arial" panose="020B0604020202020204" pitchFamily="34" charset="0"/>
-              <a:buChar char="•"/>
-            </a:pPr>
-            <a:r>
-              <a:rPr lang="en-GB" sz="2400"/>
-              <a:t>1 cell = 1 piece of information</a:t>
-            </a:r>
-          </a:p>
-          <a:p>
-            <a:pPr>
-              <a:buFont typeface="Arial" panose="020B0604020202020204" pitchFamily="34" charset="0"/>
-              <a:buChar char="•"/>
-            </a:pPr>
-            <a:r>
-              <a:rPr lang="en-GB" sz="2400"/>
-              <a:t>Don’t include units such as "30 g" → "g" in the column name</a:t>
-            </a:r>
-          </a:p>
-          <a:p>
-            <a:pPr marL="742950" lvl="1" indent="-285750">
-              <a:buFont typeface="Arial" panose="020B0604020202020204" pitchFamily="34" charset="0"/>
-              <a:buChar char="•"/>
-            </a:pPr>
-            <a:r>
-              <a:rPr lang="en-GB" sz="2400">
-                <a:hlinkClick r:id="rId2"/>
-              </a:rPr>
-              <a:t>http://unitsofmeasure.org/ucum.html</a:t>
-            </a:r>
-            <a:endParaRPr lang="en-GB" sz="2400"/>
-          </a:p>
-          <a:p>
-            <a:pPr>
-              <a:buFont typeface="Arial" panose="020B0604020202020204" pitchFamily="34" charset="0"/>
-              <a:buChar char="•"/>
-            </a:pPr>
-            <a:r>
-              <a:rPr lang="en-GB" sz="2400"/>
-              <a:t>Write notes in a separate column or data dictionary or metadata</a:t>
-            </a:r>
-          </a:p>
-          <a:p>
-            <a:pPr marL="742950" lvl="1" indent="-285750">
-              <a:buFont typeface="Arial" panose="020B0604020202020204" pitchFamily="34" charset="0"/>
-              <a:buChar char="•"/>
-            </a:pPr>
-            <a:r>
-              <a:rPr lang="en-GB" sz="2400"/>
-              <a:t>"0 (below threshold)"</a:t>
-            </a:r>
-          </a:p>
-        </p:txBody>
-      </p:sp>
       <p:pic>
         <p:nvPicPr>
-          <p:cNvPr id="3" name="Picture 2">
-            <a:extLst>
-              <a:ext uri="{FF2B5EF4-FFF2-40B4-BE49-F238E27FC236}">
-                <a16:creationId xmlns:a16="http://schemas.microsoft.com/office/drawing/2014/main" id="{933AD232-597D-654E-B9F2-600790401B69}"/>
+          <p:cNvPr id="2" name="Picture 1">
+            <a:extLst>
+              <a:ext uri="{FF2B5EF4-FFF2-40B4-BE49-F238E27FC236}">
+                <a16:creationId xmlns:a16="http://schemas.microsoft.com/office/drawing/2014/main" id="{FB11E52A-2D2D-6148-BB07-FAFB89D05D9E}"/>
               </a:ext>
             </a:extLst>
           </p:cNvPr>
@@ -10302,7 +10041,7 @@
           <p:nvPr/>
         </p:nvPicPr>
         <p:blipFill>
-          <a:blip r:embed="rId3">
+          <a:blip r:embed="rId2">
             <a:extLst>
               <a:ext uri="{28A0092B-C50C-407E-A947-70E740481C1C}">
                 <a14:useLocalDpi xmlns:a14="http://schemas.microsoft.com/office/drawing/2010/main" val="0"/>
@@ -10323,10 +10062,141 @@
           </a:prstGeom>
         </p:spPr>
       </p:pic>
+      <p:sp>
+        <p:nvSpPr>
+          <p:cNvPr id="3" name="TextBox 2">
+            <a:extLst>
+              <a:ext uri="{FF2B5EF4-FFF2-40B4-BE49-F238E27FC236}">
+                <a16:creationId xmlns:a16="http://schemas.microsoft.com/office/drawing/2014/main" id="{60C2F6D8-EC45-9341-A6C2-B2581A65E3F0}"/>
+              </a:ext>
+            </a:extLst>
+          </p:cNvPr>
+          <p:cNvSpPr txBox="1"/>
+          <p:nvPr/>
+        </p:nvSpPr>
+        <p:spPr>
+          <a:xfrm>
+            <a:off x="2464904" y="887896"/>
+            <a:ext cx="5736057" cy="4431983"/>
+          </a:xfrm>
+          <a:prstGeom prst="rect">
+            <a:avLst/>
+          </a:prstGeom>
+          <a:noFill/>
+        </p:spPr>
+        <p:txBody>
+          <a:bodyPr wrap="none" rtlCol="0">
+            <a:spAutoFit/>
+          </a:bodyPr>
+          <a:lstStyle/>
+          <a:p>
+            <a:r>
+              <a:rPr lang="en-GB" sz="2400" b="1" u="sng" dirty="0"/>
+              <a:t>Recapping the ‘Rules’</a:t>
+            </a:r>
+          </a:p>
+          <a:p>
+            <a:endParaRPr lang="en-GB" sz="2400" b="1" u="sng" dirty="0"/>
+          </a:p>
+          <a:p>
+            <a:r>
+              <a:rPr lang="en-GB" sz="2400" b="1" dirty="0"/>
+              <a:t>Rule 1 -Never work directly on the raw data</a:t>
+            </a:r>
+          </a:p>
+          <a:p>
+            <a:endParaRPr lang="en-GB" sz="2400" b="1" u="sng" dirty="0"/>
+          </a:p>
+          <a:p>
+            <a:r>
+              <a:rPr lang="en-GB" sz="2400" b="1" dirty="0"/>
+              <a:t>Rule 2 - Maintain consistency</a:t>
+            </a:r>
+          </a:p>
+          <a:p>
+            <a:endParaRPr lang="en-GB" sz="2400" b="1" dirty="0"/>
+          </a:p>
+          <a:p>
+            <a:r>
+              <a:rPr lang="en-GB" sz="2400" b="1" dirty="0"/>
+              <a:t>Rule 3 - Don't use 0 to mean missing</a:t>
+            </a:r>
+          </a:p>
+          <a:p>
+            <a:endParaRPr lang="en-GB" sz="2400" b="1" dirty="0"/>
+          </a:p>
+          <a:p>
+            <a:r>
+              <a:rPr lang="en-GB" sz="2400" b="1" dirty="0"/>
+              <a:t>Rule 4 - Fill in all the cells</a:t>
+            </a:r>
+          </a:p>
+          <a:p>
+            <a:br>
+              <a:rPr lang="en-GB" sz="2400" dirty="0"/>
+            </a:br>
+            <a:r>
+              <a:rPr lang="en-GB" sz="2400" b="1" dirty="0"/>
+              <a:t>Rule 5 - Make it rectangular</a:t>
+            </a:r>
+          </a:p>
+          <a:p>
+            <a:endParaRPr lang="en-US" dirty="0"/>
+          </a:p>
+        </p:txBody>
+      </p:sp>
+      <p:pic>
+        <p:nvPicPr>
+          <p:cNvPr id="4" name="Picture 2" descr="Image result for gibbs slap">
+            <a:hlinkClick r:id="rId3"/>
+            <a:extLst>
+              <a:ext uri="{FF2B5EF4-FFF2-40B4-BE49-F238E27FC236}">
+                <a16:creationId xmlns:a16="http://schemas.microsoft.com/office/drawing/2014/main" id="{3C5F7C7B-8F1B-F940-9F46-E2EEC4E9A68C}"/>
+              </a:ext>
+            </a:extLst>
+          </p:cNvPr>
+          <p:cNvPicPr>
+            <a:picLocks noChangeAspect="1" noChangeArrowheads="1"/>
+          </p:cNvPicPr>
+          <p:nvPr/>
+        </p:nvPicPr>
+        <p:blipFill>
+          <a:blip r:embed="rId4">
+            <a:extLst>
+              <a:ext uri="{28A0092B-C50C-407E-A947-70E740481C1C}">
+                <a14:useLocalDpi xmlns:a14="http://schemas.microsoft.com/office/drawing/2010/main" val="0"/>
+              </a:ext>
+            </a:extLst>
+          </a:blip>
+          <a:srcRect/>
+          <a:stretch>
+            <a:fillRect/>
+          </a:stretch>
+        </p:blipFill>
+        <p:spPr bwMode="auto">
+          <a:xfrm>
+            <a:off x="7784271" y="2992507"/>
+            <a:ext cx="4222198" cy="3589363"/>
+          </a:xfrm>
+          <a:prstGeom prst="rect">
+            <a:avLst/>
+          </a:prstGeom>
+          <a:noFill/>
+          <a:extLst>
+            <a:ext uri="{909E8E84-426E-40DD-AFC4-6F175D3DCCD1}">
+              <a14:hiddenFill xmlns:a14="http://schemas.microsoft.com/office/drawing/2010/main">
+                <a:solidFill>
+                  <a:srgbClr val="FFFFFF"/>
+                </a:solidFill>
+              </a14:hiddenFill>
+            </a:ext>
+          </a:extLst>
+        </p:spPr>
+      </p:pic>
     </p:spTree>
     <p:extLst>
       <p:ext uri="{BB962C8B-B14F-4D97-AF65-F5344CB8AC3E}">
-        <p14:creationId xmlns:p14="http://schemas.microsoft.com/office/powerpoint/2010/main" val="87634875"/>
+        <p14:creationId xmlns:p14="http://schemas.microsoft.com/office/powerpoint/2010/main" val="39437443"/>
       </p:ext>
     </p:extLst>
   </p:cSld>
@@ -10358,7 +10228,7 @@
           <p:cNvPr id="2" name="Rectangle 1">
             <a:extLst>
               <a:ext uri="{FF2B5EF4-FFF2-40B4-BE49-F238E27FC236}">
-                <a16:creationId xmlns:a16="http://schemas.microsoft.com/office/drawing/2014/main" id="{B7AF1672-3882-7643-83F8-2D738E40BC1F}"/>
+                <a16:creationId xmlns:a16="http://schemas.microsoft.com/office/drawing/2014/main" id="{1BD9BE72-D405-5A41-A0BA-63B65F87F79A}"/>
               </a:ext>
             </a:extLst>
           </p:cNvPr>
@@ -10367,22 +10237,28 @@
         </p:nvSpPr>
         <p:spPr>
           <a:xfrm>
-            <a:off x="1626416" y="366526"/>
-            <a:ext cx="8865704" cy="5262979"/>
+            <a:off x="591076" y="1407975"/>
+            <a:ext cx="6096000" cy="2677656"/>
           </a:xfrm>
           <a:prstGeom prst="rect">
             <a:avLst/>
           </a:prstGeom>
         </p:spPr>
         <p:txBody>
-          <a:bodyPr wrap="square">
+          <a:bodyPr>
             <a:spAutoFit/>
           </a:bodyPr>
           <a:lstStyle/>
           <a:p>
             <a:r>
               <a:rPr lang="en-GB" sz="2400" b="1"/>
-              <a:t>More</a:t>
+              <a:t>Write Protection</a:t>
+            </a:r>
+          </a:p>
+          <a:p>
+            <a:r>
+              <a:rPr lang="en-GB" sz="2400" b="1"/>
+              <a:t>Mac</a:t>
             </a:r>
           </a:p>
           <a:p>
@@ -10392,17 +10268,7 @@
             </a:pPr>
             <a:r>
               <a:rPr lang="en-GB" sz="2400"/>
-              <a:t>Don’t put too much information in one cell</a:t>
-            </a:r>
-          </a:p>
-          <a:p>
-            <a:pPr marL="742950" lvl="1" indent="-285750">
-              <a:buFont typeface="Arial" panose="020B0604020202020204" pitchFamily="34" charset="0"/>
-              <a:buChar char="•"/>
-            </a:pPr>
-            <a:r>
-              <a:rPr lang="en-GB" sz="2400"/>
-              <a:t>1 cell = 1 piece of information</a:t>
+              <a:t>Right click on the file in Finder</a:t>
             </a:r>
           </a:p>
           <a:p>
@@ -10412,21 +10278,8 @@
             </a:pPr>
             <a:r>
               <a:rPr lang="en-GB" sz="2400"/>
-              <a:t>Don’t include units such as "30 g" → "g" in the column name</a:t>
-            </a:r>
-          </a:p>
-          <a:p>
-            <a:pPr marL="742950" lvl="1" indent="-285750">
-              <a:buFont typeface="Arial" panose="020B0604020202020204" pitchFamily="34" charset="0"/>
-              <a:buChar char="•"/>
-            </a:pPr>
-            <a:r>
-              <a:rPr lang="en-GB" sz="2400">
-                <a:hlinkClick r:id="rId2"/>
-              </a:rPr>
-              <a:t>http://unitsofmeasure.org/ucum.html</a:t>
-            </a:r>
-            <a:endParaRPr lang="en-GB" sz="2400"/>
+              <a:t>Select “Get Info”</a:t>
+            </a:r>
           </a:p>
           <a:p>
             <a:pPr>
@@ -10435,7 +10288,7 @@
             </a:pPr>
             <a:r>
               <a:rPr lang="en-GB" sz="2400"/>
-              <a:t>Write notes in a separate column or data dictionary or metadata</a:t>
+              <a:t>Sharing and permission</a:t>
             </a:r>
           </a:p>
           <a:p>
@@ -10445,14 +10298,8 @@
             </a:pPr>
             <a:r>
               <a:rPr lang="en-GB" sz="2400"/>
-              <a:t>"0 (below threshold)”</a:t>
-            </a:r>
-          </a:p>
-          <a:p>
-            <a:endParaRPr lang="en-GB" sz="2400"/>
-          </a:p>
-          <a:p>
-            <a:endParaRPr lang="en-GB" sz="2400"/>
+              <a:t>Privilege</a:t>
+            </a:r>
           </a:p>
           <a:p>
             <a:pPr>
@@ -10461,41 +10308,11 @@
             </a:pPr>
             <a:r>
               <a:rPr lang="en-GB" sz="2400"/>
-              <a:t> NO calculations</a:t>
-            </a:r>
-          </a:p>
-          <a:p>
-            <a:pPr>
-              <a:buFont typeface="Arial" panose="020B0604020202020204" pitchFamily="34" charset="0"/>
-              <a:buChar char="•"/>
-            </a:pPr>
-            <a:r>
-              <a:rPr lang="en-GB" sz="2400"/>
-              <a:t>NO font colours</a:t>
-            </a:r>
-          </a:p>
-          <a:p>
-            <a:pPr>
-              <a:buFont typeface="Arial" panose="020B0604020202020204" pitchFamily="34" charset="0"/>
-              <a:buChar char="•"/>
-            </a:pPr>
-            <a:r>
-              <a:rPr lang="en-GB" sz="2400"/>
-              <a:t>NO highlighting</a:t>
-            </a:r>
-          </a:p>
-          <a:p>
-            <a:r>
-              <a:rPr lang="en-GB" sz="2400"/>
-              <a:t>	Computer doesn’t recognize it!</a:t>
-            </a:r>
-          </a:p>
-          <a:p>
-            <a:pPr marL="742950" lvl="1" indent="-285750">
-              <a:buFont typeface="Arial" panose="020B0604020202020204" pitchFamily="34" charset="0"/>
-              <a:buChar char="•"/>
-            </a:pPr>
-            <a:endParaRPr lang="en-GB" sz="2400"/>
+              <a:t>Read only</a:t>
+            </a:r>
+            <a:endParaRPr lang="en-GB" sz="2400">
+              <a:effectLst/>
+            </a:endParaRPr>
           </a:p>
         </p:txBody>
       </p:sp>
@@ -10504,7 +10321,7 @@
           <p:cNvPr id="3" name="Picture 2">
             <a:extLst>
               <a:ext uri="{FF2B5EF4-FFF2-40B4-BE49-F238E27FC236}">
-                <a16:creationId xmlns:a16="http://schemas.microsoft.com/office/drawing/2014/main" id="{933AD232-597D-654E-B9F2-600790401B69}"/>
+                <a16:creationId xmlns:a16="http://schemas.microsoft.com/office/drawing/2014/main" id="{2A15C270-4098-7F48-B1B6-C35BBC8C0FE8}"/>
               </a:ext>
             </a:extLst>
           </p:cNvPr>
@@ -10514,7 +10331,7 @@
           <p:nvPr/>
         </p:nvPicPr>
         <p:blipFill>
-          <a:blip r:embed="rId3">
+          <a:blip r:embed="rId2">
             <a:extLst>
               <a:ext uri="{28A0092B-C50C-407E-A947-70E740481C1C}">
                 <a14:useLocalDpi xmlns:a14="http://schemas.microsoft.com/office/drawing/2010/main" val="0"/>
@@ -10535,10 +10352,107 @@
           </a:prstGeom>
         </p:spPr>
       </p:pic>
+      <p:sp>
+        <p:nvSpPr>
+          <p:cNvPr id="4" name="Rectangle 3">
+            <a:extLst>
+              <a:ext uri="{FF2B5EF4-FFF2-40B4-BE49-F238E27FC236}">
+                <a16:creationId xmlns:a16="http://schemas.microsoft.com/office/drawing/2014/main" id="{89379BDD-FCA7-4F4D-B620-DE3C0C97CFBF}"/>
+              </a:ext>
+            </a:extLst>
+          </p:cNvPr>
+          <p:cNvSpPr/>
+          <p:nvPr/>
+        </p:nvSpPr>
+        <p:spPr>
+          <a:xfrm>
+            <a:off x="6435286" y="1407975"/>
+            <a:ext cx="6096000" cy="3046988"/>
+          </a:xfrm>
+          <a:prstGeom prst="rect">
+            <a:avLst/>
+          </a:prstGeom>
+        </p:spPr>
+        <p:txBody>
+          <a:bodyPr>
+            <a:spAutoFit/>
+          </a:bodyPr>
+          <a:lstStyle/>
+          <a:p>
+            <a:r>
+              <a:rPr lang="en-GB" sz="2400" b="1"/>
+              <a:t>Write Protection</a:t>
+            </a:r>
+          </a:p>
+          <a:p>
+            <a:r>
+              <a:rPr lang="en-GB" sz="2400" b="1"/>
+              <a:t>Windows</a:t>
+            </a:r>
+          </a:p>
+          <a:p>
+            <a:pPr>
+              <a:buFont typeface="Arial" panose="020B0604020202020204" pitchFamily="34" charset="0"/>
+              <a:buChar char="•"/>
+            </a:pPr>
+            <a:r>
+              <a:rPr lang="en-GB" sz="2400"/>
+              <a:t>Right click on the file in Windows </a:t>
+            </a:r>
+            <a:br>
+              <a:rPr lang="en-GB" sz="2400"/>
+            </a:br>
+            <a:r>
+              <a:rPr lang="en-GB" sz="2400"/>
+              <a:t>Explorer</a:t>
+            </a:r>
+          </a:p>
+          <a:p>
+            <a:pPr>
+              <a:buFont typeface="Arial" panose="020B0604020202020204" pitchFamily="34" charset="0"/>
+              <a:buChar char="•"/>
+            </a:pPr>
+            <a:r>
+              <a:rPr lang="en-GB" sz="2400"/>
+              <a:t>Properties</a:t>
+            </a:r>
+          </a:p>
+          <a:p>
+            <a:pPr>
+              <a:buFont typeface="Arial" panose="020B0604020202020204" pitchFamily="34" charset="0"/>
+              <a:buChar char="•"/>
+            </a:pPr>
+            <a:r>
+              <a:rPr lang="en-GB" sz="2400"/>
+              <a:t>General tab</a:t>
+            </a:r>
+          </a:p>
+          <a:p>
+            <a:pPr>
+              <a:buFont typeface="Arial" panose="020B0604020202020204" pitchFamily="34" charset="0"/>
+              <a:buChar char="•"/>
+            </a:pPr>
+            <a:r>
+              <a:rPr lang="en-GB" sz="2400"/>
+              <a:t>Attributes</a:t>
+            </a:r>
+          </a:p>
+          <a:p>
+            <a:pPr>
+              <a:buFont typeface="Arial" panose="020B0604020202020204" pitchFamily="34" charset="0"/>
+              <a:buChar char="•"/>
+            </a:pPr>
+            <a:r>
+              <a:rPr lang="en-GB" sz="2400"/>
+              <a:t>Select the box for “read only”</a:t>
+            </a:r>
+          </a:p>
+        </p:txBody>
+      </p:sp>
     </p:spTree>
     <p:extLst>
       <p:ext uri="{BB962C8B-B14F-4D97-AF65-F5344CB8AC3E}">
-        <p14:creationId xmlns:p14="http://schemas.microsoft.com/office/powerpoint/2010/main" val="2833908659"/>
+        <p14:creationId xmlns:p14="http://schemas.microsoft.com/office/powerpoint/2010/main" val="3745088252"/>
       </p:ext>
     </p:extLst>
   </p:cSld>
@@ -10565,197 +10479,12 @@
           <a:chExt cx="0" cy="0"/>
         </a:xfrm>
       </p:grpSpPr>
-      <p:pic>
-        <p:nvPicPr>
-          <p:cNvPr id="2" name="Picture 1">
-            <a:extLst>
-              <a:ext uri="{FF2B5EF4-FFF2-40B4-BE49-F238E27FC236}">
-                <a16:creationId xmlns:a16="http://schemas.microsoft.com/office/drawing/2014/main" id="{FB11E52A-2D2D-6148-BB07-FAFB89D05D9E}"/>
-              </a:ext>
-            </a:extLst>
-          </p:cNvPr>
-          <p:cNvPicPr>
-            <a:picLocks noChangeAspect="1"/>
-          </p:cNvPicPr>
-          <p:nvPr/>
-        </p:nvPicPr>
-        <p:blipFill>
-          <a:blip r:embed="rId2">
-            <a:extLst>
-              <a:ext uri="{28A0092B-C50C-407E-A947-70E740481C1C}">
-                <a14:useLocalDpi xmlns:a14="http://schemas.microsoft.com/office/drawing/2010/main" val="0"/>
-              </a:ext>
-            </a:extLst>
-          </a:blip>
-          <a:stretch>
-            <a:fillRect/>
-          </a:stretch>
-        </p:blipFill>
-        <p:spPr>
-          <a:xfrm>
-            <a:off x="355876" y="5761659"/>
-            <a:ext cx="3283200" cy="720058"/>
-          </a:xfrm>
-          <a:prstGeom prst="rect">
-            <a:avLst/>
-          </a:prstGeom>
-        </p:spPr>
-      </p:pic>
       <p:sp>
         <p:nvSpPr>
-          <p:cNvPr id="3" name="TextBox 2">
-            <a:extLst>
-              <a:ext uri="{FF2B5EF4-FFF2-40B4-BE49-F238E27FC236}">
-                <a16:creationId xmlns:a16="http://schemas.microsoft.com/office/drawing/2014/main" id="{60C2F6D8-EC45-9341-A6C2-B2581A65E3F0}"/>
-              </a:ext>
-            </a:extLst>
-          </p:cNvPr>
-          <p:cNvSpPr txBox="1"/>
-          <p:nvPr/>
-        </p:nvSpPr>
-        <p:spPr>
-          <a:xfrm>
-            <a:off x="2464904" y="887896"/>
-            <a:ext cx="5736057" cy="4431983"/>
-          </a:xfrm>
-          <a:prstGeom prst="rect">
-            <a:avLst/>
-          </a:prstGeom>
-          <a:noFill/>
-        </p:spPr>
-        <p:txBody>
-          <a:bodyPr wrap="none" rtlCol="0">
-            <a:spAutoFit/>
-          </a:bodyPr>
-          <a:lstStyle/>
-          <a:p>
-            <a:r>
-              <a:rPr lang="en-GB" sz="2400" b="1" u="sng" dirty="0"/>
-              <a:t>Recapping the ‘Rules’</a:t>
-            </a:r>
-          </a:p>
-          <a:p>
-            <a:endParaRPr lang="en-GB" sz="2400" b="1" u="sng" dirty="0"/>
-          </a:p>
-          <a:p>
-            <a:r>
-              <a:rPr lang="en-GB" sz="2400" b="1" dirty="0"/>
-              <a:t>Rule 1 -Never work directly on the raw data</a:t>
-            </a:r>
-          </a:p>
-          <a:p>
-            <a:endParaRPr lang="en-GB" sz="2400" b="1" u="sng" dirty="0"/>
-          </a:p>
-          <a:p>
-            <a:r>
-              <a:rPr lang="en-GB" sz="2400" b="1" dirty="0"/>
-              <a:t>Rule 2 - Maintain consistency</a:t>
-            </a:r>
-          </a:p>
-          <a:p>
-            <a:endParaRPr lang="en-GB" sz="2400" b="1" dirty="0"/>
-          </a:p>
-          <a:p>
-            <a:r>
-              <a:rPr lang="en-GB" sz="2400" b="1" dirty="0"/>
-              <a:t>Rule 3 - Don't use 0 to mean missing</a:t>
-            </a:r>
-          </a:p>
-          <a:p>
-            <a:endParaRPr lang="en-GB" sz="2400" b="1" dirty="0"/>
-          </a:p>
-          <a:p>
-            <a:r>
-              <a:rPr lang="en-GB" sz="2400" b="1" dirty="0"/>
-              <a:t>Rule 4 - Fill in all the cells</a:t>
-            </a:r>
-          </a:p>
-          <a:p>
-            <a:br>
-              <a:rPr lang="en-GB" sz="2400" dirty="0"/>
-            </a:br>
-            <a:r>
-              <a:rPr lang="en-GB" sz="2400" b="1" dirty="0"/>
-              <a:t>Rule 5 - Make it rectangular</a:t>
-            </a:r>
-          </a:p>
-          <a:p>
-            <a:endParaRPr lang="en-US" dirty="0"/>
-          </a:p>
-        </p:txBody>
-      </p:sp>
-    </p:spTree>
-    <p:extLst>
-      <p:ext uri="{BB962C8B-B14F-4D97-AF65-F5344CB8AC3E}">
-        <p14:creationId xmlns:p14="http://schemas.microsoft.com/office/powerpoint/2010/main" val="39437443"/>
-      </p:ext>
-    </p:extLst>
-  </p:cSld>
-  <p:clrMapOvr>
-    <a:masterClrMapping/>
-  </p:clrMapOvr>
-</p:sld>
-</file>
-
-<file path=ppt/slides/slide3.xml><?xml version="1.0" encoding="utf-8"?>
-<p:sld xmlns:a="http://schemas.openxmlformats.org/drawingml/2006/main" xmlns:r="http://schemas.openxmlformats.org/officeDocument/2006/relationships" xmlns:p="http://schemas.openxmlformats.org/presentationml/2006/main">
-  <p:cSld>
-    <p:spTree>
-      <p:nvGrpSpPr>
-        <p:cNvPr id="1" name=""/>
-        <p:cNvGrpSpPr/>
-        <p:nvPr/>
-      </p:nvGrpSpPr>
-      <p:grpSpPr>
-        <a:xfrm>
-          <a:off x="0" y="0"/>
-          <a:ext cx="0" cy="0"/>
-          <a:chOff x="0" y="0"/>
-          <a:chExt cx="0" cy="0"/>
-        </a:xfrm>
-      </p:grpSpPr>
-      <p:pic>
-        <p:nvPicPr>
-          <p:cNvPr id="2" name="Picture 1">
-            <a:extLst>
-              <a:ext uri="{FF2B5EF4-FFF2-40B4-BE49-F238E27FC236}">
-                <a16:creationId xmlns:a16="http://schemas.microsoft.com/office/drawing/2014/main" id="{FB11E52A-2D2D-6148-BB07-FAFB89D05D9E}"/>
-              </a:ext>
-            </a:extLst>
-          </p:cNvPr>
-          <p:cNvPicPr>
-            <a:picLocks noChangeAspect="1"/>
-          </p:cNvPicPr>
-          <p:nvPr/>
-        </p:nvPicPr>
-        <p:blipFill>
-          <a:blip r:embed="rId2">
-            <a:extLst>
-              <a:ext uri="{28A0092B-C50C-407E-A947-70E740481C1C}">
-                <a14:useLocalDpi xmlns:a14="http://schemas.microsoft.com/office/drawing/2010/main" val="0"/>
-              </a:ext>
-            </a:extLst>
-          </a:blip>
-          <a:stretch>
-            <a:fillRect/>
-          </a:stretch>
-        </p:blipFill>
-        <p:spPr>
-          <a:xfrm>
-            <a:off x="355876" y="5761659"/>
-            <a:ext cx="3283200" cy="720058"/>
-          </a:xfrm>
-          <a:prstGeom prst="rect">
-            <a:avLst/>
-          </a:prstGeom>
-        </p:spPr>
-      </p:pic>
-      <p:sp>
-        <p:nvSpPr>
-          <p:cNvPr id="3" name="Rectangle 2">
-            <a:extLst>
-              <a:ext uri="{FF2B5EF4-FFF2-40B4-BE49-F238E27FC236}">
-                <a16:creationId xmlns:a16="http://schemas.microsoft.com/office/drawing/2014/main" id="{2F43B457-76F7-6D42-8060-1D3EC770DDCA}"/>
+          <p:cNvPr id="2" name="Rectangle 1">
+            <a:extLst>
+              <a:ext uri="{FF2B5EF4-FFF2-40B4-BE49-F238E27FC236}">
+                <a16:creationId xmlns:a16="http://schemas.microsoft.com/office/drawing/2014/main" id="{AB6BF669-541B-294E-A926-47BDFEA1C321}"/>
               </a:ext>
             </a:extLst>
           </p:cNvPr>
@@ -10764,8 +10493,8 @@
         </p:nvSpPr>
         <p:spPr>
           <a:xfrm>
-            <a:off x="1683027" y="241278"/>
-            <a:ext cx="9329530" cy="3641609"/>
+            <a:off x="1775790" y="603767"/>
+            <a:ext cx="7858540" cy="4524315"/>
           </a:xfrm>
           <a:prstGeom prst="rect">
             <a:avLst/>
@@ -10777,346 +10506,13 @@
           </a:bodyPr>
           <a:lstStyle/>
           <a:p>
-            <a:pPr fontAlgn="base">
-              <a:spcAft>
-                <a:spcPts val="0"/>
-              </a:spcAft>
-            </a:pPr>
-            <a:r>
-              <a:rPr lang="en-GB" sz="2800" b="1" u="sng" dirty="0">
-                <a:solidFill>
-                  <a:srgbClr val="373737"/>
-                </a:solidFill>
-                <a:latin typeface="inherit"/>
-                <a:ea typeface="Times New Roman" panose="02020603050405020304" pitchFamily="18" charset="0"/>
-                <a:cs typeface="Calibri" panose="020F0502020204030204" pitchFamily="34" charset="0"/>
-              </a:rPr>
-              <a:t>Timetable(</a:t>
-            </a:r>
-            <a:r>
-              <a:rPr lang="en-GB" sz="2800" b="1" u="sng" dirty="0" err="1">
-                <a:solidFill>
-                  <a:srgbClr val="373737"/>
-                </a:solidFill>
-                <a:latin typeface="inherit"/>
-                <a:ea typeface="Times New Roman" panose="02020603050405020304" pitchFamily="18" charset="0"/>
-                <a:cs typeface="Calibri" panose="020F0502020204030204" pitchFamily="34" charset="0"/>
-              </a:rPr>
-              <a:t>ish</a:t>
-            </a:r>
-            <a:r>
-              <a:rPr lang="en-GB" sz="2800" b="1" u="sng" dirty="0">
-                <a:solidFill>
-                  <a:srgbClr val="373737"/>
-                </a:solidFill>
-                <a:latin typeface="inherit"/>
-                <a:ea typeface="Times New Roman" panose="02020603050405020304" pitchFamily="18" charset="0"/>
-                <a:cs typeface="Calibri" panose="020F0502020204030204" pitchFamily="34" charset="0"/>
-              </a:rPr>
-              <a:t>)</a:t>
-            </a:r>
-            <a:endParaRPr lang="en-GB" sz="2800" dirty="0">
-              <a:latin typeface="Calibri" panose="020F0502020204030204" pitchFamily="34" charset="0"/>
-              <a:ea typeface="Calibri" panose="020F0502020204030204" pitchFamily="34" charset="0"/>
-              <a:cs typeface="Times New Roman" panose="02020603050405020304" pitchFamily="18" charset="0"/>
-            </a:endParaRPr>
-          </a:p>
-          <a:p>
-            <a:pPr fontAlgn="base">
-              <a:spcAft>
-                <a:spcPts val="0"/>
-              </a:spcAft>
-            </a:pPr>
-            <a:r>
-              <a:rPr lang="en-GB" sz="2800" dirty="0">
-                <a:solidFill>
-                  <a:srgbClr val="373737"/>
-                </a:solidFill>
-                <a:latin typeface="inherit"/>
-                <a:ea typeface="Times New Roman" panose="02020603050405020304" pitchFamily="18" charset="0"/>
-                <a:cs typeface="Calibri" panose="020F0502020204030204" pitchFamily="34" charset="0"/>
-              </a:rPr>
-              <a:t>12:30 – 13:10 Introduction &amp; Data formatting* (MF)</a:t>
-            </a:r>
-            <a:endParaRPr lang="en-GB" sz="2800" dirty="0">
-              <a:latin typeface="Calibri" panose="020F0502020204030204" pitchFamily="34" charset="0"/>
-              <a:ea typeface="Calibri" panose="020F0502020204030204" pitchFamily="34" charset="0"/>
-              <a:cs typeface="Times New Roman" panose="02020603050405020304" pitchFamily="18" charset="0"/>
-            </a:endParaRPr>
-          </a:p>
-          <a:p>
-            <a:pPr fontAlgn="base">
-              <a:spcAft>
-                <a:spcPts val="0"/>
-              </a:spcAft>
-            </a:pPr>
-            <a:r>
-              <a:rPr lang="en-GB" sz="2800" dirty="0">
-                <a:solidFill>
-                  <a:srgbClr val="373737"/>
-                </a:solidFill>
-                <a:latin typeface="inherit"/>
-                <a:ea typeface="Times New Roman" panose="02020603050405020304" pitchFamily="18" charset="0"/>
-                <a:cs typeface="Calibri" panose="020F0502020204030204" pitchFamily="34" charset="0"/>
-              </a:rPr>
-              <a:t>13:10 - 14:40 </a:t>
-            </a:r>
-            <a:r>
-              <a:rPr lang="en-GB" sz="2800" dirty="0" err="1">
-                <a:solidFill>
-                  <a:srgbClr val="373737"/>
-                </a:solidFill>
-                <a:latin typeface="inherit"/>
-                <a:ea typeface="Times New Roman" panose="02020603050405020304" pitchFamily="18" charset="0"/>
-                <a:cs typeface="Calibri" panose="020F0502020204030204" pitchFamily="34" charset="0"/>
-              </a:rPr>
-              <a:t>OpenRefine</a:t>
-            </a:r>
-            <a:r>
-              <a:rPr lang="en-GB" sz="2800" dirty="0">
-                <a:solidFill>
-                  <a:srgbClr val="373737"/>
-                </a:solidFill>
-                <a:latin typeface="inherit"/>
-                <a:ea typeface="Times New Roman" panose="02020603050405020304" pitchFamily="18" charset="0"/>
-                <a:cs typeface="Calibri" panose="020F0502020204030204" pitchFamily="34" charset="0"/>
-              </a:rPr>
-              <a:t> practical (Live coding) (MF+JS+AP)</a:t>
-            </a:r>
-            <a:endParaRPr lang="en-GB" sz="2800" dirty="0">
-              <a:latin typeface="Calibri" panose="020F0502020204030204" pitchFamily="34" charset="0"/>
-              <a:ea typeface="Calibri" panose="020F0502020204030204" pitchFamily="34" charset="0"/>
-              <a:cs typeface="Times New Roman" panose="02020603050405020304" pitchFamily="18" charset="0"/>
-            </a:endParaRPr>
-          </a:p>
-          <a:p>
-            <a:pPr fontAlgn="base">
-              <a:spcAft>
-                <a:spcPts val="0"/>
-              </a:spcAft>
-            </a:pPr>
-            <a:r>
-              <a:rPr lang="en-GB" sz="2800" dirty="0">
-                <a:solidFill>
-                  <a:srgbClr val="373737"/>
-                </a:solidFill>
-                <a:latin typeface="inherit"/>
-                <a:ea typeface="Times New Roman" panose="02020603050405020304" pitchFamily="18" charset="0"/>
-                <a:cs typeface="Calibri" panose="020F0502020204030204" pitchFamily="34" charset="0"/>
-              </a:rPr>
-              <a:t>14:40 – 15:00 Break</a:t>
-            </a:r>
-            <a:endParaRPr lang="en-GB" sz="2800" dirty="0">
-              <a:latin typeface="Calibri" panose="020F0502020204030204" pitchFamily="34" charset="0"/>
-              <a:ea typeface="Calibri" panose="020F0502020204030204" pitchFamily="34" charset="0"/>
-              <a:cs typeface="Times New Roman" panose="02020603050405020304" pitchFamily="18" charset="0"/>
-            </a:endParaRPr>
-          </a:p>
-          <a:p>
-            <a:pPr fontAlgn="base">
-              <a:spcAft>
-                <a:spcPts val="0"/>
-              </a:spcAft>
-            </a:pPr>
-            <a:r>
-              <a:rPr lang="en-GB" sz="2800" dirty="0">
-                <a:solidFill>
-                  <a:srgbClr val="373737"/>
-                </a:solidFill>
-                <a:latin typeface="inherit"/>
-                <a:ea typeface="Times New Roman" panose="02020603050405020304" pitchFamily="18" charset="0"/>
-                <a:cs typeface="Calibri" panose="020F0502020204030204" pitchFamily="34" charset="0"/>
-              </a:rPr>
-              <a:t>15:00– 15:40 File management* (JS)</a:t>
-            </a:r>
-            <a:endParaRPr lang="en-GB" sz="2800" dirty="0">
-              <a:latin typeface="Calibri" panose="020F0502020204030204" pitchFamily="34" charset="0"/>
-              <a:ea typeface="Calibri" panose="020F0502020204030204" pitchFamily="34" charset="0"/>
-              <a:cs typeface="Times New Roman" panose="02020603050405020304" pitchFamily="18" charset="0"/>
-            </a:endParaRPr>
-          </a:p>
-          <a:p>
-            <a:pPr fontAlgn="base">
-              <a:spcAft>
-                <a:spcPts val="0"/>
-              </a:spcAft>
-            </a:pPr>
-            <a:r>
-              <a:rPr lang="en-GB" sz="2800" dirty="0">
-                <a:solidFill>
-                  <a:srgbClr val="373737"/>
-                </a:solidFill>
-                <a:latin typeface="inherit"/>
-                <a:ea typeface="Times New Roman" panose="02020603050405020304" pitchFamily="18" charset="0"/>
-                <a:cs typeface="Calibri" panose="020F0502020204030204" pitchFamily="34" charset="0"/>
-              </a:rPr>
-              <a:t>15:40 – 16:20 Backup &amp; Sharing* (AP)</a:t>
-            </a:r>
-            <a:endParaRPr lang="en-GB" sz="2800" dirty="0">
-              <a:latin typeface="Calibri" panose="020F0502020204030204" pitchFamily="34" charset="0"/>
-              <a:ea typeface="Calibri" panose="020F0502020204030204" pitchFamily="34" charset="0"/>
-              <a:cs typeface="Times New Roman" panose="02020603050405020304" pitchFamily="18" charset="0"/>
-            </a:endParaRPr>
-          </a:p>
-          <a:p>
-            <a:pPr fontAlgn="base">
-              <a:spcAft>
-                <a:spcPts val="0"/>
-              </a:spcAft>
-            </a:pPr>
-            <a:r>
-              <a:rPr lang="en-GB" sz="2800" dirty="0">
-                <a:solidFill>
-                  <a:srgbClr val="373737"/>
-                </a:solidFill>
-                <a:latin typeface="inherit"/>
-                <a:ea typeface="Times New Roman" panose="02020603050405020304" pitchFamily="18" charset="0"/>
-                <a:cs typeface="Calibri" panose="020F0502020204030204" pitchFamily="34" charset="0"/>
-              </a:rPr>
-              <a:t>16:20 - </a:t>
-            </a:r>
-            <a:r>
-              <a:rPr lang="en-GB" sz="2800">
-                <a:solidFill>
-                  <a:srgbClr val="373737"/>
-                </a:solidFill>
-                <a:latin typeface="inherit"/>
-                <a:ea typeface="Times New Roman" panose="02020603050405020304" pitchFamily="18" charset="0"/>
-                <a:cs typeface="Calibri" panose="020F0502020204030204" pitchFamily="34" charset="0"/>
-              </a:rPr>
-              <a:t>16:30 Wrap-up </a:t>
-            </a:r>
-            <a:r>
-              <a:rPr lang="en-GB" sz="2800" dirty="0">
-                <a:solidFill>
-                  <a:srgbClr val="373737"/>
-                </a:solidFill>
-                <a:latin typeface="inherit"/>
-                <a:ea typeface="Times New Roman" panose="02020603050405020304" pitchFamily="18" charset="0"/>
-                <a:cs typeface="Calibri" panose="020F0502020204030204" pitchFamily="34" charset="0"/>
-              </a:rPr>
-              <a:t>&amp; close</a:t>
-            </a:r>
-            <a:endParaRPr lang="en-GB" sz="2800" dirty="0">
-              <a:latin typeface="Calibri" panose="020F0502020204030204" pitchFamily="34" charset="0"/>
-              <a:ea typeface="Calibri" panose="020F0502020204030204" pitchFamily="34" charset="0"/>
-              <a:cs typeface="Times New Roman" panose="02020603050405020304" pitchFamily="18" charset="0"/>
-            </a:endParaRPr>
-          </a:p>
-          <a:p>
-            <a:pPr fontAlgn="base">
-              <a:spcAft>
-                <a:spcPts val="0"/>
-              </a:spcAft>
-            </a:pPr>
-            <a:r>
-              <a:rPr lang="en-GB" sz="2800" dirty="0">
-                <a:solidFill>
-                  <a:srgbClr val="373737"/>
-                </a:solidFill>
-                <a:latin typeface="inherit"/>
-                <a:ea typeface="Times New Roman" panose="02020603050405020304" pitchFamily="18" charset="0"/>
-                <a:cs typeface="Calibri" panose="020F0502020204030204" pitchFamily="34" charset="0"/>
-              </a:rPr>
-              <a:t> * includes 5 mins to write on </a:t>
-            </a:r>
-            <a:r>
-              <a:rPr lang="en-GB" sz="2800" dirty="0" err="1">
-                <a:solidFill>
-                  <a:srgbClr val="373737"/>
-                </a:solidFill>
-                <a:latin typeface="inherit"/>
-                <a:ea typeface="Times New Roman" panose="02020603050405020304" pitchFamily="18" charset="0"/>
-                <a:cs typeface="Calibri" panose="020F0502020204030204" pitchFamily="34" charset="0"/>
-              </a:rPr>
-              <a:t>Etherpad</a:t>
-            </a:r>
-            <a:r>
-              <a:rPr lang="en-GB" sz="2800" dirty="0">
-                <a:solidFill>
-                  <a:srgbClr val="373737"/>
-                </a:solidFill>
-                <a:latin typeface="inherit"/>
-                <a:ea typeface="Times New Roman" panose="02020603050405020304" pitchFamily="18" charset="0"/>
-                <a:cs typeface="Calibri" panose="020F0502020204030204" pitchFamily="34" charset="0"/>
-              </a:rPr>
-              <a:t> &amp; 5 min look at input</a:t>
-            </a:r>
-            <a:endParaRPr lang="en-GB" sz="2800" dirty="0">
-              <a:latin typeface="Calibri" panose="020F0502020204030204" pitchFamily="34" charset="0"/>
-              <a:ea typeface="Calibri" panose="020F0502020204030204" pitchFamily="34" charset="0"/>
-              <a:cs typeface="Times New Roman" panose="02020603050405020304" pitchFamily="18" charset="0"/>
-            </a:endParaRPr>
-          </a:p>
-        </p:txBody>
-      </p:sp>
-    </p:spTree>
-    <p:extLst>
-      <p:ext uri="{BB962C8B-B14F-4D97-AF65-F5344CB8AC3E}">
-        <p14:creationId xmlns:p14="http://schemas.microsoft.com/office/powerpoint/2010/main" val="3307437740"/>
-      </p:ext>
-    </p:extLst>
-  </p:cSld>
-  <p:clrMapOvr>
-    <a:masterClrMapping/>
-  </p:clrMapOvr>
-</p:sld>
-</file>
-
-<file path=ppt/slides/slide30.xml><?xml version="1.0" encoding="utf-8"?>
-<p:sld xmlns:a="http://schemas.openxmlformats.org/drawingml/2006/main" xmlns:r="http://schemas.openxmlformats.org/officeDocument/2006/relationships" xmlns:p="http://schemas.openxmlformats.org/presentationml/2006/main">
-  <p:cSld>
-    <p:spTree>
-      <p:nvGrpSpPr>
-        <p:cNvPr id="1" name=""/>
-        <p:cNvGrpSpPr/>
-        <p:nvPr/>
-      </p:nvGrpSpPr>
-      <p:grpSpPr>
-        <a:xfrm>
-          <a:off x="0" y="0"/>
-          <a:ext cx="0" cy="0"/>
-          <a:chOff x="0" y="0"/>
-          <a:chExt cx="0" cy="0"/>
-        </a:xfrm>
-      </p:grpSpPr>
-      <p:sp>
-        <p:nvSpPr>
-          <p:cNvPr id="2" name="Rectangle 1">
-            <a:extLst>
-              <a:ext uri="{FF2B5EF4-FFF2-40B4-BE49-F238E27FC236}">
-                <a16:creationId xmlns:a16="http://schemas.microsoft.com/office/drawing/2014/main" id="{1BD9BE72-D405-5A41-A0BA-63B65F87F79A}"/>
-              </a:ext>
-            </a:extLst>
-          </p:cNvPr>
-          <p:cNvSpPr/>
-          <p:nvPr/>
-        </p:nvSpPr>
-        <p:spPr>
-          <a:xfrm>
-            <a:off x="591076" y="1407975"/>
-            <a:ext cx="6096000" cy="2677656"/>
-          </a:xfrm>
-          <a:prstGeom prst="rect">
-            <a:avLst/>
-          </a:prstGeom>
-        </p:spPr>
-        <p:txBody>
-          <a:bodyPr>
-            <a:spAutoFit/>
-          </a:bodyPr>
-          <a:lstStyle/>
-          <a:p>
-            <a:r>
-              <a:rPr lang="en-GB" sz="2400" b="1"/>
-              <a:t>Write Protection</a:t>
-            </a:r>
-          </a:p>
-          <a:p>
-            <a:r>
-              <a:rPr lang="en-GB" sz="2400" b="1"/>
-              <a:t>Mac</a:t>
-            </a:r>
+            <a:r>
+              <a:rPr lang="en-GB" sz="2400" b="1" dirty="0"/>
+              <a:t>Practical - Practice (makes perfect)</a:t>
+            </a:r>
+          </a:p>
+          <a:p>
+            <a:endParaRPr lang="en-GB" sz="2400" b="1" dirty="0"/>
           </a:p>
           <a:p>
             <a:pPr>
@@ -11124,8 +10520,40 @@
               <a:buChar char="•"/>
             </a:pPr>
             <a:r>
-              <a:rPr lang="en-GB" sz="2400"/>
-              <a:t>Right click on the file in Finder</a:t>
+              <a:rPr lang="en-GB" sz="2400" dirty="0"/>
+              <a:t>Look at the file </a:t>
+            </a:r>
+            <a:r>
+              <a:rPr lang="en-GB" sz="2400" dirty="0">
+                <a:hlinkClick r:id="rId2"/>
+              </a:rPr>
+              <a:t>patient-data.txt</a:t>
+            </a:r>
+            <a:endParaRPr lang="en-GB" sz="2400" dirty="0"/>
+          </a:p>
+          <a:p>
+            <a:pPr marL="742950" lvl="1" indent="-285750">
+              <a:buFont typeface="Arial" panose="020B0604020202020204" pitchFamily="34" charset="0"/>
+              <a:buChar char="•"/>
+            </a:pPr>
+            <a:r>
+              <a:rPr lang="en-GB" sz="2400" dirty="0"/>
+              <a:t>a simulated, but representative, example of </a:t>
+            </a:r>
+            <a:r>
+              <a:rPr lang="en-GB" sz="2400" b="1" i="1" dirty="0"/>
+              <a:t>bad data</a:t>
+            </a:r>
+            <a:endParaRPr lang="en-GB" sz="2400" dirty="0"/>
+          </a:p>
+          <a:p>
+            <a:pPr marL="742950" lvl="1" indent="-285750">
+              <a:buFont typeface="Arial" panose="020B0604020202020204" pitchFamily="34" charset="0"/>
+              <a:buChar char="•"/>
+            </a:pPr>
+            <a:r>
+              <a:rPr lang="en-GB" sz="2400" dirty="0"/>
+              <a:t>discuss with your neighbours (around 5 minutes)</a:t>
             </a:r>
           </a:p>
           <a:p>
@@ -11133,10 +10561,7 @@
               <a:buFont typeface="Arial" panose="020B0604020202020204" pitchFamily="34" charset="0"/>
               <a:buChar char="•"/>
             </a:pPr>
-            <a:r>
-              <a:rPr lang="en-GB" sz="2400"/>
-              <a:t>Select “Get Info”</a:t>
-            </a:r>
+            <a:endParaRPr lang="en-GB" sz="2400" dirty="0"/>
           </a:p>
           <a:p>
             <a:pPr>
@@ -11144,8 +10569,55 @@
               <a:buChar char="•"/>
             </a:pPr>
             <a:r>
-              <a:rPr lang="en-GB" sz="2400"/>
-              <a:t>Sharing and permission</a:t>
+              <a:rPr lang="en-GB" sz="2400" dirty="0"/>
+              <a:t>The next step is to look at how to clean the data with </a:t>
+            </a:r>
+            <a:r>
+              <a:rPr lang="en-GB" sz="2400" i="1" dirty="0"/>
+              <a:t>Open Refine</a:t>
+            </a:r>
+          </a:p>
+          <a:p>
+            <a:r>
+              <a:rPr lang="en-GB" sz="2400" dirty="0">
+                <a:latin typeface="Calibri" panose="020F0502020204030204" pitchFamily="34" charset="0"/>
+                <a:ea typeface="Calibri" panose="020F0502020204030204" pitchFamily="34" charset="0"/>
+                <a:cs typeface="Times New Roman" panose="02020603050405020304" pitchFamily="18" charset="0"/>
+              </a:rPr>
+              <a:t>NB If you are planning to use your own laptop then you will need to install the free package ‘</a:t>
+            </a:r>
+            <a:r>
+              <a:rPr lang="en-GB" sz="2400" dirty="0" err="1">
+                <a:latin typeface="Calibri" panose="020F0502020204030204" pitchFamily="34" charset="0"/>
+                <a:ea typeface="Calibri" panose="020F0502020204030204" pitchFamily="34" charset="0"/>
+                <a:cs typeface="Times New Roman" panose="02020603050405020304" pitchFamily="18" charset="0"/>
+              </a:rPr>
+              <a:t>OpenRefine</a:t>
+            </a:r>
+            <a:r>
+              <a:rPr lang="en-GB" sz="2400" dirty="0">
+                <a:latin typeface="Calibri" panose="020F0502020204030204" pitchFamily="34" charset="0"/>
+                <a:ea typeface="Calibri" panose="020F0502020204030204" pitchFamily="34" charset="0"/>
+                <a:cs typeface="Times New Roman" panose="02020603050405020304" pitchFamily="18" charset="0"/>
+              </a:rPr>
+              <a:t>’ from </a:t>
+            </a:r>
+            <a:r>
+              <a:rPr lang="en-GB" sz="2400" dirty="0">
+                <a:latin typeface="Calibri" panose="020F0502020204030204" pitchFamily="34" charset="0"/>
+                <a:ea typeface="Calibri" panose="020F0502020204030204" pitchFamily="34" charset="0"/>
+                <a:cs typeface="Times New Roman" panose="02020603050405020304" pitchFamily="18" charset="0"/>
+                <a:hlinkClick r:id="rId3"/>
+              </a:rPr>
+              <a:t>http://openrefine.org</a:t>
+            </a:r>
+            <a:r>
+              <a:rPr lang="en-GB" sz="2400" dirty="0">
+                <a:latin typeface="Calibri" panose="020F0502020204030204" pitchFamily="34" charset="0"/>
+                <a:ea typeface="Calibri" panose="020F0502020204030204" pitchFamily="34" charset="0"/>
+                <a:cs typeface="Times New Roman" panose="02020603050405020304" pitchFamily="18" charset="0"/>
+              </a:rPr>
+              <a:t> .</a:t>
             </a:r>
           </a:p>
           <a:p>
@@ -11153,23 +10625,7 @@
               <a:buFont typeface="Arial" panose="020B0604020202020204" pitchFamily="34" charset="0"/>
               <a:buChar char="•"/>
             </a:pPr>
-            <a:r>
-              <a:rPr lang="en-GB" sz="2400"/>
-              <a:t>Privilege</a:t>
-            </a:r>
-          </a:p>
-          <a:p>
-            <a:pPr>
-              <a:buFont typeface="Arial" panose="020B0604020202020204" pitchFamily="34" charset="0"/>
-              <a:buChar char="•"/>
-            </a:pPr>
-            <a:r>
-              <a:rPr lang="en-GB" sz="2400"/>
-              <a:t>Read only</a:t>
-            </a:r>
-            <a:endParaRPr lang="en-GB" sz="2400">
-              <a:effectLst/>
-            </a:endParaRPr>
+            <a:endParaRPr lang="en-GB" sz="2400" dirty="0"/>
           </a:p>
         </p:txBody>
       </p:sp>
@@ -11178,7 +10634,7 @@
           <p:cNvPr id="3" name="Picture 2">
             <a:extLst>
               <a:ext uri="{FF2B5EF4-FFF2-40B4-BE49-F238E27FC236}">
-                <a16:creationId xmlns:a16="http://schemas.microsoft.com/office/drawing/2014/main" id="{2A15C270-4098-7F48-B1B6-C35BBC8C0FE8}"/>
+                <a16:creationId xmlns:a16="http://schemas.microsoft.com/office/drawing/2014/main" id="{D096DE43-3119-C547-9623-A39BAA7DC991}"/>
               </a:ext>
             </a:extLst>
           </p:cNvPr>
@@ -11188,271 +10644,7 @@
           <p:nvPr/>
         </p:nvPicPr>
         <p:blipFill>
-          <a:blip r:embed="rId2">
-            <a:extLst>
-              <a:ext uri="{28A0092B-C50C-407E-A947-70E740481C1C}">
-                <a14:useLocalDpi xmlns:a14="http://schemas.microsoft.com/office/drawing/2010/main" val="0"/>
-              </a:ext>
-            </a:extLst>
-          </a:blip>
-          <a:stretch>
-            <a:fillRect/>
-          </a:stretch>
-        </p:blipFill>
-        <p:spPr>
-          <a:xfrm>
-            <a:off x="355876" y="5761659"/>
-            <a:ext cx="3283200" cy="720058"/>
-          </a:xfrm>
-          <a:prstGeom prst="rect">
-            <a:avLst/>
-          </a:prstGeom>
-        </p:spPr>
-      </p:pic>
-      <p:sp>
-        <p:nvSpPr>
-          <p:cNvPr id="4" name="Rectangle 3">
-            <a:extLst>
-              <a:ext uri="{FF2B5EF4-FFF2-40B4-BE49-F238E27FC236}">
-                <a16:creationId xmlns:a16="http://schemas.microsoft.com/office/drawing/2014/main" id="{89379BDD-FCA7-4F4D-B620-DE3C0C97CFBF}"/>
-              </a:ext>
-            </a:extLst>
-          </p:cNvPr>
-          <p:cNvSpPr/>
-          <p:nvPr/>
-        </p:nvSpPr>
-        <p:spPr>
-          <a:xfrm>
-            <a:off x="6435286" y="1407975"/>
-            <a:ext cx="6096000" cy="3046988"/>
-          </a:xfrm>
-          <a:prstGeom prst="rect">
-            <a:avLst/>
-          </a:prstGeom>
-        </p:spPr>
-        <p:txBody>
-          <a:bodyPr>
-            <a:spAutoFit/>
-          </a:bodyPr>
-          <a:lstStyle/>
-          <a:p>
-            <a:r>
-              <a:rPr lang="en-GB" sz="2400" b="1"/>
-              <a:t>Write Protection</a:t>
-            </a:r>
-          </a:p>
-          <a:p>
-            <a:r>
-              <a:rPr lang="en-GB" sz="2400" b="1"/>
-              <a:t>Windows</a:t>
-            </a:r>
-          </a:p>
-          <a:p>
-            <a:pPr>
-              <a:buFont typeface="Arial" panose="020B0604020202020204" pitchFamily="34" charset="0"/>
-              <a:buChar char="•"/>
-            </a:pPr>
-            <a:r>
-              <a:rPr lang="en-GB" sz="2400"/>
-              <a:t>Right click on the file in Windows </a:t>
-            </a:r>
-            <a:br>
-              <a:rPr lang="en-GB" sz="2400"/>
-            </a:br>
-            <a:r>
-              <a:rPr lang="en-GB" sz="2400"/>
-              <a:t>Explorer</a:t>
-            </a:r>
-          </a:p>
-          <a:p>
-            <a:pPr>
-              <a:buFont typeface="Arial" panose="020B0604020202020204" pitchFamily="34" charset="0"/>
-              <a:buChar char="•"/>
-            </a:pPr>
-            <a:r>
-              <a:rPr lang="en-GB" sz="2400"/>
-              <a:t>Properties</a:t>
-            </a:r>
-          </a:p>
-          <a:p>
-            <a:pPr>
-              <a:buFont typeface="Arial" panose="020B0604020202020204" pitchFamily="34" charset="0"/>
-              <a:buChar char="•"/>
-            </a:pPr>
-            <a:r>
-              <a:rPr lang="en-GB" sz="2400"/>
-              <a:t>General tab</a:t>
-            </a:r>
-          </a:p>
-          <a:p>
-            <a:pPr>
-              <a:buFont typeface="Arial" panose="020B0604020202020204" pitchFamily="34" charset="0"/>
-              <a:buChar char="•"/>
-            </a:pPr>
-            <a:r>
-              <a:rPr lang="en-GB" sz="2400"/>
-              <a:t>Attributes</a:t>
-            </a:r>
-          </a:p>
-          <a:p>
-            <a:pPr>
-              <a:buFont typeface="Arial" panose="020B0604020202020204" pitchFamily="34" charset="0"/>
-              <a:buChar char="•"/>
-            </a:pPr>
-            <a:r>
-              <a:rPr lang="en-GB" sz="2400"/>
-              <a:t>Select the box for “read only”</a:t>
-            </a:r>
-          </a:p>
-        </p:txBody>
-      </p:sp>
-    </p:spTree>
-    <p:extLst>
-      <p:ext uri="{BB962C8B-B14F-4D97-AF65-F5344CB8AC3E}">
-        <p14:creationId xmlns:p14="http://schemas.microsoft.com/office/powerpoint/2010/main" val="3745088252"/>
-      </p:ext>
-    </p:extLst>
-  </p:cSld>
-  <p:clrMapOvr>
-    <a:masterClrMapping/>
-  </p:clrMapOvr>
-</p:sld>
-</file>
-
-<file path=ppt/slides/slide31.xml><?xml version="1.0" encoding="utf-8"?>
-<p:sld xmlns:a="http://schemas.openxmlformats.org/drawingml/2006/main" xmlns:r="http://schemas.openxmlformats.org/officeDocument/2006/relationships" xmlns:p="http://schemas.openxmlformats.org/presentationml/2006/main">
-  <p:cSld>
-    <p:spTree>
-      <p:nvGrpSpPr>
-        <p:cNvPr id="1" name=""/>
-        <p:cNvGrpSpPr/>
-        <p:nvPr/>
-      </p:nvGrpSpPr>
-      <p:grpSpPr>
-        <a:xfrm>
-          <a:off x="0" y="0"/>
-          <a:ext cx="0" cy="0"/>
-          <a:chOff x="0" y="0"/>
-          <a:chExt cx="0" cy="0"/>
-        </a:xfrm>
-      </p:grpSpPr>
-      <p:sp>
-        <p:nvSpPr>
-          <p:cNvPr id="2" name="Rectangle 1">
-            <a:extLst>
-              <a:ext uri="{FF2B5EF4-FFF2-40B4-BE49-F238E27FC236}">
-                <a16:creationId xmlns:a16="http://schemas.microsoft.com/office/drawing/2014/main" id="{AB6BF669-541B-294E-A926-47BDFEA1C321}"/>
-              </a:ext>
-            </a:extLst>
-          </p:cNvPr>
-          <p:cNvSpPr/>
-          <p:nvPr/>
-        </p:nvSpPr>
-        <p:spPr>
-          <a:xfrm>
-            <a:off x="2411895" y="1107350"/>
-            <a:ext cx="6096000" cy="3785652"/>
-          </a:xfrm>
-          <a:prstGeom prst="rect">
-            <a:avLst/>
-          </a:prstGeom>
-        </p:spPr>
-        <p:txBody>
-          <a:bodyPr>
-            <a:spAutoFit/>
-          </a:bodyPr>
-          <a:lstStyle/>
-          <a:p>
-            <a:r>
-              <a:rPr lang="en-GB" sz="2400" b="1"/>
-              <a:t>Practice (makes perfect)</a:t>
-            </a:r>
-          </a:p>
-          <a:p>
-            <a:endParaRPr lang="en-GB" sz="2400" b="1"/>
-          </a:p>
-          <a:p>
-            <a:pPr>
-              <a:buFont typeface="Arial" panose="020B0604020202020204" pitchFamily="34" charset="0"/>
-              <a:buChar char="•"/>
-            </a:pPr>
-            <a:r>
-              <a:rPr lang="en-GB" sz="2400"/>
-              <a:t>Look at the file </a:t>
-            </a:r>
-            <a:r>
-              <a:rPr lang="en-GB" sz="2400">
-                <a:hlinkClick r:id="rId2"/>
-              </a:rPr>
-              <a:t>patient-data.txt</a:t>
-            </a:r>
-            <a:endParaRPr lang="en-GB" sz="2400"/>
-          </a:p>
-          <a:p>
-            <a:pPr marL="742950" lvl="1" indent="-285750">
-              <a:buFont typeface="Arial" panose="020B0604020202020204" pitchFamily="34" charset="0"/>
-              <a:buChar char="•"/>
-            </a:pPr>
-            <a:r>
-              <a:rPr lang="en-GB" sz="2400"/>
-              <a:t>a simulated, but representative, example of </a:t>
-            </a:r>
-            <a:r>
-              <a:rPr lang="en-GB" sz="2400" b="1" i="1"/>
-              <a:t>bad data</a:t>
-            </a:r>
-            <a:endParaRPr lang="en-GB" sz="2400"/>
-          </a:p>
-          <a:p>
-            <a:pPr marL="742950" lvl="1" indent="-285750">
-              <a:buFont typeface="Arial" panose="020B0604020202020204" pitchFamily="34" charset="0"/>
-              <a:buChar char="•"/>
-            </a:pPr>
-            <a:r>
-              <a:rPr lang="en-GB" sz="2400"/>
-              <a:t>discuss with your neighbours (around 5 minutes)</a:t>
-            </a:r>
-          </a:p>
-          <a:p>
-            <a:pPr>
-              <a:buFont typeface="Arial" panose="020B0604020202020204" pitchFamily="34" charset="0"/>
-              <a:buChar char="•"/>
-            </a:pPr>
-            <a:endParaRPr lang="en-GB" sz="2400"/>
-          </a:p>
-          <a:p>
-            <a:pPr>
-              <a:buFont typeface="Arial" panose="020B0604020202020204" pitchFamily="34" charset="0"/>
-              <a:buChar char="•"/>
-            </a:pPr>
-            <a:r>
-              <a:rPr lang="en-GB" sz="2400"/>
-              <a:t>The next step is to look at how to clean the data with </a:t>
-            </a:r>
-            <a:r>
-              <a:rPr lang="en-GB" sz="2400" i="1"/>
-              <a:t>Open Refine</a:t>
-            </a:r>
-            <a:endParaRPr lang="en-GB" sz="2400"/>
-          </a:p>
-        </p:txBody>
-      </p:sp>
-      <p:pic>
-        <p:nvPicPr>
-          <p:cNvPr id="3" name="Picture 2">
-            <a:extLst>
-              <a:ext uri="{FF2B5EF4-FFF2-40B4-BE49-F238E27FC236}">
-                <a16:creationId xmlns:a16="http://schemas.microsoft.com/office/drawing/2014/main" id="{D096DE43-3119-C547-9623-A39BAA7DC991}"/>
-              </a:ext>
-            </a:extLst>
-          </p:cNvPr>
-          <p:cNvPicPr>
-            <a:picLocks noChangeAspect="1"/>
-          </p:cNvPicPr>
-          <p:nvPr/>
-        </p:nvPicPr>
-        <p:blipFill>
-          <a:blip r:embed="rId3">
+          <a:blip r:embed="rId4">
             <a:extLst>
               <a:ext uri="{28A0092B-C50C-407E-A947-70E740481C1C}">
                 <a14:useLocalDpi xmlns:a14="http://schemas.microsoft.com/office/drawing/2010/main" val="0"/>
@@ -11486,241 +10678,7 @@
 </p:sld>
 </file>
 
-<file path=ppt/slides/slide32.xml><?xml version="1.0" encoding="utf-8"?>
-<p:sld xmlns:a="http://schemas.openxmlformats.org/drawingml/2006/main" xmlns:r="http://schemas.openxmlformats.org/officeDocument/2006/relationships" xmlns:p="http://schemas.openxmlformats.org/presentationml/2006/main">
-  <p:cSld>
-    <p:spTree>
-      <p:nvGrpSpPr>
-        <p:cNvPr id="1" name=""/>
-        <p:cNvGrpSpPr/>
-        <p:nvPr/>
-      </p:nvGrpSpPr>
-      <p:grpSpPr>
-        <a:xfrm>
-          <a:off x="0" y="0"/>
-          <a:ext cx="0" cy="0"/>
-          <a:chOff x="0" y="0"/>
-          <a:chExt cx="0" cy="0"/>
-        </a:xfrm>
-      </p:grpSpPr>
-      <p:pic>
-        <p:nvPicPr>
-          <p:cNvPr id="2" name="Picture 1">
-            <a:extLst>
-              <a:ext uri="{FF2B5EF4-FFF2-40B4-BE49-F238E27FC236}">
-                <a16:creationId xmlns:a16="http://schemas.microsoft.com/office/drawing/2014/main" id="{FB11E52A-2D2D-6148-BB07-FAFB89D05D9E}"/>
-              </a:ext>
-            </a:extLst>
-          </p:cNvPr>
-          <p:cNvPicPr>
-            <a:picLocks noChangeAspect="1"/>
-          </p:cNvPicPr>
-          <p:nvPr/>
-        </p:nvPicPr>
-        <p:blipFill>
-          <a:blip r:embed="rId2">
-            <a:extLst>
-              <a:ext uri="{28A0092B-C50C-407E-A947-70E740481C1C}">
-                <a14:useLocalDpi xmlns:a14="http://schemas.microsoft.com/office/drawing/2010/main" val="0"/>
-              </a:ext>
-            </a:extLst>
-          </a:blip>
-          <a:stretch>
-            <a:fillRect/>
-          </a:stretch>
-        </p:blipFill>
-        <p:spPr>
-          <a:xfrm>
-            <a:off x="355876" y="5761659"/>
-            <a:ext cx="3283200" cy="720058"/>
-          </a:xfrm>
-          <a:prstGeom prst="rect">
-            <a:avLst/>
-          </a:prstGeom>
-        </p:spPr>
-      </p:pic>
-    </p:spTree>
-    <p:extLst>
-      <p:ext uri="{BB962C8B-B14F-4D97-AF65-F5344CB8AC3E}">
-        <p14:creationId xmlns:p14="http://schemas.microsoft.com/office/powerpoint/2010/main" val="2054101291"/>
-      </p:ext>
-    </p:extLst>
-  </p:cSld>
-  <p:clrMapOvr>
-    <a:masterClrMapping/>
-  </p:clrMapOvr>
-</p:sld>
-</file>
-
-<file path=ppt/slides/slide4.xml><?xml version="1.0" encoding="utf-8"?>
-<p:sld xmlns:a="http://schemas.openxmlformats.org/drawingml/2006/main" xmlns:r="http://schemas.openxmlformats.org/officeDocument/2006/relationships" xmlns:p="http://schemas.openxmlformats.org/presentationml/2006/main">
-  <p:cSld>
-    <p:spTree>
-      <p:nvGrpSpPr>
-        <p:cNvPr id="1" name=""/>
-        <p:cNvGrpSpPr/>
-        <p:nvPr/>
-      </p:nvGrpSpPr>
-      <p:grpSpPr>
-        <a:xfrm>
-          <a:off x="0" y="0"/>
-          <a:ext cx="0" cy="0"/>
-          <a:chOff x="0" y="0"/>
-          <a:chExt cx="0" cy="0"/>
-        </a:xfrm>
-      </p:grpSpPr>
-      <p:sp>
-        <p:nvSpPr>
-          <p:cNvPr id="3" name="Rectangle 2">
-            <a:extLst>
-              <a:ext uri="{FF2B5EF4-FFF2-40B4-BE49-F238E27FC236}">
-                <a16:creationId xmlns:a16="http://schemas.microsoft.com/office/drawing/2014/main" id="{415FB8B1-973A-C845-9ED4-EF496CC1DAF5}"/>
-              </a:ext>
-            </a:extLst>
-          </p:cNvPr>
-          <p:cNvSpPr/>
-          <p:nvPr/>
-        </p:nvSpPr>
-        <p:spPr>
-          <a:xfrm>
-            <a:off x="568737" y="1099929"/>
-            <a:ext cx="8190949" cy="2554545"/>
-          </a:xfrm>
-          <a:prstGeom prst="rect">
-            <a:avLst/>
-          </a:prstGeom>
-        </p:spPr>
-        <p:txBody>
-          <a:bodyPr wrap="square">
-            <a:spAutoFit/>
-          </a:bodyPr>
-          <a:lstStyle/>
-          <a:p>
-            <a:r>
-              <a:rPr lang="en-GB" sz="3200" b="1" dirty="0"/>
-              <a:t>Data Formatting Issues</a:t>
-            </a:r>
-          </a:p>
-          <a:p>
-            <a:r>
-              <a:rPr lang="en-GB" sz="3200" b="1" dirty="0"/>
-              <a:t>Avoiding data disasters – </a:t>
-            </a:r>
-          </a:p>
-          <a:p>
-            <a:r>
-              <a:rPr lang="en-GB" sz="3200" b="1" dirty="0"/>
-              <a:t>Best practices in Research Data Management </a:t>
-            </a:r>
-          </a:p>
-          <a:p>
-            <a:r>
-              <a:rPr lang="en-GB" sz="3200" b="1" dirty="0"/>
-              <a:t>for the Biological Sciences</a:t>
-            </a:r>
-          </a:p>
-          <a:p>
-            <a:r>
-              <a:rPr lang="en-GB" sz="3200" b="1" dirty="0"/>
-              <a:t>Feb 23</a:t>
-            </a:r>
-            <a:r>
-              <a:rPr lang="en-GB" sz="3200" b="1" baseline="30000" dirty="0"/>
-              <a:t>rd</a:t>
-            </a:r>
-            <a:r>
-              <a:rPr lang="en-GB" sz="3200" b="1" dirty="0"/>
-              <a:t> 2018</a:t>
-            </a:r>
-          </a:p>
-        </p:txBody>
-      </p:sp>
-      <p:pic>
-        <p:nvPicPr>
-          <p:cNvPr id="5" name="Picture 4" descr="http://dtsinfotech.com/wp-content/uploads/2016/10/DBDR_.jpg">
-            <a:extLst>
-              <a:ext uri="{FF2B5EF4-FFF2-40B4-BE49-F238E27FC236}">
-                <a16:creationId xmlns:a16="http://schemas.microsoft.com/office/drawing/2014/main" id="{66252679-625F-AB46-BD09-5959A8098EFB}"/>
-              </a:ext>
-            </a:extLst>
-          </p:cNvPr>
-          <p:cNvPicPr/>
-          <p:nvPr/>
-        </p:nvPicPr>
-        <p:blipFill>
-          <a:blip r:embed="rId2">
-            <a:extLst>
-              <a:ext uri="{28A0092B-C50C-407E-A947-70E740481C1C}">
-                <a14:useLocalDpi xmlns:a14="http://schemas.microsoft.com/office/drawing/2010/main" val="0"/>
-              </a:ext>
-            </a:extLst>
-          </a:blip>
-          <a:srcRect/>
-          <a:stretch>
-            <a:fillRect/>
-          </a:stretch>
-        </p:blipFill>
-        <p:spPr bwMode="auto">
-          <a:xfrm>
-            <a:off x="8759686" y="1070299"/>
-            <a:ext cx="3128618" cy="4200940"/>
-          </a:xfrm>
-          <a:prstGeom prst="rect">
-            <a:avLst/>
-          </a:prstGeom>
-          <a:noFill/>
-        </p:spPr>
-      </p:pic>
-      <p:pic>
-        <p:nvPicPr>
-          <p:cNvPr id="4" name="Picture 3">
-            <a:extLst>
-              <a:ext uri="{FF2B5EF4-FFF2-40B4-BE49-F238E27FC236}">
-                <a16:creationId xmlns:a16="http://schemas.microsoft.com/office/drawing/2014/main" id="{1895C895-F863-AA45-958B-F6EE7695860B}"/>
-              </a:ext>
-            </a:extLst>
-          </p:cNvPr>
-          <p:cNvPicPr>
-            <a:picLocks noChangeAspect="1"/>
-          </p:cNvPicPr>
-          <p:nvPr/>
-        </p:nvPicPr>
-        <p:blipFill>
-          <a:blip r:embed="rId3">
-            <a:extLst>
-              <a:ext uri="{28A0092B-C50C-407E-A947-70E740481C1C}">
-                <a14:useLocalDpi xmlns:a14="http://schemas.microsoft.com/office/drawing/2010/main" val="0"/>
-              </a:ext>
-            </a:extLst>
-          </a:blip>
-          <a:stretch>
-            <a:fillRect/>
-          </a:stretch>
-        </p:blipFill>
-        <p:spPr>
-          <a:xfrm>
-            <a:off x="355876" y="5761659"/>
-            <a:ext cx="3283200" cy="720058"/>
-          </a:xfrm>
-          <a:prstGeom prst="rect">
-            <a:avLst/>
-          </a:prstGeom>
-        </p:spPr>
-      </p:pic>
-    </p:spTree>
-    <p:extLst>
-      <p:ext uri="{BB962C8B-B14F-4D97-AF65-F5344CB8AC3E}">
-        <p14:creationId xmlns:p14="http://schemas.microsoft.com/office/powerpoint/2010/main" val="1212522170"/>
-      </p:ext>
-    </p:extLst>
-  </p:cSld>
-  <p:clrMapOvr>
-    <a:masterClrMapping/>
-  </p:clrMapOvr>
-</p:sld>
-</file>
-
-<file path=ppt/slides/slide5.xml><?xml version="1.0" encoding="utf-8"?>
+<file path=ppt/slides/slide3.xml><?xml version="1.0" encoding="utf-8"?>
 <p:sld xmlns:a="http://schemas.openxmlformats.org/drawingml/2006/main" xmlns:r="http://schemas.openxmlformats.org/officeDocument/2006/relationships" xmlns:p="http://schemas.openxmlformats.org/presentationml/2006/main">
   <p:cSld>
     <p:spTree>
@@ -11872,7 +10830,283 @@
 </p:sld>
 </file>
 
-<file path=ppt/slides/slide6.xml><?xml version="1.0" encoding="utf-8"?>
+<file path=ppt/slides/slide30.xml><?xml version="1.0" encoding="utf-8"?>
+<p:sld xmlns:a="http://schemas.openxmlformats.org/drawingml/2006/main" xmlns:r="http://schemas.openxmlformats.org/officeDocument/2006/relationships" xmlns:p="http://schemas.openxmlformats.org/presentationml/2006/main">
+  <p:cSld>
+    <p:spTree>
+      <p:nvGrpSpPr>
+        <p:cNvPr id="1" name=""/>
+        <p:cNvGrpSpPr/>
+        <p:nvPr/>
+      </p:nvGrpSpPr>
+      <p:grpSpPr>
+        <a:xfrm>
+          <a:off x="0" y="0"/>
+          <a:ext cx="0" cy="0"/>
+          <a:chOff x="0" y="0"/>
+          <a:chExt cx="0" cy="0"/>
+        </a:xfrm>
+      </p:grpSpPr>
+      <p:pic>
+        <p:nvPicPr>
+          <p:cNvPr id="2" name="Picture 1">
+            <a:extLst>
+              <a:ext uri="{FF2B5EF4-FFF2-40B4-BE49-F238E27FC236}">
+                <a16:creationId xmlns:a16="http://schemas.microsoft.com/office/drawing/2014/main" id="{FB11E52A-2D2D-6148-BB07-FAFB89D05D9E}"/>
+              </a:ext>
+            </a:extLst>
+          </p:cNvPr>
+          <p:cNvPicPr>
+            <a:picLocks noChangeAspect="1"/>
+          </p:cNvPicPr>
+          <p:nvPr/>
+        </p:nvPicPr>
+        <p:blipFill>
+          <a:blip r:embed="rId2">
+            <a:extLst>
+              <a:ext uri="{28A0092B-C50C-407E-A947-70E740481C1C}">
+                <a14:useLocalDpi xmlns:a14="http://schemas.microsoft.com/office/drawing/2010/main" val="0"/>
+              </a:ext>
+            </a:extLst>
+          </a:blip>
+          <a:stretch>
+            <a:fillRect/>
+          </a:stretch>
+        </p:blipFill>
+        <p:spPr>
+          <a:xfrm>
+            <a:off x="355876" y="5761659"/>
+            <a:ext cx="3283200" cy="720058"/>
+          </a:xfrm>
+          <a:prstGeom prst="rect">
+            <a:avLst/>
+          </a:prstGeom>
+        </p:spPr>
+      </p:pic>
+      <p:sp>
+        <p:nvSpPr>
+          <p:cNvPr id="3" name="Rectangle 2">
+            <a:extLst>
+              <a:ext uri="{FF2B5EF4-FFF2-40B4-BE49-F238E27FC236}">
+                <a16:creationId xmlns:a16="http://schemas.microsoft.com/office/drawing/2014/main" id="{B534F877-B3BE-E446-81AC-4B0B0A79A535}"/>
+              </a:ext>
+            </a:extLst>
+          </p:cNvPr>
+          <p:cNvSpPr/>
+          <p:nvPr/>
+        </p:nvSpPr>
+        <p:spPr>
+          <a:xfrm>
+            <a:off x="355876" y="318052"/>
+            <a:ext cx="11584333" cy="5909310"/>
+          </a:xfrm>
+          <a:prstGeom prst="rect">
+            <a:avLst/>
+          </a:prstGeom>
+        </p:spPr>
+        <p:txBody>
+          <a:bodyPr wrap="square">
+            <a:spAutoFit/>
+          </a:bodyPr>
+          <a:lstStyle/>
+          <a:p>
+            <a:pPr fontAlgn="base">
+              <a:spcAft>
+                <a:spcPts val="0"/>
+              </a:spcAft>
+            </a:pPr>
+            <a:r>
+              <a:rPr lang="en-GB" sz="2400" b="1" dirty="0"/>
+              <a:t>Practical - Project proposals looking for a data plan (</a:t>
+            </a:r>
+            <a:r>
+              <a:rPr lang="en-GB" sz="2400" b="1" dirty="0" err="1"/>
+              <a:t>DataLine</a:t>
+            </a:r>
+            <a:r>
+              <a:rPr lang="en-GB" sz="2400" b="1" dirty="0"/>
+              <a:t>?)</a:t>
+            </a:r>
+          </a:p>
+          <a:p>
+            <a:pPr fontAlgn="base">
+              <a:spcAft>
+                <a:spcPts val="0"/>
+              </a:spcAft>
+            </a:pPr>
+            <a:r>
+              <a:rPr lang="en-GB" sz="2400" dirty="0"/>
+              <a:t>(Discuss these in pairs – what considerations do you think a Funder needs?)</a:t>
+            </a:r>
+          </a:p>
+          <a:p>
+            <a:pPr marL="342900" indent="-342900" fontAlgn="base">
+              <a:spcAft>
+                <a:spcPts val="0"/>
+              </a:spcAft>
+              <a:buFont typeface="Arial" panose="020B0604020202020204" pitchFamily="34" charset="0"/>
+              <a:buChar char="•"/>
+            </a:pPr>
+            <a:r>
+              <a:rPr lang="en-GB" sz="2400" dirty="0"/>
+              <a:t>Consented patient tumour samples will be analysed for particular SNPs. Sequencing will be done externally with computational analysis carried out in-house. A paper will be written and the experimental data shared.</a:t>
+            </a:r>
+          </a:p>
+          <a:p>
+            <a:pPr marL="342900" indent="-342900" fontAlgn="base">
+              <a:spcAft>
+                <a:spcPts val="0"/>
+              </a:spcAft>
+              <a:buFont typeface="Arial" panose="020B0604020202020204" pitchFamily="34" charset="0"/>
+              <a:buChar char="•"/>
+            </a:pPr>
+            <a:r>
+              <a:rPr lang="en-GB" sz="2400" dirty="0"/>
+              <a:t>GP practices will get patients to fill in questionnaires relating to lifestyle and diet and to provide biological samples to analysed at researchers lab for bio-markers of cardiac disease.</a:t>
+            </a:r>
+          </a:p>
+          <a:p>
+            <a:pPr marL="342900" indent="-342900" fontAlgn="base">
+              <a:spcAft>
+                <a:spcPts val="0"/>
+              </a:spcAft>
+              <a:buFont typeface="Arial" panose="020B0604020202020204" pitchFamily="34" charset="0"/>
+              <a:buChar char="•"/>
+            </a:pPr>
+            <a:r>
+              <a:rPr lang="en-GB" sz="2400" dirty="0"/>
+              <a:t>An archaeological dig is to be organised in North Walsham where it is anticipated that Roman remains will be uncovered. Finds will be verified by other national experts, site data will be stored for use by other academics and the findings made publicly available.</a:t>
+            </a:r>
+          </a:p>
+          <a:p>
+            <a:pPr marL="342900" indent="-342900" fontAlgn="base">
+              <a:spcAft>
+                <a:spcPts val="0"/>
+              </a:spcAft>
+              <a:buFont typeface="Arial" panose="020B0604020202020204" pitchFamily="34" charset="0"/>
+              <a:buChar char="•"/>
+            </a:pPr>
+            <a:r>
+              <a:rPr lang="en-GB" sz="2400" dirty="0"/>
+              <a:t>A trial is planned of a new anti-depressant to help treat patients. One group will be given the new drug in their combination therapy and the other group will receive an existing one. A comparative analysis of </a:t>
+            </a:r>
+            <a:r>
+              <a:rPr lang="en-GB" sz="2400" dirty="0" err="1"/>
+              <a:t>transcripted</a:t>
+            </a:r>
+            <a:r>
+              <a:rPr lang="en-GB" sz="2400" dirty="0"/>
+              <a:t> patient interviews will be undertaken.</a:t>
+            </a:r>
+          </a:p>
+          <a:p>
+            <a:pPr marL="342900" indent="-342900" fontAlgn="base">
+              <a:spcAft>
+                <a:spcPts val="0"/>
+              </a:spcAft>
+              <a:buAutoNum type="arabicPeriod"/>
+            </a:pPr>
+            <a:endParaRPr lang="en-GB" sz="2400" dirty="0">
+              <a:latin typeface="Calibri" panose="020F0502020204030204" pitchFamily="34" charset="0"/>
+              <a:ea typeface="Calibri" panose="020F0502020204030204" pitchFamily="34" charset="0"/>
+              <a:cs typeface="Times New Roman" panose="02020603050405020304" pitchFamily="18" charset="0"/>
+            </a:endParaRPr>
+          </a:p>
+          <a:p>
+            <a:pPr marL="342900" indent="-342900" fontAlgn="base">
+              <a:spcAft>
+                <a:spcPts val="0"/>
+              </a:spcAft>
+              <a:buAutoNum type="arabicPeriod"/>
+            </a:pPr>
+            <a:endParaRPr lang="en-GB" dirty="0">
+              <a:latin typeface="Calibri" panose="020F0502020204030204" pitchFamily="34" charset="0"/>
+              <a:ea typeface="Calibri" panose="020F0502020204030204" pitchFamily="34" charset="0"/>
+              <a:cs typeface="Times New Roman" panose="02020603050405020304" pitchFamily="18" charset="0"/>
+            </a:endParaRPr>
+          </a:p>
+        </p:txBody>
+      </p:sp>
+    </p:spTree>
+    <p:extLst>
+      <p:ext uri="{BB962C8B-B14F-4D97-AF65-F5344CB8AC3E}">
+        <p14:creationId xmlns:p14="http://schemas.microsoft.com/office/powerpoint/2010/main" val="2054101291"/>
+      </p:ext>
+    </p:extLst>
+  </p:cSld>
+  <p:clrMapOvr>
+    <a:masterClrMapping/>
+  </p:clrMapOvr>
+</p:sld>
+</file>
+
+<file path=ppt/slides/slide31.xml><?xml version="1.0" encoding="utf-8"?>
+<p:sld xmlns:a="http://schemas.openxmlformats.org/drawingml/2006/main" xmlns:r="http://schemas.openxmlformats.org/officeDocument/2006/relationships" xmlns:p="http://schemas.openxmlformats.org/presentationml/2006/main">
+  <p:cSld>
+    <p:spTree>
+      <p:nvGrpSpPr>
+        <p:cNvPr id="1" name=""/>
+        <p:cNvGrpSpPr/>
+        <p:nvPr/>
+      </p:nvGrpSpPr>
+      <p:grpSpPr>
+        <a:xfrm>
+          <a:off x="0" y="0"/>
+          <a:ext cx="0" cy="0"/>
+          <a:chOff x="0" y="0"/>
+          <a:chExt cx="0" cy="0"/>
+        </a:xfrm>
+      </p:grpSpPr>
+      <p:pic>
+        <p:nvPicPr>
+          <p:cNvPr id="2" name="Picture 1">
+            <a:extLst>
+              <a:ext uri="{FF2B5EF4-FFF2-40B4-BE49-F238E27FC236}">
+                <a16:creationId xmlns:a16="http://schemas.microsoft.com/office/drawing/2014/main" id="{FB11E52A-2D2D-6148-BB07-FAFB89D05D9E}"/>
+              </a:ext>
+            </a:extLst>
+          </p:cNvPr>
+          <p:cNvPicPr>
+            <a:picLocks noChangeAspect="1"/>
+          </p:cNvPicPr>
+          <p:nvPr/>
+        </p:nvPicPr>
+        <p:blipFill>
+          <a:blip r:embed="rId2">
+            <a:extLst>
+              <a:ext uri="{28A0092B-C50C-407E-A947-70E740481C1C}">
+                <a14:useLocalDpi xmlns:a14="http://schemas.microsoft.com/office/drawing/2010/main" val="0"/>
+              </a:ext>
+            </a:extLst>
+          </a:blip>
+          <a:stretch>
+            <a:fillRect/>
+          </a:stretch>
+        </p:blipFill>
+        <p:spPr>
+          <a:xfrm>
+            <a:off x="355876" y="5761659"/>
+            <a:ext cx="3283200" cy="720058"/>
+          </a:xfrm>
+          <a:prstGeom prst="rect">
+            <a:avLst/>
+          </a:prstGeom>
+        </p:spPr>
+      </p:pic>
+    </p:spTree>
+    <p:extLst>
+      <p:ext uri="{BB962C8B-B14F-4D97-AF65-F5344CB8AC3E}">
+        <p14:creationId xmlns:p14="http://schemas.microsoft.com/office/powerpoint/2010/main" val="3895255177"/>
+      </p:ext>
+    </p:extLst>
+  </p:cSld>
+  <p:clrMapOvr>
+    <a:masterClrMapping/>
+  </p:clrMapOvr>
+</p:sld>
+</file>
+
+<file path=ppt/slides/slide4.xml><?xml version="1.0" encoding="utf-8"?>
 <p:sld xmlns:a="http://schemas.openxmlformats.org/drawingml/2006/main" xmlns:r="http://schemas.openxmlformats.org/officeDocument/2006/relationships" xmlns:p="http://schemas.openxmlformats.org/presentationml/2006/main">
   <p:cSld>
     <p:spTree>
@@ -12057,6 +11291,381 @@
 </p:sld>
 </file>
 
+<file path=ppt/slides/slide5.xml><?xml version="1.0" encoding="utf-8"?>
+<p:sld xmlns:a="http://schemas.openxmlformats.org/drawingml/2006/main" xmlns:r="http://schemas.openxmlformats.org/officeDocument/2006/relationships" xmlns:p="http://schemas.openxmlformats.org/presentationml/2006/main">
+  <p:cSld>
+    <p:spTree>
+      <p:nvGrpSpPr>
+        <p:cNvPr id="1" name=""/>
+        <p:cNvGrpSpPr/>
+        <p:nvPr/>
+      </p:nvGrpSpPr>
+      <p:grpSpPr>
+        <a:xfrm>
+          <a:off x="0" y="0"/>
+          <a:ext cx="0" cy="0"/>
+          <a:chOff x="0" y="0"/>
+          <a:chExt cx="0" cy="0"/>
+        </a:xfrm>
+      </p:grpSpPr>
+      <p:sp>
+        <p:nvSpPr>
+          <p:cNvPr id="6" name="Rectangle 5">
+            <a:extLst>
+              <a:ext uri="{FF2B5EF4-FFF2-40B4-BE49-F238E27FC236}">
+                <a16:creationId xmlns:a16="http://schemas.microsoft.com/office/drawing/2014/main" id="{EF2D139D-EECD-E549-8928-6723261A3260}"/>
+              </a:ext>
+            </a:extLst>
+          </p:cNvPr>
+          <p:cNvSpPr/>
+          <p:nvPr/>
+        </p:nvSpPr>
+        <p:spPr>
+          <a:xfrm>
+            <a:off x="1789041" y="835032"/>
+            <a:ext cx="8428383" cy="3785652"/>
+          </a:xfrm>
+          <a:prstGeom prst="rect">
+            <a:avLst/>
+          </a:prstGeom>
+        </p:spPr>
+        <p:txBody>
+          <a:bodyPr wrap="square">
+            <a:spAutoFit/>
+          </a:bodyPr>
+          <a:lstStyle/>
+          <a:p>
+            <a:r>
+              <a:rPr lang="en-GB" sz="2400" b="1" dirty="0"/>
+              <a:t>A famous example</a:t>
+            </a:r>
+          </a:p>
+          <a:p>
+            <a:pPr>
+              <a:buFont typeface="Arial" panose="020B0604020202020204" pitchFamily="34" charset="0"/>
+              <a:buChar char="•"/>
+            </a:pPr>
+            <a:r>
+              <a:rPr lang="en-GB" sz="2400" dirty="0"/>
+              <a:t>Probably the most (in)famous example of failure to reproduce a study, which actually </a:t>
+            </a:r>
+            <a:r>
+              <a:rPr lang="en-GB" sz="2400" i="1" dirty="0"/>
+              <a:t>put people's lives at risk </a:t>
+            </a:r>
+            <a:r>
+              <a:rPr lang="en-GB" sz="2400" dirty="0"/>
+              <a:t>and </a:t>
+            </a:r>
+            <a:r>
+              <a:rPr lang="en-GB" sz="2400" dirty="0">
+                <a:hlinkClick r:id="rId2"/>
+              </a:rPr>
+              <a:t>rallied statisticians into action</a:t>
+            </a:r>
+            <a:endParaRPr lang="en-GB" sz="2400" dirty="0"/>
+          </a:p>
+          <a:p>
+            <a:endParaRPr lang="en-GB" sz="2400" dirty="0"/>
+          </a:p>
+          <a:p>
+            <a:pPr>
+              <a:buFont typeface="Arial" panose="020B0604020202020204" pitchFamily="34" charset="0"/>
+              <a:buChar char="•"/>
+            </a:pPr>
+            <a:r>
+              <a:rPr lang="en-GB" sz="2400" dirty="0"/>
+              <a:t>Keith </a:t>
+            </a:r>
+            <a:r>
+              <a:rPr lang="en-GB" sz="2400" dirty="0" err="1"/>
+              <a:t>Baggerly's</a:t>
+            </a:r>
+            <a:r>
+              <a:rPr lang="en-GB" sz="2400" dirty="0"/>
+              <a:t> lecture on the scandal is a </a:t>
+            </a:r>
+            <a:r>
+              <a:rPr lang="en-GB" sz="2400" b="1" i="1" dirty="0"/>
+              <a:t>must-see</a:t>
+            </a:r>
+            <a:r>
+              <a:rPr lang="en-GB" sz="2400" dirty="0"/>
+              <a:t>.</a:t>
+            </a:r>
+            <a:br>
+              <a:rPr lang="en-GB" sz="2400" dirty="0"/>
+            </a:br>
+            <a:r>
+              <a:rPr lang="en-GB" sz="2400" dirty="0">
+                <a:hlinkClick r:id="rId3"/>
+              </a:rPr>
+              <a:t>https://www.youtube.com/watch?v=7gYIs7uYbMo</a:t>
+            </a:r>
+            <a:r>
+              <a:rPr lang="en-GB" sz="2400" dirty="0"/>
+              <a:t> </a:t>
+            </a:r>
+          </a:p>
+          <a:p>
+            <a:pPr>
+              <a:buFont typeface="Arial" panose="020B0604020202020204" pitchFamily="34" charset="0"/>
+              <a:buChar char="•"/>
+            </a:pPr>
+            <a:endParaRPr lang="en-GB" sz="2400" dirty="0"/>
+          </a:p>
+          <a:p>
+            <a:pPr>
+              <a:buFont typeface="Arial" panose="020B0604020202020204" pitchFamily="34" charset="0"/>
+              <a:buChar char="•"/>
+            </a:pPr>
+            <a:r>
+              <a:rPr lang="en-GB" sz="2400" dirty="0"/>
+              <a:t> If that wasn’t enough to give you sleepless nights –</a:t>
+            </a:r>
+            <a:br>
+              <a:rPr lang="en-GB" sz="2400" dirty="0"/>
+            </a:br>
+            <a:r>
+              <a:rPr lang="en-GB" sz="2400" dirty="0"/>
+              <a:t>Visit </a:t>
+            </a:r>
+            <a:r>
+              <a:rPr lang="en-GB" sz="2400" dirty="0">
+                <a:hlinkClick r:id="rId4"/>
+              </a:rPr>
+              <a:t>http://retractionwatch.com</a:t>
+            </a:r>
+            <a:r>
+              <a:rPr lang="en-GB" sz="2400" dirty="0"/>
+              <a:t> </a:t>
+            </a:r>
+          </a:p>
+        </p:txBody>
+      </p:sp>
+      <p:pic>
+        <p:nvPicPr>
+          <p:cNvPr id="3" name="Picture 2">
+            <a:extLst>
+              <a:ext uri="{FF2B5EF4-FFF2-40B4-BE49-F238E27FC236}">
+                <a16:creationId xmlns:a16="http://schemas.microsoft.com/office/drawing/2014/main" id="{8466BF42-9AA8-AC4F-BD2B-17A7A2C668BC}"/>
+              </a:ext>
+            </a:extLst>
+          </p:cNvPr>
+          <p:cNvPicPr>
+            <a:picLocks noChangeAspect="1"/>
+          </p:cNvPicPr>
+          <p:nvPr/>
+        </p:nvPicPr>
+        <p:blipFill>
+          <a:blip r:embed="rId5">
+            <a:extLst>
+              <a:ext uri="{28A0092B-C50C-407E-A947-70E740481C1C}">
+                <a14:useLocalDpi xmlns:a14="http://schemas.microsoft.com/office/drawing/2010/main" val="0"/>
+              </a:ext>
+            </a:extLst>
+          </a:blip>
+          <a:stretch>
+            <a:fillRect/>
+          </a:stretch>
+        </p:blipFill>
+        <p:spPr>
+          <a:xfrm>
+            <a:off x="355876" y="5761659"/>
+            <a:ext cx="3283200" cy="720058"/>
+          </a:xfrm>
+          <a:prstGeom prst="rect">
+            <a:avLst/>
+          </a:prstGeom>
+        </p:spPr>
+      </p:pic>
+    </p:spTree>
+    <p:extLst>
+      <p:ext uri="{BB962C8B-B14F-4D97-AF65-F5344CB8AC3E}">
+        <p14:creationId xmlns:p14="http://schemas.microsoft.com/office/powerpoint/2010/main" val="1795347601"/>
+      </p:ext>
+    </p:extLst>
+  </p:cSld>
+  <p:clrMapOvr>
+    <a:masterClrMapping/>
+  </p:clrMapOvr>
+</p:sld>
+</file>
+
+<file path=ppt/slides/slide6.xml><?xml version="1.0" encoding="utf-8"?>
+<p:sld xmlns:a="http://schemas.openxmlformats.org/drawingml/2006/main" xmlns:r="http://schemas.openxmlformats.org/officeDocument/2006/relationships" xmlns:p="http://schemas.openxmlformats.org/presentationml/2006/main">
+  <p:cSld>
+    <p:spTree>
+      <p:nvGrpSpPr>
+        <p:cNvPr id="1" name=""/>
+        <p:cNvGrpSpPr/>
+        <p:nvPr/>
+      </p:nvGrpSpPr>
+      <p:grpSpPr>
+        <a:xfrm>
+          <a:off x="0" y="0"/>
+          <a:ext cx="0" cy="0"/>
+          <a:chOff x="0" y="0"/>
+          <a:chExt cx="0" cy="0"/>
+        </a:xfrm>
+      </p:grpSpPr>
+      <p:sp>
+        <p:nvSpPr>
+          <p:cNvPr id="2" name="Rectangle 1">
+            <a:extLst>
+              <a:ext uri="{FF2B5EF4-FFF2-40B4-BE49-F238E27FC236}">
+                <a16:creationId xmlns:a16="http://schemas.microsoft.com/office/drawing/2014/main" id="{F0E783E4-0120-874F-BBCD-72EC371EE535}"/>
+              </a:ext>
+            </a:extLst>
+          </p:cNvPr>
+          <p:cNvSpPr/>
+          <p:nvPr/>
+        </p:nvSpPr>
+        <p:spPr>
+          <a:xfrm>
+            <a:off x="1997476" y="440061"/>
+            <a:ext cx="7434470" cy="4893647"/>
+          </a:xfrm>
+          <a:prstGeom prst="rect">
+            <a:avLst/>
+          </a:prstGeom>
+        </p:spPr>
+        <p:txBody>
+          <a:bodyPr wrap="square">
+            <a:spAutoFit/>
+          </a:bodyPr>
+          <a:lstStyle/>
+          <a:p>
+            <a:r>
+              <a:rPr lang="en-GB" sz="2400" b="1" dirty="0"/>
+              <a:t>Are spreadsheets programs like Excel evil?</a:t>
+            </a:r>
+          </a:p>
+          <a:p>
+            <a:pPr>
+              <a:buFont typeface="Arial" panose="020B0604020202020204" pitchFamily="34" charset="0"/>
+              <a:buChar char="•"/>
+            </a:pPr>
+            <a:r>
+              <a:rPr lang="en-GB" sz="2400" dirty="0"/>
+              <a:t>....Not necessarily.</a:t>
+            </a:r>
+            <a:br>
+              <a:rPr lang="en-GB" sz="2400" dirty="0"/>
+            </a:br>
+            <a:endParaRPr lang="en-GB" sz="2400" dirty="0"/>
+          </a:p>
+          <a:p>
+            <a:pPr>
+              <a:buFont typeface="Arial" panose="020B0604020202020204" pitchFamily="34" charset="0"/>
+              <a:buChar char="•"/>
+            </a:pPr>
+            <a:r>
+              <a:rPr lang="en-GB" sz="2400" dirty="0"/>
+              <a:t>Often much more convenient to eye-ball a spreadsheet and get an overall impression of your data.</a:t>
+            </a:r>
+            <a:br>
+              <a:rPr lang="en-GB" sz="2400" dirty="0"/>
+            </a:br>
+            <a:endParaRPr lang="en-GB" sz="2400" dirty="0"/>
+          </a:p>
+          <a:p>
+            <a:pPr>
+              <a:buFont typeface="Arial" panose="020B0604020202020204" pitchFamily="34" charset="0"/>
+              <a:buChar char="•"/>
+            </a:pPr>
+            <a:r>
+              <a:rPr lang="en-GB" sz="2400" dirty="0"/>
+              <a:t>But they have </a:t>
+            </a:r>
+            <a:r>
+              <a:rPr lang="en-GB" sz="2400" i="1" dirty="0"/>
+              <a:t>limitations </a:t>
+            </a:r>
+            <a:r>
+              <a:rPr lang="en-GB" sz="2400" dirty="0"/>
+              <a:t>making them not ideal for large-scale analyses.</a:t>
+            </a:r>
+            <a:br>
+              <a:rPr lang="en-GB" sz="2400" dirty="0"/>
+            </a:br>
+            <a:endParaRPr lang="en-GB" sz="2400" dirty="0"/>
+          </a:p>
+          <a:p>
+            <a:pPr>
+              <a:buFont typeface="Arial" panose="020B0604020202020204" pitchFamily="34" charset="0"/>
+              <a:buChar char="•"/>
+            </a:pPr>
+            <a:r>
+              <a:rPr lang="en-GB" sz="2400" dirty="0"/>
+              <a:t>Doing things by-hand only invites you to make copy-and-paste errors etc.</a:t>
+            </a:r>
+            <a:br>
+              <a:rPr lang="en-GB" sz="2400" dirty="0"/>
+            </a:br>
+            <a:endParaRPr lang="en-GB" sz="2400" dirty="0"/>
+          </a:p>
+          <a:p>
+            <a:pPr>
+              <a:buFont typeface="Arial" panose="020B0604020202020204" pitchFamily="34" charset="0"/>
+              <a:buChar char="•"/>
+            </a:pPr>
+            <a:r>
+              <a:rPr lang="en-GB" sz="2400" dirty="0"/>
+              <a:t>R cannot read all files as if by magic</a:t>
+            </a:r>
+          </a:p>
+        </p:txBody>
+      </p:sp>
+      <p:pic>
+        <p:nvPicPr>
+          <p:cNvPr id="3" name="Picture 2">
+            <a:extLst>
+              <a:ext uri="{FF2B5EF4-FFF2-40B4-BE49-F238E27FC236}">
+                <a16:creationId xmlns:a16="http://schemas.microsoft.com/office/drawing/2014/main" id="{C72082EC-C21E-F24A-88AE-695B26F125DD}"/>
+              </a:ext>
+            </a:extLst>
+          </p:cNvPr>
+          <p:cNvPicPr>
+            <a:picLocks noChangeAspect="1"/>
+          </p:cNvPicPr>
+          <p:nvPr/>
+        </p:nvPicPr>
+        <p:blipFill>
+          <a:blip r:embed="rId2">
+            <a:extLst>
+              <a:ext uri="{28A0092B-C50C-407E-A947-70E740481C1C}">
+                <a14:useLocalDpi xmlns:a14="http://schemas.microsoft.com/office/drawing/2010/main" val="0"/>
+              </a:ext>
+            </a:extLst>
+          </a:blip>
+          <a:stretch>
+            <a:fillRect/>
+          </a:stretch>
+        </p:blipFill>
+        <p:spPr>
+          <a:xfrm>
+            <a:off x="355876" y="5761659"/>
+            <a:ext cx="3283200" cy="720058"/>
+          </a:xfrm>
+          <a:prstGeom prst="rect">
+            <a:avLst/>
+          </a:prstGeom>
+        </p:spPr>
+      </p:pic>
+    </p:spTree>
+    <p:extLst>
+      <p:ext uri="{BB962C8B-B14F-4D97-AF65-F5344CB8AC3E}">
+        <p14:creationId xmlns:p14="http://schemas.microsoft.com/office/powerpoint/2010/main" val="2775052813"/>
+      </p:ext>
+    </p:extLst>
+  </p:cSld>
+  <p:clrMapOvr>
+    <a:masterClrMapping/>
+  </p:clrMapOvr>
+</p:sld>
+</file>
+
 <file path=ppt/slides/slide7.xml><?xml version="1.0" encoding="utf-8"?>
 <p:sld xmlns:a="http://schemas.openxmlformats.org/drawingml/2006/main" xmlns:r="http://schemas.openxmlformats.org/officeDocument/2006/relationships" xmlns:p="http://schemas.openxmlformats.org/presentationml/2006/main">
   <p:cSld>
@@ -12076,10 +11685,10 @@
       </p:grpSpPr>
       <p:sp>
         <p:nvSpPr>
-          <p:cNvPr id="6" name="Rectangle 5">
-            <a:extLst>
-              <a:ext uri="{FF2B5EF4-FFF2-40B4-BE49-F238E27FC236}">
-                <a16:creationId xmlns:a16="http://schemas.microsoft.com/office/drawing/2014/main" id="{EF2D139D-EECD-E549-8928-6723261A3260}"/>
+          <p:cNvPr id="2" name="Rectangle 1">
+            <a:extLst>
+              <a:ext uri="{FF2B5EF4-FFF2-40B4-BE49-F238E27FC236}">
+                <a16:creationId xmlns:a16="http://schemas.microsoft.com/office/drawing/2014/main" id="{5CE9D86C-8A64-F64E-97D2-34B131610F4D}"/>
               </a:ext>
             </a:extLst>
           </p:cNvPr>
@@ -12088,8 +11697,8 @@
         </p:nvSpPr>
         <p:spPr>
           <a:xfrm>
-            <a:off x="1789041" y="835032"/>
-            <a:ext cx="8428383" cy="3785652"/>
+            <a:off x="2421546" y="1414808"/>
+            <a:ext cx="8242852" cy="3416320"/>
           </a:xfrm>
           <a:prstGeom prst="rect">
             <a:avLst/>
@@ -12102,8 +11711,8 @@
           <a:lstStyle/>
           <a:p>
             <a:r>
-              <a:rPr lang="en-GB" sz="2400" b="1" dirty="0"/>
-              <a:t>A famous example</a:t>
+              <a:rPr lang="en-GB" sz="2400" b="1"/>
+              <a:t>Helpful Data Validation features in Excel</a:t>
             </a:r>
           </a:p>
           <a:p>
@@ -12112,27 +11721,9 @@
               <a:buChar char="•"/>
             </a:pPr>
             <a:r>
-              <a:rPr lang="en-GB" sz="2400" dirty="0"/>
-              <a:t>Probably the most (in)famous example of failure to reproduce a study, which actually </a:t>
-            </a:r>
-            <a:r>
-              <a:rPr lang="en-GB" sz="2400" i="1" dirty="0"/>
-              <a:t>put people's lives at risk </a:t>
-            </a:r>
-            <a:r>
-              <a:rPr lang="en-GB" sz="2400" dirty="0"/>
-              <a:t>and </a:t>
-            </a:r>
-            <a:r>
-              <a:rPr lang="en-GB" sz="2400" dirty="0">
-                <a:hlinkClick r:id="rId2"/>
-              </a:rPr>
-              <a:t>rallied statisticians into action</a:t>
-            </a:r>
-            <a:endParaRPr lang="en-GB" sz="2400" dirty="0"/>
-          </a:p>
-          <a:p>
-            <a:endParaRPr lang="en-GB" sz="2400" dirty="0"/>
+              <a:rPr lang="en-GB" sz="2400"/>
+              <a:t>Excel data validation feature</a:t>
+            </a:r>
           </a:p>
           <a:p>
             <a:pPr>
@@ -12140,37 +11731,28 @@
               <a:buChar char="•"/>
             </a:pPr>
             <a:r>
-              <a:rPr lang="en-GB" sz="2400" dirty="0"/>
-              <a:t>Keith </a:t>
-            </a:r>
-            <a:r>
-              <a:rPr lang="en-GB" sz="2400" dirty="0" err="1"/>
-              <a:t>Baggerly's</a:t>
-            </a:r>
-            <a:r>
-              <a:rPr lang="en-GB" sz="2400" dirty="0"/>
-              <a:t> lecture on the scandal is a </a:t>
-            </a:r>
-            <a:r>
-              <a:rPr lang="en-GB" sz="2400" b="1" i="1" dirty="0"/>
-              <a:t>must-see</a:t>
-            </a:r>
-            <a:r>
-              <a:rPr lang="en-GB" sz="2400" dirty="0"/>
-              <a:t>.</a:t>
-            </a:r>
-            <a:br>
-              <a:rPr lang="en-GB" sz="2400" dirty="0"/>
-            </a:br>
-            <a:r>
-              <a:rPr lang="en-GB" sz="2400" dirty="0">
-                <a:hlinkClick r:id="rId3"/>
-              </a:rPr>
-              <a:t>https://www.youtube.com/watch?v=7gYIs7uYbMo</a:t>
-            </a:r>
-            <a:r>
-              <a:rPr lang="en-GB" sz="2400" dirty="0"/>
-              <a:t> </a:t>
+              <a:rPr lang="en-GB" sz="2400"/>
+              <a:t>Select a column</a:t>
+            </a:r>
+          </a:p>
+          <a:p>
+            <a:pPr marL="742950" lvl="1" indent="-285750">
+              <a:buFont typeface="Arial" panose="020B0604020202020204" pitchFamily="34" charset="0"/>
+              <a:buChar char="•"/>
+            </a:pPr>
+            <a:r>
+              <a:rPr lang="en-GB" sz="2400"/>
+              <a:t>In the menu bar, choose “Data”</a:t>
+            </a:r>
+          </a:p>
+          <a:p>
+            <a:pPr marL="742950" lvl="1" indent="-285750">
+              <a:buFont typeface="Arial" panose="020B0604020202020204" pitchFamily="34" charset="0"/>
+              <a:buChar char="•"/>
+            </a:pPr>
+            <a:r>
+              <a:rPr lang="en-GB" sz="2400"/>
+              <a:t>Validation</a:t>
             </a:r>
           </a:p>
           <a:p>
@@ -12178,7 +11760,10 @@
               <a:buFont typeface="Arial" panose="020B0604020202020204" pitchFamily="34" charset="0"/>
               <a:buChar char="•"/>
             </a:pPr>
-            <a:endParaRPr lang="en-GB" sz="2400" dirty="0"/>
+            <a:r>
+              <a:rPr lang="en-GB" sz="2400"/>
+              <a:t>Integer or decimal number</a:t>
+            </a:r>
           </a:p>
           <a:p>
             <a:pPr>
@@ -12186,25 +11771,28 @@
               <a:buChar char="•"/>
             </a:pPr>
             <a:r>
-              <a:rPr lang="en-GB" sz="2400" dirty="0"/>
-              <a:t> If that wasn’t enough to give you sleepless nights –</a:t>
-            </a:r>
-            <a:br>
-              <a:rPr lang="en-GB" sz="2400" dirty="0"/>
-            </a:br>
-            <a:r>
-              <a:rPr lang="en-GB" sz="2400" dirty="0"/>
-              <a:t>Visit </a:t>
-            </a:r>
-            <a:r>
-              <a:rPr lang="en-GB" sz="2400" dirty="0">
-                <a:hlinkClick r:id="rId4"/>
-              </a:rPr>
-              <a:t>http://retractionwatch.com</a:t>
-            </a:r>
-            <a:r>
-              <a:rPr lang="en-GB" sz="2400" dirty="0"/>
-              <a:t> </a:t>
+              <a:rPr lang="en-GB" sz="2400"/>
+              <a:t>Range</a:t>
+            </a:r>
+          </a:p>
+          <a:p>
+            <a:pPr>
+              <a:buFont typeface="Arial" panose="020B0604020202020204" pitchFamily="34" charset="0"/>
+              <a:buChar char="•"/>
+            </a:pPr>
+            <a:r>
+              <a:rPr lang="en-GB" sz="2400"/>
+              <a:t>List of possible values</a:t>
+            </a:r>
+          </a:p>
+          <a:p>
+            <a:pPr>
+              <a:buFont typeface="Arial" panose="020B0604020202020204" pitchFamily="34" charset="0"/>
+              <a:buChar char="•"/>
+            </a:pPr>
+            <a:r>
+              <a:rPr lang="en-GB" sz="2400"/>
+              <a:t>Limited length text</a:t>
             </a:r>
           </a:p>
         </p:txBody>
@@ -12214,7 +11802,7 @@
           <p:cNvPr id="3" name="Picture 2">
             <a:extLst>
               <a:ext uri="{FF2B5EF4-FFF2-40B4-BE49-F238E27FC236}">
-                <a16:creationId xmlns:a16="http://schemas.microsoft.com/office/drawing/2014/main" id="{8466BF42-9AA8-AC4F-BD2B-17A7A2C668BC}"/>
+                <a16:creationId xmlns:a16="http://schemas.microsoft.com/office/drawing/2014/main" id="{A7571BBF-E980-8A40-B49B-81D8D48FD7CA}"/>
               </a:ext>
             </a:extLst>
           </p:cNvPr>
@@ -12224,7 +11812,7 @@
           <p:nvPr/>
         </p:nvPicPr>
         <p:blipFill>
-          <a:blip r:embed="rId5">
+          <a:blip r:embed="rId2">
             <a:extLst>
               <a:ext uri="{28A0092B-C50C-407E-A947-70E740481C1C}">
                 <a14:useLocalDpi xmlns:a14="http://schemas.microsoft.com/office/drawing/2010/main" val="0"/>
@@ -12245,10 +11833,40 @@
           </a:prstGeom>
         </p:spPr>
       </p:pic>
+      <p:pic>
+        <p:nvPicPr>
+          <p:cNvPr id="4" name="Picture 3">
+            <a:extLst>
+              <a:ext uri="{FF2B5EF4-FFF2-40B4-BE49-F238E27FC236}">
+                <a16:creationId xmlns:a16="http://schemas.microsoft.com/office/drawing/2014/main" id="{E2BD8315-F452-494F-BFF9-DE56B591F369}"/>
+              </a:ext>
+            </a:extLst>
+          </p:cNvPr>
+          <p:cNvPicPr>
+            <a:picLocks noChangeAspect="1"/>
+          </p:cNvPicPr>
+          <p:nvPr/>
+        </p:nvPicPr>
+        <p:blipFill>
+          <a:blip r:embed="rId3"/>
+          <a:stretch>
+            <a:fillRect/>
+          </a:stretch>
+        </p:blipFill>
+        <p:spPr>
+          <a:xfrm>
+            <a:off x="7999067" y="1414808"/>
+            <a:ext cx="673100" cy="1143000"/>
+          </a:xfrm>
+          <a:prstGeom prst="rect">
+            <a:avLst/>
+          </a:prstGeom>
+        </p:spPr>
+      </p:pic>
     </p:spTree>
     <p:extLst>
       <p:ext uri="{BB962C8B-B14F-4D97-AF65-F5344CB8AC3E}">
-        <p14:creationId xmlns:p14="http://schemas.microsoft.com/office/powerpoint/2010/main" val="1795347601"/>
+        <p14:creationId xmlns:p14="http://schemas.microsoft.com/office/powerpoint/2010/main" val="2355172179"/>
       </p:ext>
     </p:extLst>
   </p:cSld>
@@ -12280,7 +11898,7 @@
           <p:cNvPr id="2" name="Rectangle 1">
             <a:extLst>
               <a:ext uri="{FF2B5EF4-FFF2-40B4-BE49-F238E27FC236}">
-                <a16:creationId xmlns:a16="http://schemas.microsoft.com/office/drawing/2014/main" id="{F0E783E4-0120-874F-BBCD-72EC371EE535}"/>
+                <a16:creationId xmlns:a16="http://schemas.microsoft.com/office/drawing/2014/main" id="{01E8CD00-A041-5348-BAD9-B9044091AE15}"/>
               </a:ext>
             </a:extLst>
           </p:cNvPr>
@@ -12289,22 +11907,22 @@
         </p:nvSpPr>
         <p:spPr>
           <a:xfrm>
-            <a:off x="1997476" y="440061"/>
-            <a:ext cx="7434470" cy="4893647"/>
+            <a:off x="1997476" y="1003642"/>
+            <a:ext cx="6096000" cy="3847207"/>
           </a:xfrm>
           <a:prstGeom prst="rect">
             <a:avLst/>
           </a:prstGeom>
         </p:spPr>
         <p:txBody>
-          <a:bodyPr wrap="square">
+          <a:bodyPr>
             <a:spAutoFit/>
           </a:bodyPr>
           <a:lstStyle/>
           <a:p>
             <a:r>
-              <a:rPr lang="en-GB" sz="2400" b="1" dirty="0"/>
-              <a:t>Are spreadsheets programs like Excel evil?</a:t>
+              <a:rPr lang="en-GB" sz="2800" b="1" u="sng" dirty="0"/>
+              <a:t>Less helpful features in Excel</a:t>
             </a:r>
           </a:p>
           <a:p>
@@ -12314,11 +11932,30 @@
             </a:pPr>
             <a:r>
               <a:rPr lang="en-GB" sz="2400" dirty="0"/>
-              <a:t>....Not necessarily.</a:t>
-            </a:r>
-            <a:br>
+              <a:t>When identifiers are long integers</a:t>
+            </a:r>
+          </a:p>
+          <a:p>
+            <a:pPr marL="742950" lvl="1" indent="-285750">
+              <a:buFont typeface="Arial" panose="020B0604020202020204" pitchFamily="34" charset="0"/>
+              <a:buChar char="•"/>
+            </a:pPr>
+            <a:r>
               <a:rPr lang="en-GB" sz="2400" dirty="0"/>
-            </a:br>
+              <a:t>1000000 = 1e06</a:t>
+            </a:r>
+          </a:p>
+          <a:p>
+            <a:pPr marL="742950" lvl="1" indent="-285750">
+              <a:buFont typeface="Arial" panose="020B0604020202020204" pitchFamily="34" charset="0"/>
+              <a:buChar char="•"/>
+            </a:pPr>
+            <a:r>
+              <a:rPr lang="en-GB" sz="2400" dirty="0">
+                <a:hlinkClick r:id="rId2"/>
+              </a:rPr>
+              <a:t>Issue with Illumina microaray chip IDs</a:t>
+            </a:r>
             <a:endParaRPr lang="en-GB" sz="2400" dirty="0"/>
           </a:p>
           <a:p>
@@ -12327,59 +11964,57 @@
               <a:buChar char="•"/>
             </a:pPr>
             <a:r>
-              <a:rPr lang="en-GB" sz="2400" dirty="0"/>
-              <a:t>Often much more convenient to eye-ball a spreadsheet and get an overall impression of your data.</a:t>
-            </a:r>
-            <a:br>
-              <a:rPr lang="en-GB" sz="2400" dirty="0"/>
-            </a:br>
+              <a:rPr lang="en-GB" sz="2400" dirty="0">
+                <a:hlinkClick r:id="rId3"/>
+              </a:rPr>
+              <a:t>Excel can convert gene names to dates</a:t>
+            </a:r>
             <a:endParaRPr lang="en-GB" sz="2400" dirty="0"/>
           </a:p>
           <a:p>
-            <a:pPr>
+            <a:pPr marL="742950" lvl="1" indent="-285750">
               <a:buFont typeface="Arial" panose="020B0604020202020204" pitchFamily="34" charset="0"/>
               <a:buChar char="•"/>
             </a:pPr>
             <a:r>
               <a:rPr lang="en-GB" sz="2400" dirty="0"/>
-              <a:t>But they have </a:t>
-            </a:r>
-            <a:r>
-              <a:rPr lang="en-GB" sz="2400" i="1" dirty="0"/>
-              <a:t>limitations </a:t>
+              <a:t>SEPT2 (</a:t>
+            </a:r>
+            <a:r>
+              <a:rPr lang="en-GB" sz="2400" dirty="0" err="1"/>
+              <a:t>Septin</a:t>
             </a:r>
             <a:r>
               <a:rPr lang="en-GB" sz="2400" dirty="0"/>
-              <a:t>making them not ideal for large-scale analyses.</a:t>
-            </a:r>
-            <a:br>
-              <a:rPr lang="en-GB" sz="2400" dirty="0"/>
-            </a:br>
-            <a:endParaRPr lang="en-GB" sz="2400" dirty="0"/>
-          </a:p>
-          <a:p>
-            <a:pPr>
+              <a:t> 2) → ‘2-Sep’</a:t>
+            </a:r>
+          </a:p>
+          <a:p>
+            <a:pPr marL="742950" lvl="1" indent="-285750">
               <a:buFont typeface="Arial" panose="020B0604020202020204" pitchFamily="34" charset="0"/>
               <a:buChar char="•"/>
             </a:pPr>
             <a:r>
               <a:rPr lang="en-GB" sz="2400" dirty="0"/>
-              <a:t>Doing things by-hand only invites you to make copy-and-paste errors etc.</a:t>
-            </a:r>
-            <a:br>
-              <a:rPr lang="en-GB" sz="2400" dirty="0"/>
-            </a:br>
-            <a:endParaRPr lang="en-GB" sz="2400" dirty="0"/>
-          </a:p>
-          <a:p>
-            <a:pPr>
+              <a:t>MARCH1 (Membrane-Associated Ring Finger (C3HC4) 1, E3 Ubiquitin Protein Ligase) → ‘1-Mar’</a:t>
+            </a:r>
+          </a:p>
+          <a:p>
+            <a:pPr marL="285750" indent="-285750">
               <a:buFont typeface="Arial" panose="020B0604020202020204" pitchFamily="34" charset="0"/>
               <a:buChar char="•"/>
             </a:pPr>
             <a:r>
               <a:rPr lang="en-GB" sz="2400" dirty="0"/>
-              <a:t>R cannot read all files as if by magic</a:t>
-            </a:r>
+              <a:t>Conversion of Study ID codes! </a:t>
+            </a:r>
+            <a:r>
+              <a:rPr lang="en-GB" sz="2400" dirty="0">
+                <a:sym typeface="Wingdings" pitchFamily="2" charset="2"/>
+              </a:rPr>
+              <a:t></a:t>
+            </a:r>
+            <a:endParaRPr lang="en-GB" sz="2400" dirty="0"/>
           </a:p>
         </p:txBody>
       </p:sp>
@@ -12388,7 +12023,7 @@
           <p:cNvPr id="3" name="Picture 2">
             <a:extLst>
               <a:ext uri="{FF2B5EF4-FFF2-40B4-BE49-F238E27FC236}">
-                <a16:creationId xmlns:a16="http://schemas.microsoft.com/office/drawing/2014/main" id="{C72082EC-C21E-F24A-88AE-695B26F125DD}"/>
+                <a16:creationId xmlns:a16="http://schemas.microsoft.com/office/drawing/2014/main" id="{B80C9D7B-EBF5-BE45-AE6A-4045FD36C532}"/>
               </a:ext>
             </a:extLst>
           </p:cNvPr>
@@ -12398,7 +12033,7 @@
           <p:nvPr/>
         </p:nvPicPr>
         <p:blipFill>
-          <a:blip r:embed="rId2">
+          <a:blip r:embed="rId4">
             <a:extLst>
               <a:ext uri="{28A0092B-C50C-407E-A947-70E740481C1C}">
                 <a14:useLocalDpi xmlns:a14="http://schemas.microsoft.com/office/drawing/2010/main" val="0"/>
@@ -12419,10 +12054,76 @@
           </a:prstGeom>
         </p:spPr>
       </p:pic>
+      <p:pic>
+        <p:nvPicPr>
+          <p:cNvPr id="4" name="Picture 3">
+            <a:extLst>
+              <a:ext uri="{FF2B5EF4-FFF2-40B4-BE49-F238E27FC236}">
+                <a16:creationId xmlns:a16="http://schemas.microsoft.com/office/drawing/2014/main" id="{BE1AF7CE-E6F6-D24D-BB90-E1989AAFA800}"/>
+              </a:ext>
+            </a:extLst>
+          </p:cNvPr>
+          <p:cNvPicPr>
+            <a:picLocks noChangeAspect="1"/>
+          </p:cNvPicPr>
+          <p:nvPr/>
+        </p:nvPicPr>
+        <p:blipFill>
+          <a:blip r:embed="rId5"/>
+          <a:stretch>
+            <a:fillRect/>
+          </a:stretch>
+        </p:blipFill>
+        <p:spPr>
+          <a:xfrm>
+            <a:off x="7836452" y="802861"/>
+            <a:ext cx="812800" cy="1117600"/>
+          </a:xfrm>
+          <a:prstGeom prst="rect">
+            <a:avLst/>
+          </a:prstGeom>
+        </p:spPr>
+      </p:pic>
+      <p:pic>
+        <p:nvPicPr>
+          <p:cNvPr id="6" name="Picture 5">
+            <a:extLst>
+              <a:ext uri="{FF2B5EF4-FFF2-40B4-BE49-F238E27FC236}">
+                <a16:creationId xmlns:a16="http://schemas.microsoft.com/office/drawing/2014/main" id="{CCE59106-671A-F443-A9B2-216E636DD3E0}"/>
+              </a:ext>
+            </a:extLst>
+          </p:cNvPr>
+          <p:cNvPicPr>
+            <a:picLocks noChangeAspect="1"/>
+          </p:cNvPicPr>
+          <p:nvPr/>
+        </p:nvPicPr>
+        <p:blipFill>
+          <a:blip r:embed="rId6">
+            <a:extLst>
+              <a:ext uri="{28A0092B-C50C-407E-A947-70E740481C1C}">
+                <a14:useLocalDpi xmlns:a14="http://schemas.microsoft.com/office/drawing/2010/main" val="0"/>
+              </a:ext>
+            </a:extLst>
+          </a:blip>
+          <a:stretch>
+            <a:fillRect/>
+          </a:stretch>
+        </p:blipFill>
+        <p:spPr>
+          <a:xfrm>
+            <a:off x="8093476" y="2711802"/>
+            <a:ext cx="4064000" cy="2971800"/>
+          </a:xfrm>
+          <a:prstGeom prst="rect">
+            <a:avLst/>
+          </a:prstGeom>
+        </p:spPr>
+      </p:pic>
     </p:spTree>
     <p:extLst>
       <p:ext uri="{BB962C8B-B14F-4D97-AF65-F5344CB8AC3E}">
-        <p14:creationId xmlns:p14="http://schemas.microsoft.com/office/powerpoint/2010/main" val="2775052813"/>
+        <p14:creationId xmlns:p14="http://schemas.microsoft.com/office/powerpoint/2010/main" val="1104730150"/>
       </p:ext>
     </p:extLst>
   </p:cSld>
@@ -12449,126 +12150,153 @@
           <a:chExt cx="0" cy="0"/>
         </a:xfrm>
       </p:grpSpPr>
+      <p:pic>
+        <p:nvPicPr>
+          <p:cNvPr id="2050" name="Picture 2" descr="Image result for gibbs slap">
+            <a:hlinkClick r:id="rId2"/>
+            <a:extLst>
+              <a:ext uri="{FF2B5EF4-FFF2-40B4-BE49-F238E27FC236}">
+                <a16:creationId xmlns:a16="http://schemas.microsoft.com/office/drawing/2014/main" id="{D3F068CE-D946-9444-BFC4-C4232F30DEDD}"/>
+              </a:ext>
+            </a:extLst>
+          </p:cNvPr>
+          <p:cNvPicPr>
+            <a:picLocks noChangeAspect="1" noChangeArrowheads="1"/>
+          </p:cNvPicPr>
+          <p:nvPr/>
+        </p:nvPicPr>
+        <p:blipFill>
+          <a:blip r:embed="rId3">
+            <a:extLst>
+              <a:ext uri="{28A0092B-C50C-407E-A947-70E740481C1C}">
+                <a14:useLocalDpi xmlns:a14="http://schemas.microsoft.com/office/drawing/2010/main" val="0"/>
+              </a:ext>
+            </a:extLst>
+          </a:blip>
+          <a:srcRect/>
+          <a:stretch>
+            <a:fillRect/>
+          </a:stretch>
+        </p:blipFill>
+        <p:spPr bwMode="auto">
+          <a:xfrm>
+            <a:off x="5849454" y="1044437"/>
+            <a:ext cx="5422900" cy="4610100"/>
+          </a:xfrm>
+          <a:prstGeom prst="rect">
+            <a:avLst/>
+          </a:prstGeom>
+          <a:noFill/>
+          <a:extLst>
+            <a:ext uri="{909E8E84-426E-40DD-AFC4-6F175D3DCCD1}">
+              <a14:hiddenFill xmlns:a14="http://schemas.microsoft.com/office/drawing/2010/main">
+                <a:solidFill>
+                  <a:srgbClr val="FFFFFF"/>
+                </a:solidFill>
+              </a14:hiddenFill>
+            </a:ext>
+          </a:extLst>
+        </p:spPr>
+      </p:pic>
       <p:sp>
         <p:nvSpPr>
-          <p:cNvPr id="2" name="Rectangle 1">
-            <a:extLst>
-              <a:ext uri="{FF2B5EF4-FFF2-40B4-BE49-F238E27FC236}">
-                <a16:creationId xmlns:a16="http://schemas.microsoft.com/office/drawing/2014/main" id="{5CE9D86C-8A64-F64E-97D2-34B131610F4D}"/>
-              </a:ext>
-            </a:extLst>
-          </p:cNvPr>
-          <p:cNvSpPr/>
+          <p:cNvPr id="2" name="TextBox 1">
+            <a:extLst>
+              <a:ext uri="{FF2B5EF4-FFF2-40B4-BE49-F238E27FC236}">
+                <a16:creationId xmlns:a16="http://schemas.microsoft.com/office/drawing/2014/main" id="{730EB49B-CDB5-F745-BFCC-844E8A797F25}"/>
+              </a:ext>
+            </a:extLst>
+          </p:cNvPr>
+          <p:cNvSpPr txBox="1"/>
           <p:nvPr/>
         </p:nvSpPr>
         <p:spPr>
           <a:xfrm>
-            <a:off x="2421546" y="1414808"/>
-            <a:ext cx="8242852" cy="3416320"/>
+            <a:off x="808383" y="1044437"/>
+            <a:ext cx="4534126" cy="3785652"/>
           </a:xfrm>
           <a:prstGeom prst="rect">
             <a:avLst/>
           </a:prstGeom>
+          <a:noFill/>
         </p:spPr>
         <p:txBody>
-          <a:bodyPr wrap="square">
+          <a:bodyPr wrap="none" rtlCol="0">
             <a:spAutoFit/>
           </a:bodyPr>
           <a:lstStyle/>
           <a:p>
             <a:r>
-              <a:rPr lang="en-GB" sz="2400" b="1"/>
-              <a:t>Helpful Data Validation features in Excel</a:t>
-            </a:r>
-          </a:p>
-          <a:p>
-            <a:pPr>
-              <a:buFont typeface="Arial" panose="020B0604020202020204" pitchFamily="34" charset="0"/>
-              <a:buChar char="•"/>
-            </a:pPr>
-            <a:r>
-              <a:rPr lang="en-GB" sz="2400"/>
-              <a:t>Excel data validation feature</a:t>
-            </a:r>
-          </a:p>
-          <a:p>
-            <a:pPr>
-              <a:buFont typeface="Arial" panose="020B0604020202020204" pitchFamily="34" charset="0"/>
-              <a:buChar char="•"/>
-            </a:pPr>
-            <a:r>
-              <a:rPr lang="en-GB" sz="2400"/>
-              <a:t>Select a column</a:t>
-            </a:r>
-          </a:p>
-          <a:p>
-            <a:pPr marL="742950" lvl="1" indent="-285750">
-              <a:buFont typeface="Arial" panose="020B0604020202020204" pitchFamily="34" charset="0"/>
-              <a:buChar char="•"/>
-            </a:pPr>
-            <a:r>
-              <a:rPr lang="en-GB" sz="2400"/>
-              <a:t>In the menu bar, choose “Data”</a:t>
-            </a:r>
-          </a:p>
-          <a:p>
-            <a:pPr marL="742950" lvl="1" indent="-285750">
-              <a:buFont typeface="Arial" panose="020B0604020202020204" pitchFamily="34" charset="0"/>
-              <a:buChar char="•"/>
-            </a:pPr>
-            <a:r>
-              <a:rPr lang="en-GB" sz="2400"/>
-              <a:t>Validation</a:t>
-            </a:r>
-          </a:p>
-          <a:p>
-            <a:pPr>
-              <a:buFont typeface="Arial" panose="020B0604020202020204" pitchFamily="34" charset="0"/>
-              <a:buChar char="•"/>
-            </a:pPr>
-            <a:r>
-              <a:rPr lang="en-GB" sz="2400"/>
-              <a:t>Integer or decimal number</a:t>
-            </a:r>
-          </a:p>
-          <a:p>
-            <a:pPr>
-              <a:buFont typeface="Arial" panose="020B0604020202020204" pitchFamily="34" charset="0"/>
-              <a:buChar char="•"/>
-            </a:pPr>
-            <a:r>
-              <a:rPr lang="en-GB" sz="2400"/>
-              <a:t>Range</a:t>
-            </a:r>
-          </a:p>
-          <a:p>
-            <a:pPr>
-              <a:buFont typeface="Arial" panose="020B0604020202020204" pitchFamily="34" charset="0"/>
-              <a:buChar char="•"/>
-            </a:pPr>
-            <a:r>
-              <a:rPr lang="en-GB" sz="2400"/>
-              <a:t>List of possible values</a:t>
-            </a:r>
-          </a:p>
-          <a:p>
-            <a:pPr>
-              <a:buFont typeface="Arial" panose="020B0604020202020204" pitchFamily="34" charset="0"/>
-              <a:buChar char="•"/>
-            </a:pPr>
-            <a:r>
-              <a:rPr lang="en-GB" sz="2400"/>
-              <a:t>Limited length text</a:t>
-            </a:r>
+              <a:rPr lang="en-GB" sz="2400" b="1" u="sng" dirty="0"/>
+              <a:t>Data Handling rules:</a:t>
+            </a:r>
+            <a:br>
+              <a:rPr lang="en-GB" sz="2400" dirty="0"/>
+            </a:br>
+            <a:endParaRPr lang="en-GB" sz="2400" dirty="0"/>
+          </a:p>
+          <a:p>
+            <a:r>
+              <a:rPr lang="en-GB" sz="2400" dirty="0"/>
+              <a:t>In TV’s NCIS, Special Agent Leroy </a:t>
+            </a:r>
+            <a:br>
+              <a:rPr lang="en-GB" sz="2400" dirty="0"/>
+            </a:br>
+            <a:r>
+              <a:rPr lang="en-GB" sz="2400" dirty="0"/>
+              <a:t>‘Jethro’ Gibbs has a set of rules.</a:t>
+            </a:r>
+            <a:br>
+              <a:rPr lang="en-GB" sz="2400" dirty="0"/>
+            </a:br>
+            <a:r>
+              <a:rPr lang="en-GB" sz="2400" dirty="0"/>
+              <a:t>Failure to observe Gibbs Rules </a:t>
+            </a:r>
+          </a:p>
+          <a:p>
+            <a:r>
+              <a:rPr lang="en-GB" sz="2400" dirty="0"/>
+              <a:t>results in </a:t>
+            </a:r>
+            <a:r>
+              <a:rPr lang="en-US" sz="2400" dirty="0"/>
+              <a:t>a ‘Gibbs Slap’</a:t>
+            </a:r>
+            <a:br>
+              <a:rPr lang="en-US" sz="2400" dirty="0"/>
+            </a:br>
+            <a:br>
+              <a:rPr lang="en-US" sz="2400" dirty="0"/>
+            </a:br>
+            <a:r>
+              <a:rPr lang="en-US" sz="2400" dirty="0"/>
+              <a:t>We’re not that cruel but here are </a:t>
+            </a:r>
+            <a:br>
+              <a:rPr lang="en-US" sz="2400" dirty="0"/>
+            </a:br>
+            <a:r>
+              <a:rPr lang="en-US" sz="2400" dirty="0"/>
+              <a:t>some rules to follow when dealing </a:t>
+            </a:r>
+          </a:p>
+          <a:p>
+            <a:r>
+              <a:rPr lang="en-US" sz="2400" dirty="0"/>
+              <a:t>with your data.</a:t>
+            </a:r>
+            <a:endParaRPr lang="en-GB" sz="2400" dirty="0"/>
           </a:p>
         </p:txBody>
       </p:sp>
       <p:pic>
         <p:nvPicPr>
-          <p:cNvPr id="3" name="Picture 2">
-            <a:extLst>
-              <a:ext uri="{FF2B5EF4-FFF2-40B4-BE49-F238E27FC236}">
-                <a16:creationId xmlns:a16="http://schemas.microsoft.com/office/drawing/2014/main" id="{A7571BBF-E980-8A40-B49B-81D8D48FD7CA}"/>
+          <p:cNvPr id="4" name="Picture 3">
+            <a:extLst>
+              <a:ext uri="{FF2B5EF4-FFF2-40B4-BE49-F238E27FC236}">
+                <a16:creationId xmlns:a16="http://schemas.microsoft.com/office/drawing/2014/main" id="{F9CABFB6-0237-FD4F-8D4C-E7AF8ED71086}"/>
               </a:ext>
             </a:extLst>
           </p:cNvPr>
@@ -12578,7 +12306,7 @@
           <p:nvPr/>
         </p:nvPicPr>
         <p:blipFill>
-          <a:blip r:embed="rId2">
+          <a:blip r:embed="rId4">
             <a:extLst>
               <a:ext uri="{28A0092B-C50C-407E-A947-70E740481C1C}">
                 <a14:useLocalDpi xmlns:a14="http://schemas.microsoft.com/office/drawing/2010/main" val="0"/>
@@ -12591,7 +12319,7 @@
         </p:blipFill>
         <p:spPr>
           <a:xfrm>
-            <a:off x="355876" y="5761659"/>
+            <a:off x="355876" y="5814667"/>
             <a:ext cx="3283200" cy="720058"/>
           </a:xfrm>
           <a:prstGeom prst="rect">
@@ -12599,40 +12327,59 @@
           </a:prstGeom>
         </p:spPr>
       </p:pic>
-      <p:pic>
-        <p:nvPicPr>
-          <p:cNvPr id="4" name="Picture 3">
-            <a:extLst>
-              <a:ext uri="{FF2B5EF4-FFF2-40B4-BE49-F238E27FC236}">
-                <a16:creationId xmlns:a16="http://schemas.microsoft.com/office/drawing/2014/main" id="{E2BD8315-F452-494F-BFF9-DE56B591F369}"/>
-              </a:ext>
-            </a:extLst>
-          </p:cNvPr>
-          <p:cNvPicPr>
-            <a:picLocks noChangeAspect="1"/>
-          </p:cNvPicPr>
+      <p:sp>
+        <p:nvSpPr>
+          <p:cNvPr id="3" name="Rectangle 2">
+            <a:extLst>
+              <a:ext uri="{FF2B5EF4-FFF2-40B4-BE49-F238E27FC236}">
+                <a16:creationId xmlns:a16="http://schemas.microsoft.com/office/drawing/2014/main" id="{D83AC799-0BEE-1046-A351-84DBAC5D244F}"/>
+              </a:ext>
+            </a:extLst>
+          </p:cNvPr>
+          <p:cNvSpPr/>
           <p:nvPr/>
-        </p:nvPicPr>
-        <p:blipFill>
-          <a:blip r:embed="rId3"/>
-          <a:stretch>
-            <a:fillRect/>
-          </a:stretch>
-        </p:blipFill>
+        </p:nvSpPr>
         <p:spPr>
           <a:xfrm>
-            <a:off x="7999067" y="1414808"/>
-            <a:ext cx="673100" cy="1143000"/>
+            <a:off x="5665626" y="5331371"/>
+            <a:ext cx="5606728" cy="646331"/>
           </a:xfrm>
           <a:prstGeom prst="rect">
             <a:avLst/>
           </a:prstGeom>
         </p:spPr>
-      </p:pic>
+        <p:txBody>
+          <a:bodyPr wrap="none">
+            <a:spAutoFit/>
+          </a:bodyPr>
+          <a:lstStyle/>
+          <a:p>
+            <a:r>
+              <a:rPr lang="en-GB" dirty="0"/>
+              <a:t>Image credit:</a:t>
+            </a:r>
+            <a:endParaRPr lang="en-US" dirty="0"/>
+          </a:p>
+          <a:p>
+            <a:r>
+              <a:rPr lang="en-US" dirty="0"/>
+              <a:t>https://</a:t>
+            </a:r>
+            <a:r>
+              <a:rPr lang="en-US" dirty="0" err="1"/>
+              <a:t>saisoto.deviantart.com</a:t>
+            </a:r>
+            <a:r>
+              <a:rPr lang="en-US" dirty="0"/>
+              <a:t>/art/Gibbs-Slap-173459786</a:t>
+            </a:r>
+          </a:p>
+        </p:txBody>
+      </p:sp>
     </p:spTree>
     <p:extLst>
       <p:ext uri="{BB962C8B-B14F-4D97-AF65-F5344CB8AC3E}">
-        <p14:creationId xmlns:p14="http://schemas.microsoft.com/office/powerpoint/2010/main" val="2355172179"/>
+        <p14:creationId xmlns:p14="http://schemas.microsoft.com/office/powerpoint/2010/main" val="3529431613"/>
       </p:ext>
     </p:extLst>
   </p:cSld>
